--- a/Proj/presentations/Phase1_a50178_JosePires_a88258_HugoFreitas.pptx
+++ b/Proj/presentations/Phase1_a50178_JosePires_a88258_HugoFreitas.pptx
@@ -5,10 +5,10 @@
     <p:sldMasterId id="2147483648" r:id="rId4"/>
   </p:sldMasterIdLst>
   <p:notesMasterIdLst>
-    <p:notesMasterId r:id="rId27"/>
+    <p:notesMasterId r:id="rId37"/>
   </p:notesMasterIdLst>
   <p:handoutMasterIdLst>
-    <p:handoutMasterId r:id="rId28"/>
+    <p:handoutMasterId r:id="rId38"/>
   </p:handoutMasterIdLst>
   <p:sldIdLst>
     <p:sldId id="260" r:id="rId5"/>
@@ -32,7 +32,17 @@
     <p:sldId id="298" r:id="rId23"/>
     <p:sldId id="299" r:id="rId24"/>
     <p:sldId id="300" r:id="rId25"/>
-    <p:sldId id="284" r:id="rId26"/>
+    <p:sldId id="301" r:id="rId26"/>
+    <p:sldId id="302" r:id="rId27"/>
+    <p:sldId id="303" r:id="rId28"/>
+    <p:sldId id="304" r:id="rId29"/>
+    <p:sldId id="305" r:id="rId30"/>
+    <p:sldId id="307" r:id="rId31"/>
+    <p:sldId id="308" r:id="rId32"/>
+    <p:sldId id="309" r:id="rId33"/>
+    <p:sldId id="310" r:id="rId34"/>
+    <p:sldId id="311" r:id="rId35"/>
+    <p:sldId id="284" r:id="rId36"/>
   </p:sldIdLst>
   <p:sldSz cx="9144000" cy="6858000" type="screen4x3"/>
   <p:notesSz cx="6858000" cy="9144000"/>
@@ -154,6 +164,7 @@
 <p1510:revInfo xmlns:a="http://schemas.openxmlformats.org/drawingml/2006/main" xmlns:r="http://schemas.openxmlformats.org/officeDocument/2006/relationships" xmlns:p1510="http://schemas.microsoft.com/office/powerpoint/2015/10/main">
   <p1510:revLst>
     <p1510:client id="{0A0207AF-2EEE-484D-94B2-CB34141D6B0C}" v="262" dt="2021-11-02T23:18:08.268"/>
+    <p1510:client id="{F254D5BC-F8F5-4A18-8C2F-839C4C2A18B6}" v="232" dt="2021-11-03T12:45:48.846"/>
   </p1510:revLst>
 </p1510:revInfo>
 </file>
@@ -528,6 +539,360 @@
     </pc:docChg>
   </pc:docChgLst>
   <pc:docChgLst>
+    <pc:chgData name="José Pires" userId="8aa95e1a-3780-4ae1-aa65-7eda6c870eeb" providerId="ADAL" clId="{F254D5BC-F8F5-4A18-8C2F-839C4C2A18B6}"/>
+    <pc:docChg chg="undo redo custSel addSld delSld modSld">
+      <pc:chgData name="José Pires" userId="8aa95e1a-3780-4ae1-aa65-7eda6c870eeb" providerId="ADAL" clId="{F254D5BC-F8F5-4A18-8C2F-839C4C2A18B6}" dt="2021-11-03T12:45:48.846" v="1696" actId="20577"/>
+      <pc:docMkLst>
+        <pc:docMk/>
+      </pc:docMkLst>
+      <pc:sldChg chg="modSp mod modAnim">
+        <pc:chgData name="José Pires" userId="8aa95e1a-3780-4ae1-aa65-7eda6c870eeb" providerId="ADAL" clId="{F254D5BC-F8F5-4A18-8C2F-839C4C2A18B6}" dt="2021-11-03T12:44:08.166" v="1688" actId="20577"/>
+        <pc:sldMkLst>
+          <pc:docMk/>
+          <pc:sldMk cId="229941910" sldId="297"/>
+        </pc:sldMkLst>
+        <pc:spChg chg="mod">
+          <ac:chgData name="José Pires" userId="8aa95e1a-3780-4ae1-aa65-7eda6c870eeb" providerId="ADAL" clId="{F254D5BC-F8F5-4A18-8C2F-839C4C2A18B6}" dt="2021-11-03T12:44:08.166" v="1688" actId="20577"/>
+          <ac:spMkLst>
+            <pc:docMk/>
+            <pc:sldMk cId="229941910" sldId="297"/>
+            <ac:spMk id="10" creationId="{FDDB500B-8A17-4F71-87AE-71DB58E8B802}"/>
+          </ac:spMkLst>
+        </pc:spChg>
+      </pc:sldChg>
+      <pc:sldChg chg="modSp modAnim">
+        <pc:chgData name="José Pires" userId="8aa95e1a-3780-4ae1-aa65-7eda6c870eeb" providerId="ADAL" clId="{F254D5BC-F8F5-4A18-8C2F-839C4C2A18B6}" dt="2021-11-03T12:44:25.297" v="1691" actId="20577"/>
+        <pc:sldMkLst>
+          <pc:docMk/>
+          <pc:sldMk cId="4260652149" sldId="298"/>
+        </pc:sldMkLst>
+        <pc:spChg chg="mod">
+          <ac:chgData name="José Pires" userId="8aa95e1a-3780-4ae1-aa65-7eda6c870eeb" providerId="ADAL" clId="{F254D5BC-F8F5-4A18-8C2F-839C4C2A18B6}" dt="2021-11-03T12:44:25.297" v="1691" actId="20577"/>
+          <ac:spMkLst>
+            <pc:docMk/>
+            <pc:sldMk cId="4260652149" sldId="298"/>
+            <ac:spMk id="10" creationId="{FDDB500B-8A17-4F71-87AE-71DB58E8B802}"/>
+          </ac:spMkLst>
+        </pc:spChg>
+      </pc:sldChg>
+      <pc:sldChg chg="modSp modAnim">
+        <pc:chgData name="José Pires" userId="8aa95e1a-3780-4ae1-aa65-7eda6c870eeb" providerId="ADAL" clId="{F254D5BC-F8F5-4A18-8C2F-839C4C2A18B6}" dt="2021-11-03T12:36:15.082" v="1543"/>
+        <pc:sldMkLst>
+          <pc:docMk/>
+          <pc:sldMk cId="2035961688" sldId="299"/>
+        </pc:sldMkLst>
+        <pc:spChg chg="mod">
+          <ac:chgData name="José Pires" userId="8aa95e1a-3780-4ae1-aa65-7eda6c870eeb" providerId="ADAL" clId="{F254D5BC-F8F5-4A18-8C2F-839C4C2A18B6}" dt="2021-11-03T12:35:57.464" v="1540" actId="6549"/>
+          <ac:spMkLst>
+            <pc:docMk/>
+            <pc:sldMk cId="2035961688" sldId="299"/>
+            <ac:spMk id="10" creationId="{FDDB500B-8A17-4F71-87AE-71DB58E8B802}"/>
+          </ac:spMkLst>
+        </pc:spChg>
+      </pc:sldChg>
+      <pc:sldChg chg="modAnim">
+        <pc:chgData name="José Pires" userId="8aa95e1a-3780-4ae1-aa65-7eda6c870eeb" providerId="ADAL" clId="{F254D5BC-F8F5-4A18-8C2F-839C4C2A18B6}" dt="2021-11-03T12:36:43.325" v="1546"/>
+        <pc:sldMkLst>
+          <pc:docMk/>
+          <pc:sldMk cId="3381390236" sldId="300"/>
+        </pc:sldMkLst>
+      </pc:sldChg>
+      <pc:sldChg chg="addSp modSp add mod modAnim">
+        <pc:chgData name="José Pires" userId="8aa95e1a-3780-4ae1-aa65-7eda6c870eeb" providerId="ADAL" clId="{F254D5BC-F8F5-4A18-8C2F-839C4C2A18B6}" dt="2021-11-03T12:37:00.654" v="1548"/>
+        <pc:sldMkLst>
+          <pc:docMk/>
+          <pc:sldMk cId="2119306934" sldId="301"/>
+        </pc:sldMkLst>
+        <pc:spChg chg="mod">
+          <ac:chgData name="José Pires" userId="8aa95e1a-3780-4ae1-aa65-7eda6c870eeb" providerId="ADAL" clId="{F254D5BC-F8F5-4A18-8C2F-839C4C2A18B6}" dt="2021-11-03T11:47:49.650" v="23" actId="20577"/>
+          <ac:spMkLst>
+            <pc:docMk/>
+            <pc:sldMk cId="2119306934" sldId="301"/>
+            <ac:spMk id="3" creationId="{DCCAD75C-6CBB-4728-9829-FF3AF5C28B9E}"/>
+          </ac:spMkLst>
+        </pc:spChg>
+        <pc:spChg chg="mod">
+          <ac:chgData name="José Pires" userId="8aa95e1a-3780-4ae1-aa65-7eda6c870eeb" providerId="ADAL" clId="{F254D5BC-F8F5-4A18-8C2F-839C4C2A18B6}" dt="2021-11-03T11:52:52.327" v="128" actId="1035"/>
+          <ac:spMkLst>
+            <pc:docMk/>
+            <pc:sldMk cId="2119306934" sldId="301"/>
+            <ac:spMk id="10" creationId="{FDDB500B-8A17-4F71-87AE-71DB58E8B802}"/>
+          </ac:spMkLst>
+        </pc:spChg>
+        <pc:picChg chg="add mod">
+          <ac:chgData name="José Pires" userId="8aa95e1a-3780-4ae1-aa65-7eda6c870eeb" providerId="ADAL" clId="{F254D5BC-F8F5-4A18-8C2F-839C4C2A18B6}" dt="2021-11-03T11:53:02.563" v="129" actId="14100"/>
+          <ac:picMkLst>
+            <pc:docMk/>
+            <pc:sldMk cId="2119306934" sldId="301"/>
+            <ac:picMk id="5" creationId="{EA51ED4C-836C-48D9-8B5F-95D360BC9641}"/>
+          </ac:picMkLst>
+        </pc:picChg>
+      </pc:sldChg>
+      <pc:sldChg chg="modSp add mod modAnim">
+        <pc:chgData name="José Pires" userId="8aa95e1a-3780-4ae1-aa65-7eda6c870eeb" providerId="ADAL" clId="{F254D5BC-F8F5-4A18-8C2F-839C4C2A18B6}" dt="2021-11-03T12:37:12.984" v="1550"/>
+        <pc:sldMkLst>
+          <pc:docMk/>
+          <pc:sldMk cId="1501482278" sldId="302"/>
+        </pc:sldMkLst>
+        <pc:spChg chg="mod">
+          <ac:chgData name="José Pires" userId="8aa95e1a-3780-4ae1-aa65-7eda6c870eeb" providerId="ADAL" clId="{F254D5BC-F8F5-4A18-8C2F-839C4C2A18B6}" dt="2021-11-03T12:14:42.540" v="914" actId="1036"/>
+          <ac:spMkLst>
+            <pc:docMk/>
+            <pc:sldMk cId="1501482278" sldId="302"/>
+            <ac:spMk id="10" creationId="{FDDB500B-8A17-4F71-87AE-71DB58E8B802}"/>
+          </ac:spMkLst>
+        </pc:spChg>
+      </pc:sldChg>
+      <pc:sldChg chg="modSp add mod modAnim">
+        <pc:chgData name="José Pires" userId="8aa95e1a-3780-4ae1-aa65-7eda6c870eeb" providerId="ADAL" clId="{F254D5BC-F8F5-4A18-8C2F-839C4C2A18B6}" dt="2021-11-03T12:45:48.846" v="1696" actId="20577"/>
+        <pc:sldMkLst>
+          <pc:docMk/>
+          <pc:sldMk cId="3578829051" sldId="303"/>
+        </pc:sldMkLst>
+        <pc:spChg chg="mod">
+          <ac:chgData name="José Pires" userId="8aa95e1a-3780-4ae1-aa65-7eda6c870eeb" providerId="ADAL" clId="{F254D5BC-F8F5-4A18-8C2F-839C4C2A18B6}" dt="2021-11-03T12:07:54.539" v="464" actId="1076"/>
+          <ac:spMkLst>
+            <pc:docMk/>
+            <pc:sldMk cId="3578829051" sldId="303"/>
+            <ac:spMk id="4" creationId="{17FAB7C6-6F88-4D44-BBB3-24B69BF254BC}"/>
+          </ac:spMkLst>
+        </pc:spChg>
+        <pc:spChg chg="mod">
+          <ac:chgData name="José Pires" userId="8aa95e1a-3780-4ae1-aa65-7eda6c870eeb" providerId="ADAL" clId="{F254D5BC-F8F5-4A18-8C2F-839C4C2A18B6}" dt="2021-11-03T12:45:48.846" v="1696" actId="20577"/>
+          <ac:spMkLst>
+            <pc:docMk/>
+            <pc:sldMk cId="3578829051" sldId="303"/>
+            <ac:spMk id="10" creationId="{FDDB500B-8A17-4F71-87AE-71DB58E8B802}"/>
+          </ac:spMkLst>
+        </pc:spChg>
+      </pc:sldChg>
+      <pc:sldChg chg="modSp add mod modAnim">
+        <pc:chgData name="José Pires" userId="8aa95e1a-3780-4ae1-aa65-7eda6c870eeb" providerId="ADAL" clId="{F254D5BC-F8F5-4A18-8C2F-839C4C2A18B6}" dt="2021-11-03T12:37:37.504" v="1552"/>
+        <pc:sldMkLst>
+          <pc:docMk/>
+          <pc:sldMk cId="340859211" sldId="304"/>
+        </pc:sldMkLst>
+        <pc:spChg chg="mod">
+          <ac:chgData name="José Pires" userId="8aa95e1a-3780-4ae1-aa65-7eda6c870eeb" providerId="ADAL" clId="{F254D5BC-F8F5-4A18-8C2F-839C4C2A18B6}" dt="2021-11-03T12:14:24.990" v="911" actId="1035"/>
+          <ac:spMkLst>
+            <pc:docMk/>
+            <pc:sldMk cId="340859211" sldId="304"/>
+            <ac:spMk id="10" creationId="{FDDB500B-8A17-4F71-87AE-71DB58E8B802}"/>
+          </ac:spMkLst>
+        </pc:spChg>
+      </pc:sldChg>
+      <pc:sldChg chg="modSp add mod modAnim">
+        <pc:chgData name="José Pires" userId="8aa95e1a-3780-4ae1-aa65-7eda6c870eeb" providerId="ADAL" clId="{F254D5BC-F8F5-4A18-8C2F-839C4C2A18B6}" dt="2021-11-03T12:37:58.174" v="1554"/>
+        <pc:sldMkLst>
+          <pc:docMk/>
+          <pc:sldMk cId="2884528864" sldId="305"/>
+        </pc:sldMkLst>
+        <pc:spChg chg="mod">
+          <ac:chgData name="José Pires" userId="8aa95e1a-3780-4ae1-aa65-7eda6c870eeb" providerId="ADAL" clId="{F254D5BC-F8F5-4A18-8C2F-839C4C2A18B6}" dt="2021-11-03T12:27:19.212" v="1367" actId="20577"/>
+          <ac:spMkLst>
+            <pc:docMk/>
+            <pc:sldMk cId="2884528864" sldId="305"/>
+            <ac:spMk id="10" creationId="{FDDB500B-8A17-4F71-87AE-71DB58E8B802}"/>
+          </ac:spMkLst>
+        </pc:spChg>
+      </pc:sldChg>
+      <pc:sldChg chg="add del">
+        <pc:chgData name="José Pires" userId="8aa95e1a-3780-4ae1-aa65-7eda6c870eeb" providerId="ADAL" clId="{F254D5BC-F8F5-4A18-8C2F-839C4C2A18B6}" dt="2021-11-03T12:29:36.133" v="1422" actId="47"/>
+        <pc:sldMkLst>
+          <pc:docMk/>
+          <pc:sldMk cId="3365261791" sldId="306"/>
+        </pc:sldMkLst>
+      </pc:sldChg>
+      <pc:sldChg chg="addSp delSp modSp add mod addAnim delAnim modAnim">
+        <pc:chgData name="José Pires" userId="8aa95e1a-3780-4ae1-aa65-7eda6c870eeb" providerId="ADAL" clId="{F254D5BC-F8F5-4A18-8C2F-839C4C2A18B6}" dt="2021-11-03T12:43:03.196" v="1674"/>
+        <pc:sldMkLst>
+          <pc:docMk/>
+          <pc:sldMk cId="194193053" sldId="307"/>
+        </pc:sldMkLst>
+        <pc:spChg chg="add mod">
+          <ac:chgData name="José Pires" userId="8aa95e1a-3780-4ae1-aa65-7eda6c870eeb" providerId="ADAL" clId="{F254D5BC-F8F5-4A18-8C2F-839C4C2A18B6}" dt="2021-11-03T12:42:27.105" v="1672" actId="164"/>
+          <ac:spMkLst>
+            <pc:docMk/>
+            <pc:sldMk cId="194193053" sldId="307"/>
+            <ac:spMk id="2" creationId="{6FD765A8-E232-4FF7-B45C-DCAEAF74BC8A}"/>
+          </ac:spMkLst>
+        </pc:spChg>
+        <pc:spChg chg="add del mod">
+          <ac:chgData name="José Pires" userId="8aa95e1a-3780-4ae1-aa65-7eda6c870eeb" providerId="ADAL" clId="{F254D5BC-F8F5-4A18-8C2F-839C4C2A18B6}" dt="2021-11-03T12:39:20.063" v="1644"/>
+          <ac:spMkLst>
+            <pc:docMk/>
+            <pc:sldMk cId="194193053" sldId="307"/>
+            <ac:spMk id="6" creationId="{C84EEFEB-8D34-4281-B0DC-F603BDD7D3DE}"/>
+          </ac:spMkLst>
+        </pc:spChg>
+        <pc:spChg chg="add del mod">
+          <ac:chgData name="José Pires" userId="8aa95e1a-3780-4ae1-aa65-7eda6c870eeb" providerId="ADAL" clId="{F254D5BC-F8F5-4A18-8C2F-839C4C2A18B6}" dt="2021-11-03T12:39:19.657" v="1643"/>
+          <ac:spMkLst>
+            <pc:docMk/>
+            <pc:sldMk cId="194193053" sldId="307"/>
+            <ac:spMk id="7" creationId="{E5900A0C-A1C7-4027-B093-771483591216}"/>
+          </ac:spMkLst>
+        </pc:spChg>
+        <pc:spChg chg="add mod">
+          <ac:chgData name="José Pires" userId="8aa95e1a-3780-4ae1-aa65-7eda6c870eeb" providerId="ADAL" clId="{F254D5BC-F8F5-4A18-8C2F-839C4C2A18B6}" dt="2021-11-03T12:42:27.105" v="1672" actId="164"/>
+          <ac:spMkLst>
+            <pc:docMk/>
+            <pc:sldMk cId="194193053" sldId="307"/>
+            <ac:spMk id="8" creationId="{0F0E2436-9436-4B00-A297-D296AB9E1342}"/>
+          </ac:spMkLst>
+        </pc:spChg>
+        <pc:spChg chg="mod">
+          <ac:chgData name="José Pires" userId="8aa95e1a-3780-4ae1-aa65-7eda6c870eeb" providerId="ADAL" clId="{F254D5BC-F8F5-4A18-8C2F-839C4C2A18B6}" dt="2021-11-03T12:39:52.534" v="1656" actId="27636"/>
+          <ac:spMkLst>
+            <pc:docMk/>
+            <pc:sldMk cId="194193053" sldId="307"/>
+            <ac:spMk id="10" creationId="{FDDB500B-8A17-4F71-87AE-71DB58E8B802}"/>
+          </ac:spMkLst>
+        </pc:spChg>
+        <pc:grpChg chg="add mod">
+          <ac:chgData name="José Pires" userId="8aa95e1a-3780-4ae1-aa65-7eda6c870eeb" providerId="ADAL" clId="{F254D5BC-F8F5-4A18-8C2F-839C4C2A18B6}" dt="2021-11-03T12:42:27.105" v="1672" actId="164"/>
+          <ac:grpSpMkLst>
+            <pc:docMk/>
+            <pc:sldMk cId="194193053" sldId="307"/>
+            <ac:grpSpMk id="9" creationId="{99CBF258-4D7C-4EAA-BB16-56CD57A8D15D}"/>
+          </ac:grpSpMkLst>
+        </pc:grpChg>
+      </pc:sldChg>
+      <pc:sldChg chg="addSp delSp modSp add mod">
+        <pc:chgData name="José Pires" userId="8aa95e1a-3780-4ae1-aa65-7eda6c870eeb" providerId="ADAL" clId="{F254D5BC-F8F5-4A18-8C2F-839C4C2A18B6}" dt="2021-11-03T12:28:59.303" v="1420" actId="1076"/>
+        <pc:sldMkLst>
+          <pc:docMk/>
+          <pc:sldMk cId="3866161851" sldId="308"/>
+        </pc:sldMkLst>
+        <pc:spChg chg="mod">
+          <ac:chgData name="José Pires" userId="8aa95e1a-3780-4ae1-aa65-7eda6c870eeb" providerId="ADAL" clId="{F254D5BC-F8F5-4A18-8C2F-839C4C2A18B6}" dt="2021-11-03T12:27:43.252" v="1380" actId="20577"/>
+          <ac:spMkLst>
+            <pc:docMk/>
+            <pc:sldMk cId="3866161851" sldId="308"/>
+            <ac:spMk id="3" creationId="{DCCAD75C-6CBB-4728-9829-FF3AF5C28B9E}"/>
+          </ac:spMkLst>
+        </pc:spChg>
+        <pc:spChg chg="mod">
+          <ac:chgData name="José Pires" userId="8aa95e1a-3780-4ae1-aa65-7eda6c870eeb" providerId="ADAL" clId="{F254D5BC-F8F5-4A18-8C2F-839C4C2A18B6}" dt="2021-11-03T12:28:39.883" v="1415" actId="14100"/>
+          <ac:spMkLst>
+            <pc:docMk/>
+            <pc:sldMk cId="3866161851" sldId="308"/>
+            <ac:spMk id="10" creationId="{FDDB500B-8A17-4F71-87AE-71DB58E8B802}"/>
+          </ac:spMkLst>
+        </pc:spChg>
+        <pc:picChg chg="del">
+          <ac:chgData name="José Pires" userId="8aa95e1a-3780-4ae1-aa65-7eda6c870eeb" providerId="ADAL" clId="{F254D5BC-F8F5-4A18-8C2F-839C4C2A18B6}" dt="2021-11-03T12:27:58.902" v="1381" actId="478"/>
+          <ac:picMkLst>
+            <pc:docMk/>
+            <pc:sldMk cId="3866161851" sldId="308"/>
+            <ac:picMk id="5" creationId="{EA51ED4C-836C-48D9-8B5F-95D360BC9641}"/>
+          </ac:picMkLst>
+        </pc:picChg>
+        <pc:picChg chg="add mod">
+          <ac:chgData name="José Pires" userId="8aa95e1a-3780-4ae1-aa65-7eda6c870eeb" providerId="ADAL" clId="{F254D5BC-F8F5-4A18-8C2F-839C4C2A18B6}" dt="2021-11-03T12:28:59.303" v="1420" actId="1076"/>
+          <ac:picMkLst>
+            <pc:docMk/>
+            <pc:sldMk cId="3866161851" sldId="308"/>
+            <ac:picMk id="6" creationId="{DAD67517-F5CE-4B3C-8646-75DB137EB989}"/>
+          </ac:picMkLst>
+        </pc:picChg>
+      </pc:sldChg>
+      <pc:sldChg chg="addSp delSp modSp add mod">
+        <pc:chgData name="José Pires" userId="8aa95e1a-3780-4ae1-aa65-7eda6c870eeb" providerId="ADAL" clId="{F254D5BC-F8F5-4A18-8C2F-839C4C2A18B6}" dt="2021-11-03T12:30:49.273" v="1469" actId="12"/>
+        <pc:sldMkLst>
+          <pc:docMk/>
+          <pc:sldMk cId="747532929" sldId="309"/>
+        </pc:sldMkLst>
+        <pc:spChg chg="mod">
+          <ac:chgData name="José Pires" userId="8aa95e1a-3780-4ae1-aa65-7eda6c870eeb" providerId="ADAL" clId="{F254D5BC-F8F5-4A18-8C2F-839C4C2A18B6}" dt="2021-11-03T12:30:49.273" v="1469" actId="12"/>
+          <ac:spMkLst>
+            <pc:docMk/>
+            <pc:sldMk cId="747532929" sldId="309"/>
+            <ac:spMk id="10" creationId="{FDDB500B-8A17-4F71-87AE-71DB58E8B802}"/>
+          </ac:spMkLst>
+        </pc:spChg>
+        <pc:picChg chg="add mod">
+          <ac:chgData name="José Pires" userId="8aa95e1a-3780-4ae1-aa65-7eda6c870eeb" providerId="ADAL" clId="{F254D5BC-F8F5-4A18-8C2F-839C4C2A18B6}" dt="2021-11-03T12:30:38.170" v="1463" actId="1035"/>
+          <ac:picMkLst>
+            <pc:docMk/>
+            <pc:sldMk cId="747532929" sldId="309"/>
+            <ac:picMk id="5" creationId="{AE811864-BD5A-4A94-AEBA-F5AB9A68249F}"/>
+          </ac:picMkLst>
+        </pc:picChg>
+        <pc:picChg chg="del">
+          <ac:chgData name="José Pires" userId="8aa95e1a-3780-4ae1-aa65-7eda6c870eeb" providerId="ADAL" clId="{F254D5BC-F8F5-4A18-8C2F-839C4C2A18B6}" dt="2021-11-03T12:30:08.043" v="1446" actId="478"/>
+          <ac:picMkLst>
+            <pc:docMk/>
+            <pc:sldMk cId="747532929" sldId="309"/>
+            <ac:picMk id="6" creationId="{DAD67517-F5CE-4B3C-8646-75DB137EB989}"/>
+          </ac:picMkLst>
+        </pc:picChg>
+      </pc:sldChg>
+      <pc:sldChg chg="addSp delSp modSp add mod">
+        <pc:chgData name="José Pires" userId="8aa95e1a-3780-4ae1-aa65-7eda6c870eeb" providerId="ADAL" clId="{F254D5BC-F8F5-4A18-8C2F-839C4C2A18B6}" dt="2021-11-03T12:32:05.603" v="1493" actId="1035"/>
+        <pc:sldMkLst>
+          <pc:docMk/>
+          <pc:sldMk cId="1407692258" sldId="310"/>
+        </pc:sldMkLst>
+        <pc:spChg chg="mod">
+          <ac:chgData name="José Pires" userId="8aa95e1a-3780-4ae1-aa65-7eda6c870eeb" providerId="ADAL" clId="{F254D5BC-F8F5-4A18-8C2F-839C4C2A18B6}" dt="2021-11-03T12:31:27.881" v="1476" actId="20577"/>
+          <ac:spMkLst>
+            <pc:docMk/>
+            <pc:sldMk cId="1407692258" sldId="310"/>
+            <ac:spMk id="10" creationId="{FDDB500B-8A17-4F71-87AE-71DB58E8B802}"/>
+          </ac:spMkLst>
+        </pc:spChg>
+        <pc:picChg chg="del">
+          <ac:chgData name="José Pires" userId="8aa95e1a-3780-4ae1-aa65-7eda6c870eeb" providerId="ADAL" clId="{F254D5BC-F8F5-4A18-8C2F-839C4C2A18B6}" dt="2021-11-03T12:31:45.473" v="1477" actId="478"/>
+          <ac:picMkLst>
+            <pc:docMk/>
+            <pc:sldMk cId="1407692258" sldId="310"/>
+            <ac:picMk id="5" creationId="{AE811864-BD5A-4A94-AEBA-F5AB9A68249F}"/>
+          </ac:picMkLst>
+        </pc:picChg>
+        <pc:picChg chg="add mod">
+          <ac:chgData name="José Pires" userId="8aa95e1a-3780-4ae1-aa65-7eda6c870eeb" providerId="ADAL" clId="{F254D5BC-F8F5-4A18-8C2F-839C4C2A18B6}" dt="2021-11-03T12:32:05.603" v="1493" actId="1035"/>
+          <ac:picMkLst>
+            <pc:docMk/>
+            <pc:sldMk cId="1407692258" sldId="310"/>
+            <ac:picMk id="6" creationId="{C884F6B3-5763-4C46-B5ED-078E9B88D4C6}"/>
+          </ac:picMkLst>
+        </pc:picChg>
+      </pc:sldChg>
+      <pc:sldChg chg="addSp delSp modSp add mod">
+        <pc:chgData name="José Pires" userId="8aa95e1a-3780-4ae1-aa65-7eda6c870eeb" providerId="ADAL" clId="{F254D5BC-F8F5-4A18-8C2F-839C4C2A18B6}" dt="2021-11-03T12:34:04.944" v="1527" actId="1035"/>
+        <pc:sldMkLst>
+          <pc:docMk/>
+          <pc:sldMk cId="1471628245" sldId="311"/>
+        </pc:sldMkLst>
+        <pc:spChg chg="mod">
+          <ac:chgData name="José Pires" userId="8aa95e1a-3780-4ae1-aa65-7eda6c870eeb" providerId="ADAL" clId="{F254D5BC-F8F5-4A18-8C2F-839C4C2A18B6}" dt="2021-11-03T12:33:21.170" v="1516" actId="20577"/>
+          <ac:spMkLst>
+            <pc:docMk/>
+            <pc:sldMk cId="1471628245" sldId="311"/>
+            <ac:spMk id="10" creationId="{FDDB500B-8A17-4F71-87AE-71DB58E8B802}"/>
+          </ac:spMkLst>
+        </pc:spChg>
+        <pc:picChg chg="add mod ord">
+          <ac:chgData name="José Pires" userId="8aa95e1a-3780-4ae1-aa65-7eda6c870eeb" providerId="ADAL" clId="{F254D5BC-F8F5-4A18-8C2F-839C4C2A18B6}" dt="2021-11-03T12:34:04.944" v="1527" actId="1035"/>
+          <ac:picMkLst>
+            <pc:docMk/>
+            <pc:sldMk cId="1471628245" sldId="311"/>
+            <ac:picMk id="5" creationId="{D5735F9D-1066-4D0D-8B69-064A1B6FCEFB}"/>
+          </ac:picMkLst>
+        </pc:picChg>
+        <pc:picChg chg="del">
+          <ac:chgData name="José Pires" userId="8aa95e1a-3780-4ae1-aa65-7eda6c870eeb" providerId="ADAL" clId="{F254D5BC-F8F5-4A18-8C2F-839C4C2A18B6}" dt="2021-11-03T12:32:33.793" v="1507" actId="478"/>
+          <ac:picMkLst>
+            <pc:docMk/>
+            <pc:sldMk cId="1471628245" sldId="311"/>
+            <ac:picMk id="6" creationId="{C884F6B3-5763-4C46-B5ED-078E9B88D4C6}"/>
+          </ac:picMkLst>
+        </pc:picChg>
+      </pc:sldChg>
+    </pc:docChg>
+  </pc:docChgLst>
+  <pc:docChgLst>
     <pc:chgData name="José Miguel Alves Pires" userId="S::a50178@uminho.pt::8aa95e1a-3780-4ae1-aa65-7eda6c870eeb" providerId="AD" clId="Web-{294F45A7-305F-72C9-6727-9ACED13BFE9C}"/>
     <pc:docChg chg="modSld">
       <pc:chgData name="José Miguel Alves Pires" userId="S::a50178@uminho.pt::8aa95e1a-3780-4ae1-aa65-7eda6c870eeb" providerId="AD" clId="Web-{294F45A7-305F-72C9-6727-9ACED13BFE9C}" dt="2021-10-27T22:15:06.808" v="13" actId="14100"/>
@@ -907,7 +1272,7 @@
             <a:fld id="{A849C5AD-4428-4E9C-9C84-11B72C9365FB}" type="datetimeFigureOut">
               <a:rPr lang="pt-PT" smtClean="0"/>
               <a:pPr/>
-              <a:t>02/11/2021</a:t>
+              <a:t>03/11/2021</a:t>
             </a:fld>
             <a:endParaRPr lang="pt-PT"/>
           </a:p>
@@ -1061,7 +1426,7 @@
             <a:fld id="{D7547E60-4BE7-4E4E-9AAA-5EE35AEC995C}" type="datetimeFigureOut">
               <a:rPr lang="pt-PT"/>
               <a:pPr/>
-              <a:t>02/11/2021</a:t>
+              <a:t>03/11/2021</a:t>
             </a:fld>
             <a:endParaRPr lang="pt-PT"/>
           </a:p>
@@ -1319,6 +1684,91 @@
     </a:lvl9pPr>
   </p:notesStyle>
 </p:notesMaster>
+</file>
+
+<file path=ppt/notesSlides/notesSlide1.xml><?xml version="1.0" encoding="utf-8"?>
+<p:notes xmlns:a="http://schemas.openxmlformats.org/drawingml/2006/main" xmlns:r="http://schemas.openxmlformats.org/officeDocument/2006/relationships" xmlns:p="http://schemas.openxmlformats.org/presentationml/2006/main">
+  <p:cSld>
+    <p:spTree>
+      <p:nvGrpSpPr>
+        <p:cNvPr id="1" name=""/>
+        <p:cNvGrpSpPr/>
+        <p:nvPr/>
+      </p:nvGrpSpPr>
+      <p:grpSpPr>
+        <a:xfrm>
+          <a:off x="0" y="0"/>
+          <a:ext cx="0" cy="0"/>
+          <a:chOff x="0" y="0"/>
+          <a:chExt cx="0" cy="0"/>
+        </a:xfrm>
+      </p:grpSpPr>
+      <p:sp>
+        <p:nvSpPr>
+          <p:cNvPr id="2" name="Slide Image Placeholder 1"/>
+          <p:cNvSpPr>
+            <a:spLocks noGrp="1" noRot="1" noChangeAspect="1"/>
+          </p:cNvSpPr>
+          <p:nvPr>
+            <p:ph type="sldImg"/>
+          </p:nvPr>
+        </p:nvSpPr>
+        <p:spPr/>
+      </p:sp>
+      <p:sp>
+        <p:nvSpPr>
+          <p:cNvPr id="3" name="Notes Placeholder 2"/>
+          <p:cNvSpPr>
+            <a:spLocks noGrp="1"/>
+          </p:cNvSpPr>
+          <p:nvPr>
+            <p:ph type="body" idx="1"/>
+          </p:nvPr>
+        </p:nvSpPr>
+        <p:spPr/>
+        <p:txBody>
+          <a:bodyPr/>
+          <a:lstStyle/>
+          <a:p>
+            <a:endParaRPr lang="en-GB" dirty="0"/>
+          </a:p>
+        </p:txBody>
+      </p:sp>
+      <p:sp>
+        <p:nvSpPr>
+          <p:cNvPr id="4" name="Slide Number Placeholder 3"/>
+          <p:cNvSpPr>
+            <a:spLocks noGrp="1"/>
+          </p:cNvSpPr>
+          <p:nvPr>
+            <p:ph type="sldNum" sz="quarter" idx="5"/>
+          </p:nvPr>
+        </p:nvSpPr>
+        <p:spPr/>
+        <p:txBody>
+          <a:bodyPr/>
+          <a:lstStyle/>
+          <a:p>
+            <a:fld id="{CA077768-21C8-4125-A345-258E48D2EED0}" type="slidenum">
+              <a:rPr lang="en-GB" smtClean="0"/>
+              <a:pPr/>
+              <a:t>27</a:t>
+            </a:fld>
+            <a:endParaRPr lang="en-GB"/>
+          </a:p>
+        </p:txBody>
+      </p:sp>
+    </p:spTree>
+    <p:extLst>
+      <p:ext uri="{BB962C8B-B14F-4D97-AF65-F5344CB8AC3E}">
+        <p14:creationId xmlns:p14="http://schemas.microsoft.com/office/powerpoint/2010/main" val="485582820"/>
+      </p:ext>
+    </p:extLst>
+  </p:cSld>
+  <p:clrMapOvr>
+    <a:masterClrMapping/>
+  </p:clrMapOvr>
+</p:notes>
 </file>
 
 <file path=ppt/slideLayouts/slideLayout1.xml><?xml version="1.0" encoding="utf-8"?>
@@ -5214,15 +5664,13 @@
             </a:pPr>
             <a:r>
               <a:rPr lang="en-GB" dirty="0"/>
-              <a:t>Provide a remote user interface for company staff to assess and control the MDO local system</a:t>
-            </a:r>
-            <a:r>
-              <a:rPr lang="en-GB" sz="1400" dirty="0"/>
-              <a:t> </a:t>
-            </a:r>
-            <a:br>
-              <a:rPr lang="en-GB" sz="1400" dirty="0"/>
-            </a:br>
+              <a:t>Provide a remote user interface for company staff to monitor and control the MDO local system</a:t>
+            </a:r>
+          </a:p>
+          <a:p>
+            <a:pPr marL="457200" lvl="1" indent="0" algn="just">
+              <a:buNone/>
+            </a:pPr>
             <a:endParaRPr lang="en-GB" sz="1400" dirty="0">
               <a:effectLst/>
             </a:endParaRPr>
@@ -5282,9 +5730,6 @@
                     <p:cTn id="3" fill="hold">
                       <p:stCondLst>
                         <p:cond delay="indefinite"/>
-                        <p:cond evt="onBegin" delay="0">
-                          <p:tn val="2"/>
-                        </p:cond>
                       </p:stCondLst>
                       <p:childTnLst>
                         <p:par>
@@ -5294,7 +5739,7 @@
                             </p:stCondLst>
                             <p:childTnLst>
                               <p:par>
-                                <p:cTn id="5" presetID="1" presetClass="entr" presetSubtype="0" fill="hold" nodeType="withEffect">
+                                <p:cTn id="5" presetID="1" presetClass="entr" presetSubtype="0" fill="hold" nodeType="clickEffect">
                                   <p:stCondLst>
                                     <p:cond delay="0"/>
                                   </p:stCondLst>
@@ -5302,37 +5747,6 @@
                                     <p:set>
                                       <p:cBhvr>
                                         <p:cTn id="6" dur="1" fill="hold">
-                                          <p:stCondLst>
-                                            <p:cond delay="0"/>
-                                          </p:stCondLst>
-                                        </p:cTn>
-                                        <p:tgtEl>
-                                          <p:spTgt spid="10">
-                                            <p:txEl>
-                                              <p:pRg st="0" end="0"/>
-                                            </p:txEl>
-                                          </p:spTgt>
-                                        </p:tgtEl>
-                                        <p:attrNameLst>
-                                          <p:attrName>style.visibility</p:attrName>
-                                        </p:attrNameLst>
-                                      </p:cBhvr>
-                                      <p:to>
-                                        <p:strVal val="visible"/>
-                                      </p:to>
-                                    </p:set>
-                                  </p:childTnLst>
-                                </p:cTn>
-                              </p:par>
-                              <p:par>
-                                <p:cTn id="7" presetID="1" presetClass="entr" presetSubtype="0" fill="hold" nodeType="withEffect">
-                                  <p:stCondLst>
-                                    <p:cond delay="0"/>
-                                  </p:stCondLst>
-                                  <p:childTnLst>
-                                    <p:set>
-                                      <p:cBhvr>
-                                        <p:cTn id="8" dur="1" fill="hold">
                                           <p:stCondLst>
                                             <p:cond delay="0"/>
                                           </p:stCondLst>
@@ -5355,8 +5769,26 @@
                                   </p:childTnLst>
                                 </p:cTn>
                               </p:par>
+                            </p:childTnLst>
+                          </p:cTn>
+                        </p:par>
+                      </p:childTnLst>
+                    </p:cTn>
+                  </p:par>
+                  <p:par>
+                    <p:cTn id="7" fill="hold">
+                      <p:stCondLst>
+                        <p:cond delay="indefinite"/>
+                      </p:stCondLst>
+                      <p:childTnLst>
+                        <p:par>
+                          <p:cTn id="8" fill="hold">
+                            <p:stCondLst>
+                              <p:cond delay="0"/>
+                            </p:stCondLst>
+                            <p:childTnLst>
                               <p:par>
-                                <p:cTn id="9" presetID="1" presetClass="entr" presetSubtype="0" fill="hold" nodeType="withEffect">
+                                <p:cTn id="9" presetID="1" presetClass="entr" presetSubtype="0" fill="hold" nodeType="clickEffect">
                                   <p:stCondLst>
                                     <p:cond delay="0"/>
                                   </p:stCondLst>
@@ -5386,15 +5818,33 @@
                                   </p:childTnLst>
                                 </p:cTn>
                               </p:par>
+                            </p:childTnLst>
+                          </p:cTn>
+                        </p:par>
+                      </p:childTnLst>
+                    </p:cTn>
+                  </p:par>
+                  <p:par>
+                    <p:cTn id="11" fill="hold">
+                      <p:stCondLst>
+                        <p:cond delay="indefinite"/>
+                      </p:stCondLst>
+                      <p:childTnLst>
+                        <p:par>
+                          <p:cTn id="12" fill="hold">
+                            <p:stCondLst>
+                              <p:cond delay="0"/>
+                            </p:stCondLst>
+                            <p:childTnLst>
                               <p:par>
-                                <p:cTn id="11" presetID="1" presetClass="entr" presetSubtype="0" fill="hold" nodeType="withEffect">
+                                <p:cTn id="13" presetID="1" presetClass="entr" presetSubtype="0" fill="hold" nodeType="clickEffect">
                                   <p:stCondLst>
                                     <p:cond delay="0"/>
                                   </p:stCondLst>
                                   <p:childTnLst>
                                     <p:set>
                                       <p:cBhvr>
-                                        <p:cTn id="12" dur="1" fill="hold">
+                                        <p:cTn id="14" dur="1" fill="hold">
                                           <p:stCondLst>
                                             <p:cond delay="0"/>
                                           </p:stCondLst>
@@ -5417,15 +5867,33 @@
                                   </p:childTnLst>
                                 </p:cTn>
                               </p:par>
+                            </p:childTnLst>
+                          </p:cTn>
+                        </p:par>
+                      </p:childTnLst>
+                    </p:cTn>
+                  </p:par>
+                  <p:par>
+                    <p:cTn id="15" fill="hold">
+                      <p:stCondLst>
+                        <p:cond delay="indefinite"/>
+                      </p:stCondLst>
+                      <p:childTnLst>
+                        <p:par>
+                          <p:cTn id="16" fill="hold">
+                            <p:stCondLst>
+                              <p:cond delay="0"/>
+                            </p:stCondLst>
+                            <p:childTnLst>
                               <p:par>
-                                <p:cTn id="13" presetID="1" presetClass="entr" presetSubtype="0" fill="hold" nodeType="withEffect">
+                                <p:cTn id="17" presetID="1" presetClass="entr" presetSubtype="0" fill="hold" nodeType="clickEffect">
                                   <p:stCondLst>
                                     <p:cond delay="0"/>
                                   </p:stCondLst>
                                   <p:childTnLst>
                                     <p:set>
                                       <p:cBhvr>
-                                        <p:cTn id="14" dur="1" fill="hold">
+                                        <p:cTn id="18" dur="1" fill="hold">
                                           <p:stCondLst>
                                             <p:cond delay="0"/>
                                           </p:stCondLst>
@@ -5448,15 +5916,33 @@
                                   </p:childTnLst>
                                 </p:cTn>
                               </p:par>
+                            </p:childTnLst>
+                          </p:cTn>
+                        </p:par>
+                      </p:childTnLst>
+                    </p:cTn>
+                  </p:par>
+                  <p:par>
+                    <p:cTn id="19" fill="hold">
+                      <p:stCondLst>
+                        <p:cond delay="indefinite"/>
+                      </p:stCondLst>
+                      <p:childTnLst>
+                        <p:par>
+                          <p:cTn id="20" fill="hold">
+                            <p:stCondLst>
+                              <p:cond delay="0"/>
+                            </p:stCondLst>
+                            <p:childTnLst>
                               <p:par>
-                                <p:cTn id="15" presetID="1" presetClass="entr" presetSubtype="0" fill="hold" nodeType="withEffect">
+                                <p:cTn id="21" presetID="1" presetClass="entr" presetSubtype="0" fill="hold" nodeType="clickEffect">
                                   <p:stCondLst>
                                     <p:cond delay="0"/>
                                   </p:stCondLst>
                                   <p:childTnLst>
                                     <p:set>
                                       <p:cBhvr>
-                                        <p:cTn id="16" dur="1" fill="hold">
+                                        <p:cTn id="22" dur="1" fill="hold">
                                           <p:stCondLst>
                                             <p:cond delay="0"/>
                                           </p:stCondLst>
@@ -5479,15 +5965,33 @@
                                   </p:childTnLst>
                                 </p:cTn>
                               </p:par>
+                            </p:childTnLst>
+                          </p:cTn>
+                        </p:par>
+                      </p:childTnLst>
+                    </p:cTn>
+                  </p:par>
+                  <p:par>
+                    <p:cTn id="23" fill="hold">
+                      <p:stCondLst>
+                        <p:cond delay="indefinite"/>
+                      </p:stCondLst>
+                      <p:childTnLst>
+                        <p:par>
+                          <p:cTn id="24" fill="hold">
+                            <p:stCondLst>
+                              <p:cond delay="0"/>
+                            </p:stCondLst>
+                            <p:childTnLst>
                               <p:par>
-                                <p:cTn id="17" presetID="1" presetClass="entr" presetSubtype="0" fill="hold" nodeType="withEffect">
+                                <p:cTn id="25" presetID="1" presetClass="entr" presetSubtype="0" fill="hold" nodeType="clickEffect">
                                   <p:stCondLst>
                                     <p:cond delay="0"/>
                                   </p:stCondLst>
                                   <p:childTnLst>
                                     <p:set>
                                       <p:cBhvr>
-                                        <p:cTn id="18" dur="1" fill="hold">
+                                        <p:cTn id="26" dur="1" fill="hold">
                                           <p:stCondLst>
                                             <p:cond delay="0"/>
                                           </p:stCondLst>
@@ -5510,15 +6014,33 @@
                                   </p:childTnLst>
                                 </p:cTn>
                               </p:par>
+                            </p:childTnLst>
+                          </p:cTn>
+                        </p:par>
+                      </p:childTnLst>
+                    </p:cTn>
+                  </p:par>
+                  <p:par>
+                    <p:cTn id="27" fill="hold">
+                      <p:stCondLst>
+                        <p:cond delay="indefinite"/>
+                      </p:stCondLst>
+                      <p:childTnLst>
+                        <p:par>
+                          <p:cTn id="28" fill="hold">
+                            <p:stCondLst>
+                              <p:cond delay="0"/>
+                            </p:stCondLst>
+                            <p:childTnLst>
                               <p:par>
-                                <p:cTn id="19" presetID="1" presetClass="entr" presetSubtype="0" fill="hold" nodeType="withEffect">
+                                <p:cTn id="29" presetID="1" presetClass="entr" presetSubtype="0" fill="hold" nodeType="clickEffect">
                                   <p:stCondLst>
                                     <p:cond delay="0"/>
                                   </p:stCondLst>
                                   <p:childTnLst>
                                     <p:set>
                                       <p:cBhvr>
-                                        <p:cTn id="20" dur="1" fill="hold">
+                                        <p:cTn id="30" dur="1" fill="hold">
                                           <p:stCondLst>
                                             <p:cond delay="0"/>
                                           </p:stCondLst>
@@ -5541,15 +6063,33 @@
                                   </p:childTnLst>
                                 </p:cTn>
                               </p:par>
+                            </p:childTnLst>
+                          </p:cTn>
+                        </p:par>
+                      </p:childTnLst>
+                    </p:cTn>
+                  </p:par>
+                  <p:par>
+                    <p:cTn id="31" fill="hold">
+                      <p:stCondLst>
+                        <p:cond delay="indefinite"/>
+                      </p:stCondLst>
+                      <p:childTnLst>
+                        <p:par>
+                          <p:cTn id="32" fill="hold">
+                            <p:stCondLst>
+                              <p:cond delay="0"/>
+                            </p:stCondLst>
+                            <p:childTnLst>
                               <p:par>
-                                <p:cTn id="21" presetID="1" presetClass="entr" presetSubtype="0" fill="hold" nodeType="withEffect">
+                                <p:cTn id="33" presetID="1" presetClass="entr" presetSubtype="0" fill="hold" nodeType="clickEffect">
                                   <p:stCondLst>
                                     <p:cond delay="0"/>
                                   </p:stCondLst>
                                   <p:childTnLst>
                                     <p:set>
                                       <p:cBhvr>
-                                        <p:cTn id="22" dur="1" fill="hold">
+                                        <p:cTn id="34" dur="1" fill="hold">
                                           <p:stCondLst>
                                             <p:cond delay="0"/>
                                           </p:stCondLst>
@@ -5572,15 +6112,33 @@
                                   </p:childTnLst>
                                 </p:cTn>
                               </p:par>
+                            </p:childTnLst>
+                          </p:cTn>
+                        </p:par>
+                      </p:childTnLst>
+                    </p:cTn>
+                  </p:par>
+                  <p:par>
+                    <p:cTn id="35" fill="hold">
+                      <p:stCondLst>
+                        <p:cond delay="indefinite"/>
+                      </p:stCondLst>
+                      <p:childTnLst>
+                        <p:par>
+                          <p:cTn id="36" fill="hold">
+                            <p:stCondLst>
+                              <p:cond delay="0"/>
+                            </p:stCondLst>
+                            <p:childTnLst>
                               <p:par>
-                                <p:cTn id="23" presetID="1" presetClass="entr" presetSubtype="0" fill="hold" nodeType="withEffect">
+                                <p:cTn id="37" presetID="1" presetClass="entr" presetSubtype="0" fill="hold" nodeType="clickEffect">
                                   <p:stCondLst>
                                     <p:cond delay="0"/>
                                   </p:stCondLst>
                                   <p:childTnLst>
                                     <p:set>
                                       <p:cBhvr>
-                                        <p:cTn id="24" dur="1" fill="hold">
+                                        <p:cTn id="38" dur="1" fill="hold">
                                           <p:stCondLst>
                                             <p:cond delay="0"/>
                                           </p:stCondLst>
@@ -5603,15 +6161,33 @@
                                   </p:childTnLst>
                                 </p:cTn>
                               </p:par>
+                            </p:childTnLst>
+                          </p:cTn>
+                        </p:par>
+                      </p:childTnLst>
+                    </p:cTn>
+                  </p:par>
+                  <p:par>
+                    <p:cTn id="39" fill="hold">
+                      <p:stCondLst>
+                        <p:cond delay="indefinite"/>
+                      </p:stCondLst>
+                      <p:childTnLst>
+                        <p:par>
+                          <p:cTn id="40" fill="hold">
+                            <p:stCondLst>
+                              <p:cond delay="0"/>
+                            </p:stCondLst>
+                            <p:childTnLst>
                               <p:par>
-                                <p:cTn id="25" presetID="1" presetClass="entr" presetSubtype="0" fill="hold" nodeType="withEffect">
+                                <p:cTn id="41" presetID="1" presetClass="entr" presetSubtype="0" fill="hold" nodeType="clickEffect">
                                   <p:stCondLst>
                                     <p:cond delay="0"/>
                                   </p:stCondLst>
                                   <p:childTnLst>
                                     <p:set>
                                       <p:cBhvr>
-                                        <p:cTn id="26" dur="1" fill="hold">
+                                        <p:cTn id="42" dur="1" fill="hold">
                                           <p:stCondLst>
                                             <p:cond delay="0"/>
                                           </p:stCondLst>
@@ -5852,9 +6428,6 @@
                     <p:cTn id="3" fill="hold">
                       <p:stCondLst>
                         <p:cond delay="indefinite"/>
-                        <p:cond evt="onBegin" delay="0">
-                          <p:tn val="2"/>
-                        </p:cond>
                       </p:stCondLst>
                       <p:childTnLst>
                         <p:par>
@@ -5864,7 +6437,7 @@
                             </p:stCondLst>
                             <p:childTnLst>
                               <p:par>
-                                <p:cTn id="5" presetID="1" presetClass="entr" presetSubtype="0" fill="hold" nodeType="withEffect">
+                                <p:cTn id="5" presetID="1" presetClass="entr" presetSubtype="0" fill="hold" nodeType="clickEffect">
                                   <p:stCondLst>
                                     <p:cond delay="0"/>
                                   </p:stCondLst>
@@ -5872,37 +6445,6 @@
                                     <p:set>
                                       <p:cBhvr>
                                         <p:cTn id="6" dur="1" fill="hold">
-                                          <p:stCondLst>
-                                            <p:cond delay="0"/>
-                                          </p:stCondLst>
-                                        </p:cTn>
-                                        <p:tgtEl>
-                                          <p:spTgt spid="10">
-                                            <p:txEl>
-                                              <p:pRg st="0" end="0"/>
-                                            </p:txEl>
-                                          </p:spTgt>
-                                        </p:tgtEl>
-                                        <p:attrNameLst>
-                                          <p:attrName>style.visibility</p:attrName>
-                                        </p:attrNameLst>
-                                      </p:cBhvr>
-                                      <p:to>
-                                        <p:strVal val="visible"/>
-                                      </p:to>
-                                    </p:set>
-                                  </p:childTnLst>
-                                </p:cTn>
-                              </p:par>
-                              <p:par>
-                                <p:cTn id="7" presetID="1" presetClass="entr" presetSubtype="0" fill="hold" nodeType="withEffect">
-                                  <p:stCondLst>
-                                    <p:cond delay="0"/>
-                                  </p:stCondLst>
-                                  <p:childTnLst>
-                                    <p:set>
-                                      <p:cBhvr>
-                                        <p:cTn id="8" dur="1" fill="hold">
                                           <p:stCondLst>
                                             <p:cond delay="0"/>
                                           </p:stCondLst>
@@ -5925,8 +6467,26 @@
                                   </p:childTnLst>
                                 </p:cTn>
                               </p:par>
+                            </p:childTnLst>
+                          </p:cTn>
+                        </p:par>
+                      </p:childTnLst>
+                    </p:cTn>
+                  </p:par>
+                  <p:par>
+                    <p:cTn id="7" fill="hold">
+                      <p:stCondLst>
+                        <p:cond delay="indefinite"/>
+                      </p:stCondLst>
+                      <p:childTnLst>
+                        <p:par>
+                          <p:cTn id="8" fill="hold">
+                            <p:stCondLst>
+                              <p:cond delay="0"/>
+                            </p:stCondLst>
+                            <p:childTnLst>
                               <p:par>
-                                <p:cTn id="9" presetID="1" presetClass="entr" presetSubtype="0" fill="hold" nodeType="withEffect">
+                                <p:cTn id="9" presetID="1" presetClass="entr" presetSubtype="0" fill="hold" nodeType="clickEffect">
                                   <p:stCondLst>
                                     <p:cond delay="0"/>
                                   </p:stCondLst>
@@ -5956,15 +6516,33 @@
                                   </p:childTnLst>
                                 </p:cTn>
                               </p:par>
+                            </p:childTnLst>
+                          </p:cTn>
+                        </p:par>
+                      </p:childTnLst>
+                    </p:cTn>
+                  </p:par>
+                  <p:par>
+                    <p:cTn id="11" fill="hold">
+                      <p:stCondLst>
+                        <p:cond delay="indefinite"/>
+                      </p:stCondLst>
+                      <p:childTnLst>
+                        <p:par>
+                          <p:cTn id="12" fill="hold">
+                            <p:stCondLst>
+                              <p:cond delay="0"/>
+                            </p:stCondLst>
+                            <p:childTnLst>
                               <p:par>
-                                <p:cTn id="11" presetID="1" presetClass="entr" presetSubtype="0" fill="hold" nodeType="withEffect">
+                                <p:cTn id="13" presetID="1" presetClass="entr" presetSubtype="0" fill="hold" nodeType="clickEffect">
                                   <p:stCondLst>
                                     <p:cond delay="0"/>
                                   </p:stCondLst>
                                   <p:childTnLst>
                                     <p:set>
                                       <p:cBhvr>
-                                        <p:cTn id="12" dur="1" fill="hold">
+                                        <p:cTn id="14" dur="1" fill="hold">
                                           <p:stCondLst>
                                             <p:cond delay="0"/>
                                           </p:stCondLst>
@@ -5987,15 +6565,33 @@
                                   </p:childTnLst>
                                 </p:cTn>
                               </p:par>
+                            </p:childTnLst>
+                          </p:cTn>
+                        </p:par>
+                      </p:childTnLst>
+                    </p:cTn>
+                  </p:par>
+                  <p:par>
+                    <p:cTn id="15" fill="hold">
+                      <p:stCondLst>
+                        <p:cond delay="indefinite"/>
+                      </p:stCondLst>
+                      <p:childTnLst>
+                        <p:par>
+                          <p:cTn id="16" fill="hold">
+                            <p:stCondLst>
+                              <p:cond delay="0"/>
+                            </p:stCondLst>
+                            <p:childTnLst>
                               <p:par>
-                                <p:cTn id="13" presetID="1" presetClass="entr" presetSubtype="0" fill="hold" nodeType="withEffect">
+                                <p:cTn id="17" presetID="1" presetClass="entr" presetSubtype="0" fill="hold" nodeType="clickEffect">
                                   <p:stCondLst>
                                     <p:cond delay="0"/>
                                   </p:stCondLst>
                                   <p:childTnLst>
                                     <p:set>
                                       <p:cBhvr>
-                                        <p:cTn id="14" dur="1" fill="hold">
+                                        <p:cTn id="18" dur="1" fill="hold">
                                           <p:stCondLst>
                                             <p:cond delay="0"/>
                                           </p:stCondLst>
@@ -6471,11 +7067,13 @@
             </a:pPr>
             <a:r>
               <a:rPr lang="en-GB" dirty="0"/>
-              <a:t>Image filtering through specialized API </a:t>
-            </a:r>
-            <a:br>
-              <a:rPr lang="en-GB" dirty="0"/>
-            </a:br>
+              <a:t>Image filtering through specialized API</a:t>
+            </a:r>
+          </a:p>
+          <a:p>
+            <a:pPr marL="457200" lvl="1" indent="0" algn="just">
+              <a:buNone/>
+            </a:pPr>
             <a:endParaRPr lang="en-GB" sz="1400" dirty="0">
               <a:effectLst/>
             </a:endParaRPr>
@@ -6535,9 +7133,6 @@
                     <p:cTn id="3" fill="hold">
                       <p:stCondLst>
                         <p:cond delay="indefinite"/>
-                        <p:cond evt="onBegin" delay="0">
-                          <p:tn val="2"/>
-                        </p:cond>
                       </p:stCondLst>
                       <p:childTnLst>
                         <p:par>
@@ -6547,7 +7142,7 @@
                             </p:stCondLst>
                             <p:childTnLst>
                               <p:par>
-                                <p:cTn id="5" presetID="1" presetClass="entr" presetSubtype="0" fill="hold" nodeType="withEffect">
+                                <p:cTn id="5" presetID="1" presetClass="entr" presetSubtype="0" fill="hold" nodeType="clickEffect">
                                   <p:stCondLst>
                                     <p:cond delay="0"/>
                                   </p:stCondLst>
@@ -6562,7 +7157,350 @@
                                         <p:tgtEl>
                                           <p:spTgt spid="10">
                                             <p:txEl>
-                                              <p:pRg st="0" end="0"/>
+                                              <p:pRg st="1" end="1"/>
+                                            </p:txEl>
+                                          </p:spTgt>
+                                        </p:tgtEl>
+                                        <p:attrNameLst>
+                                          <p:attrName>style.visibility</p:attrName>
+                                        </p:attrNameLst>
+                                      </p:cBhvr>
+                                      <p:to>
+                                        <p:strVal val="visible"/>
+                                      </p:to>
+                                    </p:set>
+                                  </p:childTnLst>
+                                </p:cTn>
+                              </p:par>
+                            </p:childTnLst>
+                          </p:cTn>
+                        </p:par>
+                      </p:childTnLst>
+                    </p:cTn>
+                  </p:par>
+                  <p:par>
+                    <p:cTn id="7" fill="hold">
+                      <p:stCondLst>
+                        <p:cond delay="indefinite"/>
+                      </p:stCondLst>
+                      <p:childTnLst>
+                        <p:par>
+                          <p:cTn id="8" fill="hold">
+                            <p:stCondLst>
+                              <p:cond delay="0"/>
+                            </p:stCondLst>
+                            <p:childTnLst>
+                              <p:par>
+                                <p:cTn id="9" presetID="1" presetClass="entr" presetSubtype="0" fill="hold" nodeType="clickEffect">
+                                  <p:stCondLst>
+                                    <p:cond delay="0"/>
+                                  </p:stCondLst>
+                                  <p:childTnLst>
+                                    <p:set>
+                                      <p:cBhvr>
+                                        <p:cTn id="10" dur="1" fill="hold">
+                                          <p:stCondLst>
+                                            <p:cond delay="0"/>
+                                          </p:stCondLst>
+                                        </p:cTn>
+                                        <p:tgtEl>
+                                          <p:spTgt spid="10">
+                                            <p:txEl>
+                                              <p:pRg st="2" end="2"/>
+                                            </p:txEl>
+                                          </p:spTgt>
+                                        </p:tgtEl>
+                                        <p:attrNameLst>
+                                          <p:attrName>style.visibility</p:attrName>
+                                        </p:attrNameLst>
+                                      </p:cBhvr>
+                                      <p:to>
+                                        <p:strVal val="visible"/>
+                                      </p:to>
+                                    </p:set>
+                                  </p:childTnLst>
+                                </p:cTn>
+                              </p:par>
+                            </p:childTnLst>
+                          </p:cTn>
+                        </p:par>
+                      </p:childTnLst>
+                    </p:cTn>
+                  </p:par>
+                  <p:par>
+                    <p:cTn id="11" fill="hold">
+                      <p:stCondLst>
+                        <p:cond delay="indefinite"/>
+                      </p:stCondLst>
+                      <p:childTnLst>
+                        <p:par>
+                          <p:cTn id="12" fill="hold">
+                            <p:stCondLst>
+                              <p:cond delay="0"/>
+                            </p:stCondLst>
+                            <p:childTnLst>
+                              <p:par>
+                                <p:cTn id="13" presetID="1" presetClass="entr" presetSubtype="0" fill="hold" nodeType="clickEffect">
+                                  <p:stCondLst>
+                                    <p:cond delay="0"/>
+                                  </p:stCondLst>
+                                  <p:childTnLst>
+                                    <p:set>
+                                      <p:cBhvr>
+                                        <p:cTn id="14" dur="1" fill="hold">
+                                          <p:stCondLst>
+                                            <p:cond delay="0"/>
+                                          </p:stCondLst>
+                                        </p:cTn>
+                                        <p:tgtEl>
+                                          <p:spTgt spid="10">
+                                            <p:txEl>
+                                              <p:pRg st="3" end="3"/>
+                                            </p:txEl>
+                                          </p:spTgt>
+                                        </p:tgtEl>
+                                        <p:attrNameLst>
+                                          <p:attrName>style.visibility</p:attrName>
+                                        </p:attrNameLst>
+                                      </p:cBhvr>
+                                      <p:to>
+                                        <p:strVal val="visible"/>
+                                      </p:to>
+                                    </p:set>
+                                  </p:childTnLst>
+                                </p:cTn>
+                              </p:par>
+                            </p:childTnLst>
+                          </p:cTn>
+                        </p:par>
+                      </p:childTnLst>
+                    </p:cTn>
+                  </p:par>
+                  <p:par>
+                    <p:cTn id="15" fill="hold">
+                      <p:stCondLst>
+                        <p:cond delay="indefinite"/>
+                      </p:stCondLst>
+                      <p:childTnLst>
+                        <p:par>
+                          <p:cTn id="16" fill="hold">
+                            <p:stCondLst>
+                              <p:cond delay="0"/>
+                            </p:stCondLst>
+                            <p:childTnLst>
+                              <p:par>
+                                <p:cTn id="17" presetID="1" presetClass="entr" presetSubtype="0" fill="hold" nodeType="clickEffect">
+                                  <p:stCondLst>
+                                    <p:cond delay="0"/>
+                                  </p:stCondLst>
+                                  <p:childTnLst>
+                                    <p:set>
+                                      <p:cBhvr>
+                                        <p:cTn id="18" dur="1" fill="hold">
+                                          <p:stCondLst>
+                                            <p:cond delay="0"/>
+                                          </p:stCondLst>
+                                        </p:cTn>
+                                        <p:tgtEl>
+                                          <p:spTgt spid="10">
+                                            <p:txEl>
+                                              <p:pRg st="4" end="4"/>
+                                            </p:txEl>
+                                          </p:spTgt>
+                                        </p:tgtEl>
+                                        <p:attrNameLst>
+                                          <p:attrName>style.visibility</p:attrName>
+                                        </p:attrNameLst>
+                                      </p:cBhvr>
+                                      <p:to>
+                                        <p:strVal val="visible"/>
+                                      </p:to>
+                                    </p:set>
+                                  </p:childTnLst>
+                                </p:cTn>
+                              </p:par>
+                            </p:childTnLst>
+                          </p:cTn>
+                        </p:par>
+                      </p:childTnLst>
+                    </p:cTn>
+                  </p:par>
+                  <p:par>
+                    <p:cTn id="19" fill="hold">
+                      <p:stCondLst>
+                        <p:cond delay="indefinite"/>
+                      </p:stCondLst>
+                      <p:childTnLst>
+                        <p:par>
+                          <p:cTn id="20" fill="hold">
+                            <p:stCondLst>
+                              <p:cond delay="0"/>
+                            </p:stCondLst>
+                            <p:childTnLst>
+                              <p:par>
+                                <p:cTn id="21" presetID="1" presetClass="entr" presetSubtype="0" fill="hold" nodeType="clickEffect">
+                                  <p:stCondLst>
+                                    <p:cond delay="0"/>
+                                  </p:stCondLst>
+                                  <p:childTnLst>
+                                    <p:set>
+                                      <p:cBhvr>
+                                        <p:cTn id="22" dur="1" fill="hold">
+                                          <p:stCondLst>
+                                            <p:cond delay="0"/>
+                                          </p:stCondLst>
+                                        </p:cTn>
+                                        <p:tgtEl>
+                                          <p:spTgt spid="10">
+                                            <p:txEl>
+                                              <p:pRg st="5" end="5"/>
+                                            </p:txEl>
+                                          </p:spTgt>
+                                        </p:tgtEl>
+                                        <p:attrNameLst>
+                                          <p:attrName>style.visibility</p:attrName>
+                                        </p:attrNameLst>
+                                      </p:cBhvr>
+                                      <p:to>
+                                        <p:strVal val="visible"/>
+                                      </p:to>
+                                    </p:set>
+                                  </p:childTnLst>
+                                </p:cTn>
+                              </p:par>
+                            </p:childTnLst>
+                          </p:cTn>
+                        </p:par>
+                      </p:childTnLst>
+                    </p:cTn>
+                  </p:par>
+                  <p:par>
+                    <p:cTn id="23" fill="hold">
+                      <p:stCondLst>
+                        <p:cond delay="indefinite"/>
+                      </p:stCondLst>
+                      <p:childTnLst>
+                        <p:par>
+                          <p:cTn id="24" fill="hold">
+                            <p:stCondLst>
+                              <p:cond delay="0"/>
+                            </p:stCondLst>
+                            <p:childTnLst>
+                              <p:par>
+                                <p:cTn id="25" presetID="1" presetClass="entr" presetSubtype="0" fill="hold" nodeType="clickEffect">
+                                  <p:stCondLst>
+                                    <p:cond delay="0"/>
+                                  </p:stCondLst>
+                                  <p:childTnLst>
+                                    <p:set>
+                                      <p:cBhvr>
+                                        <p:cTn id="26" dur="1" fill="hold">
+                                          <p:stCondLst>
+                                            <p:cond delay="0"/>
+                                          </p:stCondLst>
+                                        </p:cTn>
+                                        <p:tgtEl>
+                                          <p:spTgt spid="10">
+                                            <p:txEl>
+                                              <p:pRg st="6" end="6"/>
+                                            </p:txEl>
+                                          </p:spTgt>
+                                        </p:tgtEl>
+                                        <p:attrNameLst>
+                                          <p:attrName>style.visibility</p:attrName>
+                                        </p:attrNameLst>
+                                      </p:cBhvr>
+                                      <p:to>
+                                        <p:strVal val="visible"/>
+                                      </p:to>
+                                    </p:set>
+                                  </p:childTnLst>
+                                </p:cTn>
+                              </p:par>
+                            </p:childTnLst>
+                          </p:cTn>
+                        </p:par>
+                      </p:childTnLst>
+                    </p:cTn>
+                  </p:par>
+                  <p:par>
+                    <p:cTn id="27" fill="hold">
+                      <p:stCondLst>
+                        <p:cond delay="indefinite"/>
+                      </p:stCondLst>
+                      <p:childTnLst>
+                        <p:par>
+                          <p:cTn id="28" fill="hold">
+                            <p:stCondLst>
+                              <p:cond delay="0"/>
+                            </p:stCondLst>
+                            <p:childTnLst>
+                              <p:par>
+                                <p:cTn id="29" presetID="1" presetClass="entr" presetSubtype="0" fill="hold" nodeType="clickEffect">
+                                  <p:stCondLst>
+                                    <p:cond delay="0"/>
+                                  </p:stCondLst>
+                                  <p:childTnLst>
+                                    <p:set>
+                                      <p:cBhvr>
+                                        <p:cTn id="30" dur="1" fill="hold">
+                                          <p:stCondLst>
+                                            <p:cond delay="0"/>
+                                          </p:stCondLst>
+                                        </p:cTn>
+                                        <p:tgtEl>
+                                          <p:spTgt spid="10">
+                                            <p:txEl>
+                                              <p:pRg st="7" end="7"/>
+                                            </p:txEl>
+                                          </p:spTgt>
+                                        </p:tgtEl>
+                                        <p:attrNameLst>
+                                          <p:attrName>style.visibility</p:attrName>
+                                        </p:attrNameLst>
+                                      </p:cBhvr>
+                                      <p:to>
+                                        <p:strVal val="visible"/>
+                                      </p:to>
+                                    </p:set>
+                                  </p:childTnLst>
+                                </p:cTn>
+                              </p:par>
+                            </p:childTnLst>
+                          </p:cTn>
+                        </p:par>
+                      </p:childTnLst>
+                    </p:cTn>
+                  </p:par>
+                  <p:par>
+                    <p:cTn id="31" fill="hold">
+                      <p:stCondLst>
+                        <p:cond delay="indefinite"/>
+                      </p:stCondLst>
+                      <p:childTnLst>
+                        <p:par>
+                          <p:cTn id="32" fill="hold">
+                            <p:stCondLst>
+                              <p:cond delay="0"/>
+                            </p:stCondLst>
+                            <p:childTnLst>
+                              <p:par>
+                                <p:cTn id="33" presetID="1" presetClass="entr" presetSubtype="0" fill="hold" nodeType="clickEffect">
+                                  <p:stCondLst>
+                                    <p:cond delay="0"/>
+                                  </p:stCondLst>
+                                  <p:childTnLst>
+                                    <p:set>
+                                      <p:cBhvr>
+                                        <p:cTn id="34" dur="1" fill="hold">
+                                          <p:stCondLst>
+                                            <p:cond delay="0"/>
+                                          </p:stCondLst>
+                                        </p:cTn>
+                                        <p:tgtEl>
+                                          <p:spTgt spid="10">
+                                            <p:txEl>
+                                              <p:pRg st="8" end="8"/>
                                             </p:txEl>
                                           </p:spTgt>
                                         </p:tgtEl>
@@ -6798,9 +7736,6 @@
                     <p:cTn id="3" fill="hold">
                       <p:stCondLst>
                         <p:cond delay="indefinite"/>
-                        <p:cond evt="onBegin" delay="0">
-                          <p:tn val="2"/>
-                        </p:cond>
                       </p:stCondLst>
                       <p:childTnLst>
                         <p:par>
@@ -6810,7 +7745,7 @@
                             </p:stCondLst>
                             <p:childTnLst>
                               <p:par>
-                                <p:cTn id="5" presetID="1" presetClass="entr" presetSubtype="0" fill="hold" nodeType="withEffect">
+                                <p:cTn id="5" presetID="1" presetClass="entr" presetSubtype="0" fill="hold" nodeType="clickEffect">
                                   <p:stCondLst>
                                     <p:cond delay="0"/>
                                   </p:stCondLst>
@@ -6825,7 +7760,154 @@
                                         <p:tgtEl>
                                           <p:spTgt spid="10">
                                             <p:txEl>
-                                              <p:pRg st="0" end="0"/>
+                                              <p:pRg st="1" end="1"/>
+                                            </p:txEl>
+                                          </p:spTgt>
+                                        </p:tgtEl>
+                                        <p:attrNameLst>
+                                          <p:attrName>style.visibility</p:attrName>
+                                        </p:attrNameLst>
+                                      </p:cBhvr>
+                                      <p:to>
+                                        <p:strVal val="visible"/>
+                                      </p:to>
+                                    </p:set>
+                                  </p:childTnLst>
+                                </p:cTn>
+                              </p:par>
+                            </p:childTnLst>
+                          </p:cTn>
+                        </p:par>
+                      </p:childTnLst>
+                    </p:cTn>
+                  </p:par>
+                  <p:par>
+                    <p:cTn id="7" fill="hold">
+                      <p:stCondLst>
+                        <p:cond delay="indefinite"/>
+                      </p:stCondLst>
+                      <p:childTnLst>
+                        <p:par>
+                          <p:cTn id="8" fill="hold">
+                            <p:stCondLst>
+                              <p:cond delay="0"/>
+                            </p:stCondLst>
+                            <p:childTnLst>
+                              <p:par>
+                                <p:cTn id="9" presetID="1" presetClass="entr" presetSubtype="0" fill="hold" nodeType="clickEffect">
+                                  <p:stCondLst>
+                                    <p:cond delay="0"/>
+                                  </p:stCondLst>
+                                  <p:childTnLst>
+                                    <p:set>
+                                      <p:cBhvr>
+                                        <p:cTn id="10" dur="1" fill="hold">
+                                          <p:stCondLst>
+                                            <p:cond delay="0"/>
+                                          </p:stCondLst>
+                                        </p:cTn>
+                                        <p:tgtEl>
+                                          <p:spTgt spid="10">
+                                            <p:txEl>
+                                              <p:pRg st="2" end="2"/>
+                                            </p:txEl>
+                                          </p:spTgt>
+                                        </p:tgtEl>
+                                        <p:attrNameLst>
+                                          <p:attrName>style.visibility</p:attrName>
+                                        </p:attrNameLst>
+                                      </p:cBhvr>
+                                      <p:to>
+                                        <p:strVal val="visible"/>
+                                      </p:to>
+                                    </p:set>
+                                  </p:childTnLst>
+                                </p:cTn>
+                              </p:par>
+                            </p:childTnLst>
+                          </p:cTn>
+                        </p:par>
+                      </p:childTnLst>
+                    </p:cTn>
+                  </p:par>
+                  <p:par>
+                    <p:cTn id="11" fill="hold">
+                      <p:stCondLst>
+                        <p:cond delay="indefinite"/>
+                      </p:stCondLst>
+                      <p:childTnLst>
+                        <p:par>
+                          <p:cTn id="12" fill="hold">
+                            <p:stCondLst>
+                              <p:cond delay="0"/>
+                            </p:stCondLst>
+                            <p:childTnLst>
+                              <p:par>
+                                <p:cTn id="13" presetID="1" presetClass="entr" presetSubtype="0" fill="hold" nodeType="clickEffect">
+                                  <p:stCondLst>
+                                    <p:cond delay="0"/>
+                                  </p:stCondLst>
+                                  <p:childTnLst>
+                                    <p:set>
+                                      <p:cBhvr>
+                                        <p:cTn id="14" dur="1" fill="hold">
+                                          <p:stCondLst>
+                                            <p:cond delay="0"/>
+                                          </p:stCondLst>
+                                        </p:cTn>
+                                        <p:tgtEl>
+                                          <p:spTgt spid="10">
+                                            <p:txEl>
+                                              <p:pRg st="3" end="3"/>
+                                            </p:txEl>
+                                          </p:spTgt>
+                                        </p:tgtEl>
+                                        <p:attrNameLst>
+                                          <p:attrName>style.visibility</p:attrName>
+                                        </p:attrNameLst>
+                                      </p:cBhvr>
+                                      <p:to>
+                                        <p:strVal val="visible"/>
+                                      </p:to>
+                                    </p:set>
+                                  </p:childTnLst>
+                                </p:cTn>
+                              </p:par>
+                            </p:childTnLst>
+                          </p:cTn>
+                        </p:par>
+                      </p:childTnLst>
+                    </p:cTn>
+                  </p:par>
+                  <p:par>
+                    <p:cTn id="15" fill="hold">
+                      <p:stCondLst>
+                        <p:cond delay="indefinite"/>
+                      </p:stCondLst>
+                      <p:childTnLst>
+                        <p:par>
+                          <p:cTn id="16" fill="hold">
+                            <p:stCondLst>
+                              <p:cond delay="0"/>
+                            </p:stCondLst>
+                            <p:childTnLst>
+                              <p:par>
+                                <p:cTn id="17" presetID="1" presetClass="entr" presetSubtype="0" fill="hold" nodeType="clickEffect">
+                                  <p:stCondLst>
+                                    <p:cond delay="0"/>
+                                  </p:stCondLst>
+                                  <p:childTnLst>
+                                    <p:set>
+                                      <p:cBhvr>
+                                        <p:cTn id="18" dur="1" fill="hold">
+                                          <p:stCondLst>
+                                            <p:cond delay="0"/>
+                                          </p:stCondLst>
+                                        </p:cTn>
+                                        <p:tgtEl>
+                                          <p:spTgt spid="10">
+                                            <p:txEl>
+                                              <p:pRg st="4" end="4"/>
                                             </p:txEl>
                                           </p:spTgt>
                                         </p:tgtEl>
@@ -6890,10 +7972,40 @@
       </p:grpSpPr>
       <p:sp>
         <p:nvSpPr>
-          <p:cNvPr id="2" name="Marcador de Posição do Texto 1">
+          <p:cNvPr id="3" name="Título 2">
             <a:extLst>
               <a:ext uri="{FF2B5EF4-FFF2-40B4-BE49-F238E27FC236}">
-                <a16:creationId xmlns:a16="http://schemas.microsoft.com/office/drawing/2014/main" id="{9573174B-D034-4D55-9BBD-64D559F9231D}"/>
+                <a16:creationId xmlns:a16="http://schemas.microsoft.com/office/drawing/2014/main" id="{DCCAD75C-6CBB-4728-9829-FF3AF5C28B9E}"/>
+              </a:ext>
+            </a:extLst>
+          </p:cNvPr>
+          <p:cNvSpPr>
+            <a:spLocks noGrp="1"/>
+          </p:cNvSpPr>
+          <p:nvPr>
+            <p:ph type="title"/>
+          </p:nvPr>
+        </p:nvSpPr>
+        <p:spPr/>
+        <p:txBody>
+          <a:bodyPr/>
+          <a:lstStyle/>
+          <a:p>
+            <a:pPr algn="ctr"/>
+            <a:r>
+              <a:rPr lang="pt-PT" dirty="0"/>
+              <a:t>System Overview</a:t>
+            </a:r>
+            <a:endParaRPr lang="en-US" dirty="0"/>
+          </a:p>
+        </p:txBody>
+      </p:sp>
+      <p:sp>
+        <p:nvSpPr>
+          <p:cNvPr id="10" name="Text Placeholder 9">
+            <a:extLst>
+              <a:ext uri="{FF2B5EF4-FFF2-40B4-BE49-F238E27FC236}">
+                <a16:creationId xmlns:a16="http://schemas.microsoft.com/office/drawing/2014/main" id="{FDDB500B-8A17-4F71-87AE-71DB58E8B802}"/>
               </a:ext>
             </a:extLst>
           </p:cNvPr>
@@ -6904,205 +8016,348 @@
             <p:ph type="body" idx="1"/>
           </p:nvPr>
         </p:nvSpPr>
+        <p:spPr>
+          <a:xfrm>
+            <a:off x="1169368" y="4725144"/>
+            <a:ext cx="7795120" cy="2204864"/>
+          </a:xfrm>
+        </p:spPr>
+        <p:txBody>
+          <a:bodyPr>
+            <a:normAutofit lnSpcReduction="10000"/>
+          </a:bodyPr>
+          <a:lstStyle/>
+          <a:p>
+            <a:pPr marL="0" indent="0" algn="just">
+              <a:buNone/>
+            </a:pPr>
+            <a:r>
+              <a:rPr lang="en-GB" sz="2400" b="1" dirty="0">
+                <a:solidFill>
+                  <a:schemeClr val="tx1"/>
+                </a:solidFill>
+              </a:rPr>
+              <a:t>Actors:</a:t>
+            </a:r>
+          </a:p>
+          <a:p>
+            <a:pPr marL="514350" indent="-514350" algn="just">
+              <a:buFont typeface="+mj-lt"/>
+              <a:buAutoNum type="arabicPeriod"/>
+            </a:pPr>
+            <a:r>
+              <a:rPr lang="en-GB" sz="2000" b="1" dirty="0"/>
+              <a:t>Brand</a:t>
+            </a:r>
+            <a:r>
+              <a:rPr lang="en-GB" sz="2000" dirty="0"/>
+              <a:t>: represents the brands contracting the advertisement services;</a:t>
+            </a:r>
+          </a:p>
+          <a:p>
+            <a:pPr marL="514350" indent="-514350" algn="just">
+              <a:buFont typeface="+mj-lt"/>
+              <a:buAutoNum type="arabicPeriod"/>
+            </a:pPr>
+            <a:r>
+              <a:rPr lang="en-GB" sz="2000" b="1" dirty="0"/>
+              <a:t>Administrator</a:t>
+            </a:r>
+            <a:r>
+              <a:rPr lang="en-GB" sz="2000" dirty="0"/>
+              <a:t>: the development company staff, which can monitor and control the outdoor</a:t>
+            </a:r>
+          </a:p>
+          <a:p>
+            <a:pPr marL="514350" indent="-514350" algn="just">
+              <a:buFont typeface="+mj-lt"/>
+              <a:buAutoNum type="arabicPeriod"/>
+            </a:pPr>
+            <a:r>
+              <a:rPr lang="en-GB" sz="2000" b="1" dirty="0"/>
+              <a:t>User</a:t>
+            </a:r>
+            <a:r>
+              <a:rPr lang="en-GB" sz="2000" dirty="0"/>
+              <a:t>: the user (the target audience of the advertisement) interacting with the system </a:t>
+            </a:r>
+          </a:p>
+        </p:txBody>
+      </p:sp>
+      <p:sp>
+        <p:nvSpPr>
+          <p:cNvPr id="4" name="Slide Number Placeholder 3">
+            <a:extLst>
+              <a:ext uri="{FF2B5EF4-FFF2-40B4-BE49-F238E27FC236}">
+                <a16:creationId xmlns:a16="http://schemas.microsoft.com/office/drawing/2014/main" id="{17FAB7C6-6F88-4D44-BBB3-24B69BF254BC}"/>
+              </a:ext>
+            </a:extLst>
+          </p:cNvPr>
+          <p:cNvSpPr>
+            <a:spLocks noGrp="1"/>
+          </p:cNvSpPr>
+          <p:nvPr>
+            <p:ph type="sldNum" sz="quarter" idx="11"/>
+          </p:nvPr>
+        </p:nvSpPr>
         <p:spPr/>
         <p:txBody>
-          <a:bodyPr>
-            <a:normAutofit fontScale="92500"/>
-          </a:bodyPr>
+          <a:bodyPr/>
           <a:lstStyle/>
           <a:p>
-            <a:pPr marL="0" indent="0">
-              <a:buNone/>
-            </a:pPr>
-            <a:r>
-              <a:rPr lang="en-GB" sz="1600" dirty="0">
-                <a:effectLst/>
-                <a:latin typeface="Times New Roman" panose="02020603050405020304" pitchFamily="18" charset="0"/>
-              </a:rPr>
-              <a:t>[1] Fei Tao, Meng Zhang, and A.Y.C. Nee. Chapter 12 - digital twin, cyber–physical system, and internet of things. In Fei Tao, Meng Zhang, and A.Y.C. Nee, editors, Digital Twin Driven Smart</a:t>
-            </a:r>
-            <a:br>
-              <a:rPr lang="en-GB" sz="1600" dirty="0"/>
-            </a:br>
-            <a:r>
-              <a:rPr lang="en-GB" sz="1600" dirty="0">
-                <a:effectLst/>
-                <a:latin typeface="Times New Roman" panose="02020603050405020304" pitchFamily="18" charset="0"/>
-              </a:rPr>
-              <a:t>Manufacturing, pages 243–256. Academic Press, 2019. ISBN 978-0-12-817630-6. </a:t>
-            </a:r>
-            <a:r>
-              <a:rPr lang="en-GB" sz="1600" dirty="0" err="1">
-                <a:effectLst/>
-                <a:latin typeface="Times New Roman" panose="02020603050405020304" pitchFamily="18" charset="0"/>
-              </a:rPr>
-              <a:t>doi</a:t>
-            </a:r>
-            <a:r>
-              <a:rPr lang="en-GB" sz="1600" dirty="0">
-                <a:effectLst/>
-                <a:latin typeface="Times New Roman" panose="02020603050405020304" pitchFamily="18" charset="0"/>
-              </a:rPr>
-              <a:t>: https:</a:t>
-            </a:r>
-            <a:br>
-              <a:rPr lang="en-GB" sz="1600" dirty="0"/>
-            </a:br>
-            <a:r>
-              <a:rPr lang="en-GB" sz="1600" dirty="0">
-                <a:effectLst/>
-                <a:latin typeface="Times New Roman" panose="02020603050405020304" pitchFamily="18" charset="0"/>
-              </a:rPr>
-              <a:t>//doi.org/10.1016/B978-0-12-817630-6.00012-6. URL https://www.sciencedirect.com/science/</a:t>
-            </a:r>
-            <a:br>
-              <a:rPr lang="en-GB" sz="1600" dirty="0"/>
-            </a:br>
-            <a:r>
-              <a:rPr lang="en-GB" sz="1600" dirty="0">
-                <a:effectLst/>
-                <a:latin typeface="Times New Roman" panose="02020603050405020304" pitchFamily="18" charset="0"/>
-              </a:rPr>
-              <a:t>article/</a:t>
-            </a:r>
-            <a:r>
-              <a:rPr lang="en-GB" sz="1600" dirty="0" err="1">
-                <a:effectLst/>
-                <a:latin typeface="Times New Roman" panose="02020603050405020304" pitchFamily="18" charset="0"/>
-              </a:rPr>
-              <a:t>pii</a:t>
-            </a:r>
-            <a:r>
-              <a:rPr lang="en-GB" sz="1600" dirty="0">
-                <a:effectLst/>
-                <a:latin typeface="Times New Roman" panose="02020603050405020304" pitchFamily="18" charset="0"/>
-              </a:rPr>
-              <a:t>/B9780128176306000126.</a:t>
-            </a:r>
-            <a:br>
-              <a:rPr lang="en-GB" sz="1600" dirty="0"/>
-            </a:br>
-            <a:r>
-              <a:rPr lang="en-GB" sz="1600" dirty="0">
-                <a:effectLst/>
-                <a:latin typeface="Times New Roman" panose="02020603050405020304" pitchFamily="18" charset="0"/>
-              </a:rPr>
-              <a:t>[2] What the nose knows. URL https://news.harvard.edu/gazette/story/2020/02/how-scent-emotion-and-memory-are-intertwined-and-exploited/. accessed: 2021-10-23.</a:t>
-            </a:r>
-            <a:br>
-              <a:rPr lang="en-GB" sz="1600" dirty="0"/>
-            </a:br>
-            <a:r>
-              <a:rPr lang="en-GB" sz="1600" dirty="0">
-                <a:effectLst/>
-                <a:latin typeface="Times New Roman" panose="02020603050405020304" pitchFamily="18" charset="0"/>
-              </a:rPr>
-              <a:t>[3] Martin Lindstrom. Brand sense: How to build powerful brands through touch, taste, smell, sight and sound. Strategic Direction, 2006.</a:t>
-            </a:r>
-            <a:br>
-              <a:rPr lang="en-GB" sz="1600" dirty="0"/>
-            </a:br>
-            <a:r>
-              <a:rPr lang="en-GB" sz="1600" dirty="0">
-                <a:effectLst/>
-                <a:latin typeface="Times New Roman" panose="02020603050405020304" pitchFamily="18" charset="0"/>
-              </a:rPr>
-              <a:t>[4] Digital outdoor advertising: The what, the why, the how. URL https://bubbleoutdoor.com/</a:t>
-            </a:r>
-            <a:br>
-              <a:rPr lang="en-GB" sz="1600" dirty="0"/>
-            </a:br>
-            <a:r>
-              <a:rPr lang="en-GB" sz="1600" dirty="0">
-                <a:effectLst/>
-                <a:latin typeface="Times New Roman" panose="02020603050405020304" pitchFamily="18" charset="0"/>
-              </a:rPr>
-              <a:t>digital-outdoor-advertising-what-why-how/. accessed: 2021-10-24.</a:t>
-            </a:r>
-            <a:br>
-              <a:rPr lang="en-GB" sz="1600" dirty="0"/>
-            </a:br>
-            <a:r>
-              <a:rPr lang="en-GB" sz="1600" dirty="0">
-                <a:effectLst/>
-                <a:latin typeface="Times New Roman" panose="02020603050405020304" pitchFamily="18" charset="0"/>
-              </a:rPr>
-              <a:t>[5] Digital outdoor market to be worth $55 BN in 5 years. URL https://www.decisionmarketing.co.uk/news/digital-outdoor-market-to-be-worth-55bn-in-5-years. accessed: 2021-10-24.</a:t>
-            </a:r>
-            <a:br>
-              <a:rPr lang="en-GB" sz="1600" dirty="0"/>
-            </a:br>
-            <a:r>
-              <a:rPr lang="en-GB" sz="1600" dirty="0">
-                <a:effectLst/>
-                <a:latin typeface="Times New Roman" panose="02020603050405020304" pitchFamily="18" charset="0"/>
-              </a:rPr>
-              <a:t>[6] Scent marketing; type of sensory marketing targeted at the olfactory sense, . URL https://www.air-aroma.com/scent-marketing/. accessed: 2021-10-24.</a:t>
-            </a:r>
-            <a:br>
-              <a:rPr lang="en-GB" sz="1600" dirty="0"/>
-            </a:br>
-            <a:r>
-              <a:rPr lang="en-GB" sz="1600" dirty="0">
-                <a:effectLst/>
-                <a:latin typeface="Times New Roman" panose="02020603050405020304" pitchFamily="18" charset="0"/>
-              </a:rPr>
-              <a:t>[7] Scent basics: What is scent marketing, scent branding and ambient scent, . URL https://</a:t>
-            </a:r>
-            <a:br>
-              <a:rPr lang="en-GB" sz="1600" dirty="0"/>
-            </a:br>
-            <a:r>
-              <a:rPr lang="en-GB" sz="1600" dirty="0">
-                <a:effectLst/>
-                <a:latin typeface="Times New Roman" panose="02020603050405020304" pitchFamily="18" charset="0"/>
-              </a:rPr>
-              <a:t>reedpacificmedia.com/scent-basics-what-is-scent-marketing-scent-branding-and-ambient-scent/.</a:t>
-            </a:r>
-            <a:br>
-              <a:rPr lang="en-GB" sz="1600" dirty="0"/>
-            </a:br>
-            <a:r>
-              <a:rPr lang="en-GB" sz="1600" dirty="0">
-                <a:effectLst/>
-                <a:latin typeface="Times New Roman" panose="02020603050405020304" pitchFamily="18" charset="0"/>
-              </a:rPr>
-              <a:t>accessed: 2021-10-24.</a:t>
-            </a:r>
-            <a:br>
-              <a:rPr lang="en-GB" sz="1600" dirty="0"/>
-            </a:br>
-            <a:r>
-              <a:rPr lang="en-GB" sz="1600" dirty="0">
-                <a:effectLst/>
-                <a:latin typeface="Times New Roman" panose="02020603050405020304" pitchFamily="18" charset="0"/>
-              </a:rPr>
-              <a:t>[8] Digital scent technology market with covid-19 impact analysis, . URL https://www.</a:t>
-            </a:r>
-            <a:br>
-              <a:rPr lang="en-GB" sz="1600" dirty="0"/>
-            </a:br>
-            <a:r>
-              <a:rPr lang="en-GB" sz="1600" dirty="0">
-                <a:effectLst/>
-                <a:latin typeface="Times New Roman" panose="02020603050405020304" pitchFamily="18" charset="0"/>
-              </a:rPr>
-              <a:t>marketsandmarkets.com/Market-Reports/digital-scent-technology-market-118670062.html. ac-</a:t>
-            </a:r>
-            <a:br>
-              <a:rPr lang="en-GB" sz="1600" dirty="0"/>
-            </a:br>
-            <a:r>
-              <a:rPr lang="en-GB" sz="1600" dirty="0">
-                <a:effectLst/>
-                <a:latin typeface="Times New Roman" panose="02020603050405020304" pitchFamily="18" charset="0"/>
-              </a:rPr>
-              <a:t>cessed: 2021-10-24</a:t>
-            </a:r>
-            <a:endParaRPr lang="en-US" sz="1600" dirty="0"/>
+            <a:pPr algn="r"/>
+            <a:fld id="{D4C49B74-5DB2-4B03-B1D2-7F6A3C51C318}" type="slidenum">
+              <a:rPr lang="en-GB" smtClean="0"/>
+              <a:pPr algn="r"/>
+              <a:t>22</a:t>
+            </a:fld>
+            <a:endParaRPr lang="en-GB"/>
           </a:p>
         </p:txBody>
       </p:sp>
+      <p:pic>
+        <p:nvPicPr>
+          <p:cNvPr id="5" name="Picture 4" descr="Diagram&#10;&#10;Description automatically generated">
+            <a:extLst>
+              <a:ext uri="{FF2B5EF4-FFF2-40B4-BE49-F238E27FC236}">
+                <a16:creationId xmlns:a16="http://schemas.microsoft.com/office/drawing/2014/main" id="{EA51ED4C-836C-48D9-8B5F-95D360BC9641}"/>
+              </a:ext>
+            </a:extLst>
+          </p:cNvPr>
+          <p:cNvPicPr>
+            <a:picLocks noChangeAspect="1"/>
+          </p:cNvPicPr>
+          <p:nvPr/>
+        </p:nvPicPr>
+        <p:blipFill>
+          <a:blip r:embed="rId2">
+            <a:extLst>
+              <a:ext uri="{28A0092B-C50C-407E-A947-70E740481C1C}">
+                <a14:useLocalDpi xmlns:a14="http://schemas.microsoft.com/office/drawing/2010/main" val="0"/>
+              </a:ext>
+            </a:extLst>
+          </a:blip>
+          <a:stretch>
+            <a:fillRect/>
+          </a:stretch>
+        </p:blipFill>
+        <p:spPr>
+          <a:xfrm>
+            <a:off x="1547983" y="1180790"/>
+            <a:ext cx="7224723" cy="3616362"/>
+          </a:xfrm>
+          <a:prstGeom prst="rect">
+            <a:avLst/>
+          </a:prstGeom>
+        </p:spPr>
+      </p:pic>
+    </p:spTree>
+    <p:extLst>
+      <p:ext uri="{BB962C8B-B14F-4D97-AF65-F5344CB8AC3E}">
+        <p14:creationId xmlns:p14="http://schemas.microsoft.com/office/powerpoint/2010/main" val="2119306934"/>
+      </p:ext>
+    </p:extLst>
+  </p:cSld>
+  <p:clrMapOvr>
+    <a:masterClrMapping/>
+  </p:clrMapOvr>
+  <p:timing>
+    <p:tnLst>
+      <p:par>
+        <p:cTn id="1" dur="indefinite" restart="never" nodeType="tmRoot">
+          <p:childTnLst>
+            <p:seq concurrent="1" nextAc="seek">
+              <p:cTn id="2" dur="indefinite" nodeType="mainSeq">
+                <p:childTnLst>
+                  <p:par>
+                    <p:cTn id="3" fill="hold">
+                      <p:stCondLst>
+                        <p:cond delay="indefinite"/>
+                      </p:stCondLst>
+                      <p:childTnLst>
+                        <p:par>
+                          <p:cTn id="4" fill="hold">
+                            <p:stCondLst>
+                              <p:cond delay="0"/>
+                            </p:stCondLst>
+                            <p:childTnLst>
+                              <p:par>
+                                <p:cTn id="5" presetID="1" presetClass="entr" presetSubtype="0" fill="hold" nodeType="clickEffect">
+                                  <p:stCondLst>
+                                    <p:cond delay="0"/>
+                                  </p:stCondLst>
+                                  <p:childTnLst>
+                                    <p:set>
+                                      <p:cBhvr>
+                                        <p:cTn id="6" dur="1" fill="hold">
+                                          <p:stCondLst>
+                                            <p:cond delay="0"/>
+                                          </p:stCondLst>
+                                        </p:cTn>
+                                        <p:tgtEl>
+                                          <p:spTgt spid="10">
+                                            <p:txEl>
+                                              <p:pRg st="1" end="1"/>
+                                            </p:txEl>
+                                          </p:spTgt>
+                                        </p:tgtEl>
+                                        <p:attrNameLst>
+                                          <p:attrName>style.visibility</p:attrName>
+                                        </p:attrNameLst>
+                                      </p:cBhvr>
+                                      <p:to>
+                                        <p:strVal val="visible"/>
+                                      </p:to>
+                                    </p:set>
+                                  </p:childTnLst>
+                                </p:cTn>
+                              </p:par>
+                            </p:childTnLst>
+                          </p:cTn>
+                        </p:par>
+                      </p:childTnLst>
+                    </p:cTn>
+                  </p:par>
+                  <p:par>
+                    <p:cTn id="7" fill="hold">
+                      <p:stCondLst>
+                        <p:cond delay="indefinite"/>
+                      </p:stCondLst>
+                      <p:childTnLst>
+                        <p:par>
+                          <p:cTn id="8" fill="hold">
+                            <p:stCondLst>
+                              <p:cond delay="0"/>
+                            </p:stCondLst>
+                            <p:childTnLst>
+                              <p:par>
+                                <p:cTn id="9" presetID="1" presetClass="entr" presetSubtype="0" fill="hold" nodeType="clickEffect">
+                                  <p:stCondLst>
+                                    <p:cond delay="0"/>
+                                  </p:stCondLst>
+                                  <p:childTnLst>
+                                    <p:set>
+                                      <p:cBhvr>
+                                        <p:cTn id="10" dur="1" fill="hold">
+                                          <p:stCondLst>
+                                            <p:cond delay="0"/>
+                                          </p:stCondLst>
+                                        </p:cTn>
+                                        <p:tgtEl>
+                                          <p:spTgt spid="10">
+                                            <p:txEl>
+                                              <p:pRg st="2" end="2"/>
+                                            </p:txEl>
+                                          </p:spTgt>
+                                        </p:tgtEl>
+                                        <p:attrNameLst>
+                                          <p:attrName>style.visibility</p:attrName>
+                                        </p:attrNameLst>
+                                      </p:cBhvr>
+                                      <p:to>
+                                        <p:strVal val="visible"/>
+                                      </p:to>
+                                    </p:set>
+                                  </p:childTnLst>
+                                </p:cTn>
+                              </p:par>
+                            </p:childTnLst>
+                          </p:cTn>
+                        </p:par>
+                      </p:childTnLst>
+                    </p:cTn>
+                  </p:par>
+                  <p:par>
+                    <p:cTn id="11" fill="hold">
+                      <p:stCondLst>
+                        <p:cond delay="indefinite"/>
+                      </p:stCondLst>
+                      <p:childTnLst>
+                        <p:par>
+                          <p:cTn id="12" fill="hold">
+                            <p:stCondLst>
+                              <p:cond delay="0"/>
+                            </p:stCondLst>
+                            <p:childTnLst>
+                              <p:par>
+                                <p:cTn id="13" presetID="1" presetClass="entr" presetSubtype="0" fill="hold" nodeType="clickEffect">
+                                  <p:stCondLst>
+                                    <p:cond delay="0"/>
+                                  </p:stCondLst>
+                                  <p:childTnLst>
+                                    <p:set>
+                                      <p:cBhvr>
+                                        <p:cTn id="14" dur="1" fill="hold">
+                                          <p:stCondLst>
+                                            <p:cond delay="0"/>
+                                          </p:stCondLst>
+                                        </p:cTn>
+                                        <p:tgtEl>
+                                          <p:spTgt spid="10">
+                                            <p:txEl>
+                                              <p:pRg st="3" end="3"/>
+                                            </p:txEl>
+                                          </p:spTgt>
+                                        </p:tgtEl>
+                                        <p:attrNameLst>
+                                          <p:attrName>style.visibility</p:attrName>
+                                        </p:attrNameLst>
+                                      </p:cBhvr>
+                                      <p:to>
+                                        <p:strVal val="visible"/>
+                                      </p:to>
+                                    </p:set>
+                                  </p:childTnLst>
+                                </p:cTn>
+                              </p:par>
+                            </p:childTnLst>
+                          </p:cTn>
+                        </p:par>
+                      </p:childTnLst>
+                    </p:cTn>
+                  </p:par>
+                </p:childTnLst>
+              </p:cTn>
+              <p:prevCondLst>
+                <p:cond evt="onPrev" delay="0">
+                  <p:tgtEl>
+                    <p:sldTgt/>
+                  </p:tgtEl>
+                </p:cond>
+              </p:prevCondLst>
+              <p:nextCondLst>
+                <p:cond evt="onNext" delay="0">
+                  <p:tgtEl>
+                    <p:sldTgt/>
+                  </p:tgtEl>
+                </p:cond>
+              </p:nextCondLst>
+            </p:seq>
+          </p:childTnLst>
+        </p:cTn>
+      </p:par>
+    </p:tnLst>
+  </p:timing>
+</p:sld>
+</file>
+
+<file path=ppt/slides/slide23.xml><?xml version="1.0" encoding="utf-8"?>
+<p:sld xmlns:a="http://schemas.openxmlformats.org/drawingml/2006/main" xmlns:r="http://schemas.openxmlformats.org/officeDocument/2006/relationships" xmlns:p="http://schemas.openxmlformats.org/presentationml/2006/main">
+  <p:cSld>
+    <p:spTree>
+      <p:nvGrpSpPr>
+        <p:cNvPr id="1" name=""/>
+        <p:cNvGrpSpPr/>
+        <p:nvPr/>
+      </p:nvGrpSpPr>
+      <p:grpSpPr>
+        <a:xfrm>
+          <a:off x="0" y="0"/>
+          <a:ext cx="0" cy="0"/>
+          <a:chOff x="0" y="0"/>
+          <a:chExt cx="0" cy="0"/>
+        </a:xfrm>
+      </p:grpSpPr>
       <p:sp>
         <p:nvSpPr>
           <p:cNvPr id="3" name="Título 2">
@@ -7127,7 +8382,7 @@
             <a:pPr algn="ctr"/>
             <a:r>
               <a:rPr lang="pt-PT" dirty="0"/>
-              <a:t>Bibliography</a:t>
+              <a:t>System Overview</a:t>
             </a:r>
             <a:endParaRPr lang="en-US" dirty="0"/>
           </a:p>
@@ -7135,10 +8390,91 @@
       </p:sp>
       <p:sp>
         <p:nvSpPr>
-          <p:cNvPr id="5" name="Slide Number Placeholder 4">
+          <p:cNvPr id="10" name="Text Placeholder 9">
             <a:extLst>
               <a:ext uri="{FF2B5EF4-FFF2-40B4-BE49-F238E27FC236}">
-                <a16:creationId xmlns:a16="http://schemas.microsoft.com/office/drawing/2014/main" id="{FBE01DC2-D945-4263-AA40-306C6E967480}"/>
+                <a16:creationId xmlns:a16="http://schemas.microsoft.com/office/drawing/2014/main" id="{FDDB500B-8A17-4F71-87AE-71DB58E8B802}"/>
+              </a:ext>
+            </a:extLst>
+          </p:cNvPr>
+          <p:cNvSpPr>
+            <a:spLocks noGrp="1"/>
+          </p:cNvSpPr>
+          <p:nvPr>
+            <p:ph type="body" idx="1"/>
+          </p:nvPr>
+        </p:nvSpPr>
+        <p:spPr>
+          <a:xfrm>
+            <a:off x="1169368" y="4824536"/>
+            <a:ext cx="7795120" cy="2204864"/>
+          </a:xfrm>
+        </p:spPr>
+        <p:txBody>
+          <a:bodyPr>
+            <a:normAutofit/>
+          </a:bodyPr>
+          <a:lstStyle/>
+          <a:p>
+            <a:pPr marL="0" indent="0" algn="just">
+              <a:buNone/>
+            </a:pPr>
+            <a:r>
+              <a:rPr lang="en-GB" sz="2400" b="1" dirty="0">
+                <a:solidFill>
+                  <a:schemeClr val="tx1"/>
+                </a:solidFill>
+              </a:rPr>
+              <a:t>Subsystems: </a:t>
+            </a:r>
+            <a:r>
+              <a:rPr lang="en-GB" sz="2400" u="sng" dirty="0">
+                <a:solidFill>
+                  <a:schemeClr val="tx1"/>
+                </a:solidFill>
+              </a:rPr>
+              <a:t>Distributed Architecture</a:t>
+            </a:r>
+          </a:p>
+          <a:p>
+            <a:pPr marL="514350" indent="-514350" algn="just">
+              <a:buFont typeface="+mj-lt"/>
+              <a:buAutoNum type="arabicPeriod"/>
+            </a:pPr>
+            <a:r>
+              <a:rPr lang="en-GB" sz="2400" b="1" dirty="0"/>
+              <a:t>Remote Client (MDO-RC)</a:t>
+            </a:r>
+          </a:p>
+          <a:p>
+            <a:pPr marL="514350" indent="-514350" algn="just">
+              <a:buFont typeface="+mj-lt"/>
+              <a:buAutoNum type="arabicPeriod"/>
+            </a:pPr>
+            <a:r>
+              <a:rPr lang="en-GB" sz="2400" b="1" dirty="0"/>
+              <a:t>Remote Server (MDO-RS)</a:t>
+            </a:r>
+          </a:p>
+          <a:p>
+            <a:pPr marL="514350" indent="-514350" algn="just">
+              <a:buFont typeface="+mj-lt"/>
+              <a:buAutoNum type="arabicPeriod"/>
+            </a:pPr>
+            <a:r>
+              <a:rPr lang="en-GB" sz="2400" b="1" dirty="0"/>
+              <a:t>Local System (MDO-L)</a:t>
+            </a:r>
+            <a:endParaRPr lang="en-GB" sz="2400" dirty="0"/>
+          </a:p>
+        </p:txBody>
+      </p:sp>
+      <p:sp>
+        <p:nvSpPr>
+          <p:cNvPr id="4" name="Slide Number Placeholder 3">
+            <a:extLst>
+              <a:ext uri="{FF2B5EF4-FFF2-40B4-BE49-F238E27FC236}">
+                <a16:creationId xmlns:a16="http://schemas.microsoft.com/office/drawing/2014/main" id="{17FAB7C6-6F88-4D44-BBB3-24B69BF254BC}"/>
               </a:ext>
             </a:extLst>
           </p:cNvPr>
@@ -7158,16 +8494,2532 @@
             <a:fld id="{D4C49B74-5DB2-4B03-B1D2-7F6A3C51C318}" type="slidenum">
               <a:rPr lang="en-GB" smtClean="0"/>
               <a:pPr algn="r"/>
-              <a:t>22</a:t>
+              <a:t>23</a:t>
             </a:fld>
             <a:endParaRPr lang="en-GB"/>
           </a:p>
         </p:txBody>
       </p:sp>
+      <p:pic>
+        <p:nvPicPr>
+          <p:cNvPr id="5" name="Picture 4" descr="Diagram&#10;&#10;Description automatically generated">
+            <a:extLst>
+              <a:ext uri="{FF2B5EF4-FFF2-40B4-BE49-F238E27FC236}">
+                <a16:creationId xmlns:a16="http://schemas.microsoft.com/office/drawing/2014/main" id="{EA51ED4C-836C-48D9-8B5F-95D360BC9641}"/>
+              </a:ext>
+            </a:extLst>
+          </p:cNvPr>
+          <p:cNvPicPr>
+            <a:picLocks noChangeAspect="1"/>
+          </p:cNvPicPr>
+          <p:nvPr/>
+        </p:nvPicPr>
+        <p:blipFill>
+          <a:blip r:embed="rId2">
+            <a:extLst>
+              <a:ext uri="{28A0092B-C50C-407E-A947-70E740481C1C}">
+                <a14:useLocalDpi xmlns:a14="http://schemas.microsoft.com/office/drawing/2010/main" val="0"/>
+              </a:ext>
+            </a:extLst>
+          </a:blip>
+          <a:stretch>
+            <a:fillRect/>
+          </a:stretch>
+        </p:blipFill>
+        <p:spPr>
+          <a:xfrm>
+            <a:off x="1547983" y="1180790"/>
+            <a:ext cx="7224723" cy="3616362"/>
+          </a:xfrm>
+          <a:prstGeom prst="rect">
+            <a:avLst/>
+          </a:prstGeom>
+        </p:spPr>
+      </p:pic>
     </p:spTree>
     <p:extLst>
       <p:ext uri="{BB962C8B-B14F-4D97-AF65-F5344CB8AC3E}">
-        <p14:creationId xmlns:p14="http://schemas.microsoft.com/office/powerpoint/2010/main" val="3023989708"/>
+        <p14:creationId xmlns:p14="http://schemas.microsoft.com/office/powerpoint/2010/main" val="1501482278"/>
+      </p:ext>
+    </p:extLst>
+  </p:cSld>
+  <p:clrMapOvr>
+    <a:masterClrMapping/>
+  </p:clrMapOvr>
+  <p:timing>
+    <p:tnLst>
+      <p:par>
+        <p:cTn id="1" dur="indefinite" restart="never" nodeType="tmRoot">
+          <p:childTnLst>
+            <p:seq concurrent="1" nextAc="seek">
+              <p:cTn id="2" dur="indefinite" nodeType="mainSeq">
+                <p:childTnLst>
+                  <p:par>
+                    <p:cTn id="3" fill="hold">
+                      <p:stCondLst>
+                        <p:cond delay="indefinite"/>
+                      </p:stCondLst>
+                      <p:childTnLst>
+                        <p:par>
+                          <p:cTn id="4" fill="hold">
+                            <p:stCondLst>
+                              <p:cond delay="0"/>
+                            </p:stCondLst>
+                            <p:childTnLst>
+                              <p:par>
+                                <p:cTn id="5" presetID="1" presetClass="entr" presetSubtype="0" fill="hold" nodeType="clickEffect">
+                                  <p:stCondLst>
+                                    <p:cond delay="0"/>
+                                  </p:stCondLst>
+                                  <p:childTnLst>
+                                    <p:set>
+                                      <p:cBhvr>
+                                        <p:cTn id="6" dur="1" fill="hold">
+                                          <p:stCondLst>
+                                            <p:cond delay="0"/>
+                                          </p:stCondLst>
+                                        </p:cTn>
+                                        <p:tgtEl>
+                                          <p:spTgt spid="10">
+                                            <p:txEl>
+                                              <p:pRg st="1" end="1"/>
+                                            </p:txEl>
+                                          </p:spTgt>
+                                        </p:tgtEl>
+                                        <p:attrNameLst>
+                                          <p:attrName>style.visibility</p:attrName>
+                                        </p:attrNameLst>
+                                      </p:cBhvr>
+                                      <p:to>
+                                        <p:strVal val="visible"/>
+                                      </p:to>
+                                    </p:set>
+                                  </p:childTnLst>
+                                </p:cTn>
+                              </p:par>
+                            </p:childTnLst>
+                          </p:cTn>
+                        </p:par>
+                      </p:childTnLst>
+                    </p:cTn>
+                  </p:par>
+                  <p:par>
+                    <p:cTn id="7" fill="hold">
+                      <p:stCondLst>
+                        <p:cond delay="indefinite"/>
+                      </p:stCondLst>
+                      <p:childTnLst>
+                        <p:par>
+                          <p:cTn id="8" fill="hold">
+                            <p:stCondLst>
+                              <p:cond delay="0"/>
+                            </p:stCondLst>
+                            <p:childTnLst>
+                              <p:par>
+                                <p:cTn id="9" presetID="1" presetClass="entr" presetSubtype="0" fill="hold" nodeType="clickEffect">
+                                  <p:stCondLst>
+                                    <p:cond delay="0"/>
+                                  </p:stCondLst>
+                                  <p:childTnLst>
+                                    <p:set>
+                                      <p:cBhvr>
+                                        <p:cTn id="10" dur="1" fill="hold">
+                                          <p:stCondLst>
+                                            <p:cond delay="0"/>
+                                          </p:stCondLst>
+                                        </p:cTn>
+                                        <p:tgtEl>
+                                          <p:spTgt spid="10">
+                                            <p:txEl>
+                                              <p:pRg st="2" end="2"/>
+                                            </p:txEl>
+                                          </p:spTgt>
+                                        </p:tgtEl>
+                                        <p:attrNameLst>
+                                          <p:attrName>style.visibility</p:attrName>
+                                        </p:attrNameLst>
+                                      </p:cBhvr>
+                                      <p:to>
+                                        <p:strVal val="visible"/>
+                                      </p:to>
+                                    </p:set>
+                                  </p:childTnLst>
+                                </p:cTn>
+                              </p:par>
+                            </p:childTnLst>
+                          </p:cTn>
+                        </p:par>
+                      </p:childTnLst>
+                    </p:cTn>
+                  </p:par>
+                  <p:par>
+                    <p:cTn id="11" fill="hold">
+                      <p:stCondLst>
+                        <p:cond delay="indefinite"/>
+                      </p:stCondLst>
+                      <p:childTnLst>
+                        <p:par>
+                          <p:cTn id="12" fill="hold">
+                            <p:stCondLst>
+                              <p:cond delay="0"/>
+                            </p:stCondLst>
+                            <p:childTnLst>
+                              <p:par>
+                                <p:cTn id="13" presetID="1" presetClass="entr" presetSubtype="0" fill="hold" nodeType="clickEffect">
+                                  <p:stCondLst>
+                                    <p:cond delay="0"/>
+                                  </p:stCondLst>
+                                  <p:childTnLst>
+                                    <p:set>
+                                      <p:cBhvr>
+                                        <p:cTn id="14" dur="1" fill="hold">
+                                          <p:stCondLst>
+                                            <p:cond delay="0"/>
+                                          </p:stCondLst>
+                                        </p:cTn>
+                                        <p:tgtEl>
+                                          <p:spTgt spid="10">
+                                            <p:txEl>
+                                              <p:pRg st="3" end="3"/>
+                                            </p:txEl>
+                                          </p:spTgt>
+                                        </p:tgtEl>
+                                        <p:attrNameLst>
+                                          <p:attrName>style.visibility</p:attrName>
+                                        </p:attrNameLst>
+                                      </p:cBhvr>
+                                      <p:to>
+                                        <p:strVal val="visible"/>
+                                      </p:to>
+                                    </p:set>
+                                  </p:childTnLst>
+                                </p:cTn>
+                              </p:par>
+                            </p:childTnLst>
+                          </p:cTn>
+                        </p:par>
+                      </p:childTnLst>
+                    </p:cTn>
+                  </p:par>
+                </p:childTnLst>
+              </p:cTn>
+              <p:prevCondLst>
+                <p:cond evt="onPrev" delay="0">
+                  <p:tgtEl>
+                    <p:sldTgt/>
+                  </p:tgtEl>
+                </p:cond>
+              </p:prevCondLst>
+              <p:nextCondLst>
+                <p:cond evt="onNext" delay="0">
+                  <p:tgtEl>
+                    <p:sldTgt/>
+                  </p:tgtEl>
+                </p:cond>
+              </p:nextCondLst>
+            </p:seq>
+          </p:childTnLst>
+        </p:cTn>
+      </p:par>
+    </p:tnLst>
+  </p:timing>
+</p:sld>
+</file>
+
+<file path=ppt/slides/slide24.xml><?xml version="1.0" encoding="utf-8"?>
+<p:sld xmlns:a="http://schemas.openxmlformats.org/drawingml/2006/main" xmlns:r="http://schemas.openxmlformats.org/officeDocument/2006/relationships" xmlns:p="http://schemas.openxmlformats.org/presentationml/2006/main">
+  <p:cSld>
+    <p:spTree>
+      <p:nvGrpSpPr>
+        <p:cNvPr id="1" name=""/>
+        <p:cNvGrpSpPr/>
+        <p:nvPr/>
+      </p:nvGrpSpPr>
+      <p:grpSpPr>
+        <a:xfrm>
+          <a:off x="0" y="0"/>
+          <a:ext cx="0" cy="0"/>
+          <a:chOff x="0" y="0"/>
+          <a:chExt cx="0" cy="0"/>
+        </a:xfrm>
+      </p:grpSpPr>
+      <p:sp>
+        <p:nvSpPr>
+          <p:cNvPr id="3" name="Título 2">
+            <a:extLst>
+              <a:ext uri="{FF2B5EF4-FFF2-40B4-BE49-F238E27FC236}">
+                <a16:creationId xmlns:a16="http://schemas.microsoft.com/office/drawing/2014/main" id="{DCCAD75C-6CBB-4728-9829-FF3AF5C28B9E}"/>
+              </a:ext>
+            </a:extLst>
+          </p:cNvPr>
+          <p:cNvSpPr>
+            <a:spLocks noGrp="1"/>
+          </p:cNvSpPr>
+          <p:nvPr>
+            <p:ph type="title"/>
+          </p:nvPr>
+        </p:nvSpPr>
+        <p:spPr/>
+        <p:txBody>
+          <a:bodyPr/>
+          <a:lstStyle/>
+          <a:p>
+            <a:pPr algn="ctr"/>
+            <a:r>
+              <a:rPr lang="pt-PT" dirty="0"/>
+              <a:t>System Overview</a:t>
+            </a:r>
+            <a:endParaRPr lang="en-US" dirty="0"/>
+          </a:p>
+        </p:txBody>
+      </p:sp>
+      <p:sp>
+        <p:nvSpPr>
+          <p:cNvPr id="10" name="Text Placeholder 9">
+            <a:extLst>
+              <a:ext uri="{FF2B5EF4-FFF2-40B4-BE49-F238E27FC236}">
+                <a16:creationId xmlns:a16="http://schemas.microsoft.com/office/drawing/2014/main" id="{FDDB500B-8A17-4F71-87AE-71DB58E8B802}"/>
+              </a:ext>
+            </a:extLst>
+          </p:cNvPr>
+          <p:cNvSpPr>
+            <a:spLocks noGrp="1"/>
+          </p:cNvSpPr>
+          <p:nvPr>
+            <p:ph type="body" idx="1"/>
+          </p:nvPr>
+        </p:nvSpPr>
+        <p:spPr>
+          <a:xfrm>
+            <a:off x="1169368" y="4797152"/>
+            <a:ext cx="7795120" cy="2304256"/>
+          </a:xfrm>
+        </p:spPr>
+        <p:txBody>
+          <a:bodyPr>
+            <a:normAutofit/>
+          </a:bodyPr>
+          <a:lstStyle/>
+          <a:p>
+            <a:pPr marL="0" indent="0" algn="just">
+              <a:buNone/>
+            </a:pPr>
+            <a:r>
+              <a:rPr lang="en-GB" sz="2400" b="1" dirty="0"/>
+              <a:t>Remote Client (MDO-RC):</a:t>
+            </a:r>
+          </a:p>
+          <a:p>
+            <a:pPr marL="182563" indent="-182563" algn="just"/>
+            <a:r>
+              <a:rPr lang="en-GB" sz="1800" b="0" i="0" dirty="0">
+                <a:solidFill>
+                  <a:srgbClr val="000000"/>
+                </a:solidFill>
+                <a:effectLst/>
+                <a:latin typeface="NewsGotT-Reg"/>
+              </a:rPr>
+              <a:t>The Brands and Admins need a remote UI to interact with the system:</a:t>
+            </a:r>
+          </a:p>
+          <a:p>
+            <a:pPr marL="357188" lvl="1" indent="-174625" algn="just"/>
+            <a:r>
+              <a:rPr lang="en-GB" sz="1600" b="1" i="0" dirty="0">
+                <a:solidFill>
+                  <a:srgbClr val="000000"/>
+                </a:solidFill>
+                <a:effectLst/>
+                <a:latin typeface="NewsGotT-Reg"/>
+              </a:rPr>
+              <a:t>Brand</a:t>
+            </a:r>
+            <a:r>
+              <a:rPr lang="en-GB" sz="1600" b="0" i="0" dirty="0">
+                <a:solidFill>
+                  <a:srgbClr val="000000"/>
+                </a:solidFill>
+                <a:effectLst/>
+                <a:latin typeface="NewsGotT-Reg"/>
+              </a:rPr>
+              <a:t>: configure </a:t>
+            </a:r>
+            <a:r>
+              <a:rPr lang="en-GB" sz="1600" b="0" i="0">
+                <a:solidFill>
+                  <a:srgbClr val="000000"/>
+                </a:solidFill>
+                <a:effectLst/>
+                <a:latin typeface="NewsGotT-Reg"/>
+              </a:rPr>
+              <a:t>the ads </a:t>
+            </a:r>
+            <a:r>
+              <a:rPr lang="en-GB" sz="1600" b="0" i="0" dirty="0">
+                <a:solidFill>
+                  <a:srgbClr val="000000"/>
+                </a:solidFill>
+                <a:effectLst/>
+                <a:latin typeface="NewsGotT-Reg"/>
+              </a:rPr>
+              <a:t>being displayed at the MDO and purchase them; </a:t>
+            </a:r>
+          </a:p>
+          <a:p>
+            <a:pPr marL="357188" lvl="1" indent="-174625" algn="just"/>
+            <a:r>
+              <a:rPr lang="en-GB" sz="1600" b="1" i="0" dirty="0">
+                <a:solidFill>
+                  <a:srgbClr val="000000"/>
+                </a:solidFill>
+                <a:effectLst/>
+                <a:latin typeface="NewsGotT-Reg"/>
+              </a:rPr>
+              <a:t>Admin</a:t>
+            </a:r>
+            <a:r>
+              <a:rPr lang="en-GB" sz="1600" b="0" i="0" dirty="0">
+                <a:solidFill>
+                  <a:srgbClr val="000000"/>
+                </a:solidFill>
+                <a:effectLst/>
+                <a:latin typeface="NewsGotT-Reg"/>
+              </a:rPr>
+              <a:t>: remotely monitor and control the operation of the MDO. </a:t>
+            </a:r>
+          </a:p>
+          <a:p>
+            <a:pPr marL="714375" lvl="2" indent="-174625" algn="just"/>
+            <a:r>
+              <a:rPr lang="en-GB" sz="1600" b="0" i="0" u="sng" dirty="0">
+                <a:solidFill>
+                  <a:srgbClr val="000000"/>
+                </a:solidFill>
+                <a:effectLst/>
+                <a:latin typeface="NewsGotT-Reg"/>
+              </a:rPr>
+              <a:t>Thus, an authentication mechanism is required.</a:t>
+            </a:r>
+          </a:p>
+          <a:p>
+            <a:pPr marL="182563" indent="-182563" algn="just"/>
+            <a:r>
+              <a:rPr lang="en-GB" sz="1800" b="0" i="0" dirty="0">
+                <a:solidFill>
+                  <a:srgbClr val="000000"/>
+                </a:solidFill>
+                <a:effectLst/>
+                <a:latin typeface="NewsGotT-Reg"/>
+              </a:rPr>
+              <a:t>The data is then dispatched to the back-end, where it is processed and feed back to the UI user and/or sent to the remote server, via TCP/IP.</a:t>
+            </a:r>
+            <a:endParaRPr lang="en-GB" sz="1600" dirty="0"/>
+          </a:p>
+        </p:txBody>
+      </p:sp>
+      <p:sp>
+        <p:nvSpPr>
+          <p:cNvPr id="4" name="Slide Number Placeholder 3">
+            <a:extLst>
+              <a:ext uri="{FF2B5EF4-FFF2-40B4-BE49-F238E27FC236}">
+                <a16:creationId xmlns:a16="http://schemas.microsoft.com/office/drawing/2014/main" id="{17FAB7C6-6F88-4D44-BBB3-24B69BF254BC}"/>
+              </a:ext>
+            </a:extLst>
+          </p:cNvPr>
+          <p:cNvSpPr>
+            <a:spLocks noGrp="1"/>
+          </p:cNvSpPr>
+          <p:nvPr>
+            <p:ph type="sldNum" sz="quarter" idx="11"/>
+          </p:nvPr>
+        </p:nvSpPr>
+        <p:spPr>
+          <a:xfrm>
+            <a:off x="6907832" y="6453336"/>
+            <a:ext cx="2133600" cy="332656"/>
+          </a:xfrm>
+        </p:spPr>
+        <p:txBody>
+          <a:bodyPr/>
+          <a:lstStyle/>
+          <a:p>
+            <a:pPr algn="r"/>
+            <a:fld id="{D4C49B74-5DB2-4B03-B1D2-7F6A3C51C318}" type="slidenum">
+              <a:rPr lang="en-GB" smtClean="0"/>
+              <a:pPr algn="r"/>
+              <a:t>24</a:t>
+            </a:fld>
+            <a:endParaRPr lang="en-GB" dirty="0"/>
+          </a:p>
+        </p:txBody>
+      </p:sp>
+      <p:pic>
+        <p:nvPicPr>
+          <p:cNvPr id="5" name="Picture 4" descr="Diagram&#10;&#10;Description automatically generated">
+            <a:extLst>
+              <a:ext uri="{FF2B5EF4-FFF2-40B4-BE49-F238E27FC236}">
+                <a16:creationId xmlns:a16="http://schemas.microsoft.com/office/drawing/2014/main" id="{EA51ED4C-836C-48D9-8B5F-95D360BC9641}"/>
+              </a:ext>
+            </a:extLst>
+          </p:cNvPr>
+          <p:cNvPicPr>
+            <a:picLocks noChangeAspect="1"/>
+          </p:cNvPicPr>
+          <p:nvPr/>
+        </p:nvPicPr>
+        <p:blipFill>
+          <a:blip r:embed="rId2">
+            <a:extLst>
+              <a:ext uri="{28A0092B-C50C-407E-A947-70E740481C1C}">
+                <a14:useLocalDpi xmlns:a14="http://schemas.microsoft.com/office/drawing/2010/main" val="0"/>
+              </a:ext>
+            </a:extLst>
+          </a:blip>
+          <a:stretch>
+            <a:fillRect/>
+          </a:stretch>
+        </p:blipFill>
+        <p:spPr>
+          <a:xfrm>
+            <a:off x="1547983" y="1180790"/>
+            <a:ext cx="7224723" cy="3616362"/>
+          </a:xfrm>
+          <a:prstGeom prst="rect">
+            <a:avLst/>
+          </a:prstGeom>
+        </p:spPr>
+      </p:pic>
+    </p:spTree>
+    <p:extLst>
+      <p:ext uri="{BB962C8B-B14F-4D97-AF65-F5344CB8AC3E}">
+        <p14:creationId xmlns:p14="http://schemas.microsoft.com/office/powerpoint/2010/main" val="3578829051"/>
+      </p:ext>
+    </p:extLst>
+  </p:cSld>
+  <p:clrMapOvr>
+    <a:masterClrMapping/>
+  </p:clrMapOvr>
+  <p:timing>
+    <p:tnLst>
+      <p:par>
+        <p:cTn id="1" dur="indefinite" restart="never" nodeType="tmRoot">
+          <p:childTnLst>
+            <p:seq concurrent="1" nextAc="seek">
+              <p:cTn id="2" dur="indefinite" nodeType="mainSeq">
+                <p:childTnLst>
+                  <p:par>
+                    <p:cTn id="3" fill="hold">
+                      <p:stCondLst>
+                        <p:cond delay="indefinite"/>
+                      </p:stCondLst>
+                      <p:childTnLst>
+                        <p:par>
+                          <p:cTn id="4" fill="hold">
+                            <p:stCondLst>
+                              <p:cond delay="0"/>
+                            </p:stCondLst>
+                            <p:childTnLst>
+                              <p:par>
+                                <p:cTn id="5" presetID="1" presetClass="entr" presetSubtype="0" fill="hold" nodeType="clickEffect">
+                                  <p:stCondLst>
+                                    <p:cond delay="0"/>
+                                  </p:stCondLst>
+                                  <p:childTnLst>
+                                    <p:set>
+                                      <p:cBhvr>
+                                        <p:cTn id="6" dur="1" fill="hold">
+                                          <p:stCondLst>
+                                            <p:cond delay="0"/>
+                                          </p:stCondLst>
+                                        </p:cTn>
+                                        <p:tgtEl>
+                                          <p:spTgt spid="10">
+                                            <p:txEl>
+                                              <p:pRg st="1" end="1"/>
+                                            </p:txEl>
+                                          </p:spTgt>
+                                        </p:tgtEl>
+                                        <p:attrNameLst>
+                                          <p:attrName>style.visibility</p:attrName>
+                                        </p:attrNameLst>
+                                      </p:cBhvr>
+                                      <p:to>
+                                        <p:strVal val="visible"/>
+                                      </p:to>
+                                    </p:set>
+                                  </p:childTnLst>
+                                </p:cTn>
+                              </p:par>
+                            </p:childTnLst>
+                          </p:cTn>
+                        </p:par>
+                      </p:childTnLst>
+                    </p:cTn>
+                  </p:par>
+                  <p:par>
+                    <p:cTn id="7" fill="hold">
+                      <p:stCondLst>
+                        <p:cond delay="indefinite"/>
+                      </p:stCondLst>
+                      <p:childTnLst>
+                        <p:par>
+                          <p:cTn id="8" fill="hold">
+                            <p:stCondLst>
+                              <p:cond delay="0"/>
+                            </p:stCondLst>
+                            <p:childTnLst>
+                              <p:par>
+                                <p:cTn id="9" presetID="1" presetClass="entr" presetSubtype="0" fill="hold" nodeType="clickEffect">
+                                  <p:stCondLst>
+                                    <p:cond delay="0"/>
+                                  </p:stCondLst>
+                                  <p:childTnLst>
+                                    <p:set>
+                                      <p:cBhvr>
+                                        <p:cTn id="10" dur="1" fill="hold">
+                                          <p:stCondLst>
+                                            <p:cond delay="0"/>
+                                          </p:stCondLst>
+                                        </p:cTn>
+                                        <p:tgtEl>
+                                          <p:spTgt spid="10">
+                                            <p:txEl>
+                                              <p:pRg st="2" end="2"/>
+                                            </p:txEl>
+                                          </p:spTgt>
+                                        </p:tgtEl>
+                                        <p:attrNameLst>
+                                          <p:attrName>style.visibility</p:attrName>
+                                        </p:attrNameLst>
+                                      </p:cBhvr>
+                                      <p:to>
+                                        <p:strVal val="visible"/>
+                                      </p:to>
+                                    </p:set>
+                                  </p:childTnLst>
+                                </p:cTn>
+                              </p:par>
+                            </p:childTnLst>
+                          </p:cTn>
+                        </p:par>
+                      </p:childTnLst>
+                    </p:cTn>
+                  </p:par>
+                  <p:par>
+                    <p:cTn id="11" fill="hold">
+                      <p:stCondLst>
+                        <p:cond delay="indefinite"/>
+                      </p:stCondLst>
+                      <p:childTnLst>
+                        <p:par>
+                          <p:cTn id="12" fill="hold">
+                            <p:stCondLst>
+                              <p:cond delay="0"/>
+                            </p:stCondLst>
+                            <p:childTnLst>
+                              <p:par>
+                                <p:cTn id="13" presetID="1" presetClass="entr" presetSubtype="0" fill="hold" nodeType="clickEffect">
+                                  <p:stCondLst>
+                                    <p:cond delay="0"/>
+                                  </p:stCondLst>
+                                  <p:childTnLst>
+                                    <p:set>
+                                      <p:cBhvr>
+                                        <p:cTn id="14" dur="1" fill="hold">
+                                          <p:stCondLst>
+                                            <p:cond delay="0"/>
+                                          </p:stCondLst>
+                                        </p:cTn>
+                                        <p:tgtEl>
+                                          <p:spTgt spid="10">
+                                            <p:txEl>
+                                              <p:pRg st="3" end="3"/>
+                                            </p:txEl>
+                                          </p:spTgt>
+                                        </p:tgtEl>
+                                        <p:attrNameLst>
+                                          <p:attrName>style.visibility</p:attrName>
+                                        </p:attrNameLst>
+                                      </p:cBhvr>
+                                      <p:to>
+                                        <p:strVal val="visible"/>
+                                      </p:to>
+                                    </p:set>
+                                  </p:childTnLst>
+                                </p:cTn>
+                              </p:par>
+                            </p:childTnLst>
+                          </p:cTn>
+                        </p:par>
+                      </p:childTnLst>
+                    </p:cTn>
+                  </p:par>
+                  <p:par>
+                    <p:cTn id="15" fill="hold">
+                      <p:stCondLst>
+                        <p:cond delay="indefinite"/>
+                      </p:stCondLst>
+                      <p:childTnLst>
+                        <p:par>
+                          <p:cTn id="16" fill="hold">
+                            <p:stCondLst>
+                              <p:cond delay="0"/>
+                            </p:stCondLst>
+                            <p:childTnLst>
+                              <p:par>
+                                <p:cTn id="17" presetID="1" presetClass="entr" presetSubtype="0" fill="hold" nodeType="clickEffect">
+                                  <p:stCondLst>
+                                    <p:cond delay="0"/>
+                                  </p:stCondLst>
+                                  <p:childTnLst>
+                                    <p:set>
+                                      <p:cBhvr>
+                                        <p:cTn id="18" dur="1" fill="hold">
+                                          <p:stCondLst>
+                                            <p:cond delay="0"/>
+                                          </p:stCondLst>
+                                        </p:cTn>
+                                        <p:tgtEl>
+                                          <p:spTgt spid="10">
+                                            <p:txEl>
+                                              <p:pRg st="4" end="4"/>
+                                            </p:txEl>
+                                          </p:spTgt>
+                                        </p:tgtEl>
+                                        <p:attrNameLst>
+                                          <p:attrName>style.visibility</p:attrName>
+                                        </p:attrNameLst>
+                                      </p:cBhvr>
+                                      <p:to>
+                                        <p:strVal val="visible"/>
+                                      </p:to>
+                                    </p:set>
+                                  </p:childTnLst>
+                                </p:cTn>
+                              </p:par>
+                            </p:childTnLst>
+                          </p:cTn>
+                        </p:par>
+                      </p:childTnLst>
+                    </p:cTn>
+                  </p:par>
+                  <p:par>
+                    <p:cTn id="19" fill="hold">
+                      <p:stCondLst>
+                        <p:cond delay="indefinite"/>
+                      </p:stCondLst>
+                      <p:childTnLst>
+                        <p:par>
+                          <p:cTn id="20" fill="hold">
+                            <p:stCondLst>
+                              <p:cond delay="0"/>
+                            </p:stCondLst>
+                            <p:childTnLst>
+                              <p:par>
+                                <p:cTn id="21" presetID="1" presetClass="entr" presetSubtype="0" fill="hold" nodeType="clickEffect">
+                                  <p:stCondLst>
+                                    <p:cond delay="0"/>
+                                  </p:stCondLst>
+                                  <p:childTnLst>
+                                    <p:set>
+                                      <p:cBhvr>
+                                        <p:cTn id="22" dur="1" fill="hold">
+                                          <p:stCondLst>
+                                            <p:cond delay="0"/>
+                                          </p:stCondLst>
+                                        </p:cTn>
+                                        <p:tgtEl>
+                                          <p:spTgt spid="10">
+                                            <p:txEl>
+                                              <p:pRg st="5" end="5"/>
+                                            </p:txEl>
+                                          </p:spTgt>
+                                        </p:tgtEl>
+                                        <p:attrNameLst>
+                                          <p:attrName>style.visibility</p:attrName>
+                                        </p:attrNameLst>
+                                      </p:cBhvr>
+                                      <p:to>
+                                        <p:strVal val="visible"/>
+                                      </p:to>
+                                    </p:set>
+                                  </p:childTnLst>
+                                </p:cTn>
+                              </p:par>
+                            </p:childTnLst>
+                          </p:cTn>
+                        </p:par>
+                      </p:childTnLst>
+                    </p:cTn>
+                  </p:par>
+                </p:childTnLst>
+              </p:cTn>
+              <p:prevCondLst>
+                <p:cond evt="onPrev" delay="0">
+                  <p:tgtEl>
+                    <p:sldTgt/>
+                  </p:tgtEl>
+                </p:cond>
+              </p:prevCondLst>
+              <p:nextCondLst>
+                <p:cond evt="onNext" delay="0">
+                  <p:tgtEl>
+                    <p:sldTgt/>
+                  </p:tgtEl>
+                </p:cond>
+              </p:nextCondLst>
+            </p:seq>
+          </p:childTnLst>
+        </p:cTn>
+      </p:par>
+    </p:tnLst>
+  </p:timing>
+</p:sld>
+</file>
+
+<file path=ppt/slides/slide25.xml><?xml version="1.0" encoding="utf-8"?>
+<p:sld xmlns:a="http://schemas.openxmlformats.org/drawingml/2006/main" xmlns:r="http://schemas.openxmlformats.org/officeDocument/2006/relationships" xmlns:p="http://schemas.openxmlformats.org/presentationml/2006/main">
+  <p:cSld>
+    <p:spTree>
+      <p:nvGrpSpPr>
+        <p:cNvPr id="1" name=""/>
+        <p:cNvGrpSpPr/>
+        <p:nvPr/>
+      </p:nvGrpSpPr>
+      <p:grpSpPr>
+        <a:xfrm>
+          <a:off x="0" y="0"/>
+          <a:ext cx="0" cy="0"/>
+          <a:chOff x="0" y="0"/>
+          <a:chExt cx="0" cy="0"/>
+        </a:xfrm>
+      </p:grpSpPr>
+      <p:sp>
+        <p:nvSpPr>
+          <p:cNvPr id="3" name="Título 2">
+            <a:extLst>
+              <a:ext uri="{FF2B5EF4-FFF2-40B4-BE49-F238E27FC236}">
+                <a16:creationId xmlns:a16="http://schemas.microsoft.com/office/drawing/2014/main" id="{DCCAD75C-6CBB-4728-9829-FF3AF5C28B9E}"/>
+              </a:ext>
+            </a:extLst>
+          </p:cNvPr>
+          <p:cNvSpPr>
+            <a:spLocks noGrp="1"/>
+          </p:cNvSpPr>
+          <p:nvPr>
+            <p:ph type="title"/>
+          </p:nvPr>
+        </p:nvSpPr>
+        <p:spPr/>
+        <p:txBody>
+          <a:bodyPr/>
+          <a:lstStyle/>
+          <a:p>
+            <a:pPr algn="ctr"/>
+            <a:r>
+              <a:rPr lang="pt-PT" dirty="0"/>
+              <a:t>System Overview</a:t>
+            </a:r>
+            <a:endParaRPr lang="en-US" dirty="0"/>
+          </a:p>
+        </p:txBody>
+      </p:sp>
+      <p:sp>
+        <p:nvSpPr>
+          <p:cNvPr id="10" name="Text Placeholder 9">
+            <a:extLst>
+              <a:ext uri="{FF2B5EF4-FFF2-40B4-BE49-F238E27FC236}">
+                <a16:creationId xmlns:a16="http://schemas.microsoft.com/office/drawing/2014/main" id="{FDDB500B-8A17-4F71-87AE-71DB58E8B802}"/>
+              </a:ext>
+            </a:extLst>
+          </p:cNvPr>
+          <p:cNvSpPr>
+            <a:spLocks noGrp="1"/>
+          </p:cNvSpPr>
+          <p:nvPr>
+            <p:ph type="body" idx="1"/>
+          </p:nvPr>
+        </p:nvSpPr>
+        <p:spPr>
+          <a:xfrm>
+            <a:off x="1169368" y="4797152"/>
+            <a:ext cx="7795120" cy="2304256"/>
+          </a:xfrm>
+        </p:spPr>
+        <p:txBody>
+          <a:bodyPr>
+            <a:normAutofit/>
+          </a:bodyPr>
+          <a:lstStyle/>
+          <a:p>
+            <a:pPr marL="0" indent="0" algn="just">
+              <a:buNone/>
+            </a:pPr>
+            <a:r>
+              <a:rPr lang="en-GB" sz="2400" b="1" dirty="0"/>
+              <a:t>Remote Server (MDO-RS):</a:t>
+            </a:r>
+          </a:p>
+          <a:p>
+            <a:pPr marL="182563" indent="-182563" algn="just"/>
+            <a:r>
+              <a:rPr lang="en-GB" sz="2000" b="1" i="0" dirty="0">
+                <a:solidFill>
+                  <a:srgbClr val="000000"/>
+                </a:solidFill>
+                <a:effectLst/>
+                <a:latin typeface="NewsGotT-Reg"/>
+              </a:rPr>
+              <a:t>DB management</a:t>
+            </a:r>
+            <a:r>
+              <a:rPr lang="en-GB" sz="2000" b="0" i="0" dirty="0">
+                <a:solidFill>
+                  <a:srgbClr val="000000"/>
+                </a:solidFill>
+                <a:effectLst/>
+                <a:latin typeface="NewsGotT-Reg"/>
+              </a:rPr>
+              <a:t>: handles UI requests for DB management</a:t>
+            </a:r>
+          </a:p>
+          <a:p>
+            <a:pPr marL="182563" indent="-182563" algn="just"/>
+            <a:r>
+              <a:rPr lang="en-GB" sz="2000" b="1" dirty="0">
+                <a:solidFill>
+                  <a:srgbClr val="000000"/>
+                </a:solidFill>
+                <a:latin typeface="NewsGotT-Reg"/>
+              </a:rPr>
+              <a:t>MDO-L monitoring and control</a:t>
+            </a:r>
+            <a:r>
+              <a:rPr lang="en-GB" sz="2000" dirty="0">
+                <a:solidFill>
+                  <a:srgbClr val="000000"/>
+                </a:solidFill>
+                <a:latin typeface="NewsGotT-Reg"/>
+              </a:rPr>
+              <a:t>: provides command dispatch and feedback to the Admin for remote monitoring and control of the device</a:t>
+            </a:r>
+          </a:p>
+          <a:p>
+            <a:pPr marL="182563" indent="-182563" algn="just"/>
+            <a:r>
+              <a:rPr lang="en-GB" sz="2000" b="1" i="0" dirty="0">
+                <a:solidFill>
+                  <a:srgbClr val="000000"/>
+                </a:solidFill>
+                <a:effectLst/>
+                <a:latin typeface="NewsGotT-Reg"/>
+              </a:rPr>
+              <a:t>MDO-L update</a:t>
+            </a:r>
+            <a:r>
+              <a:rPr lang="en-GB" sz="2000" b="0" i="0" dirty="0">
+                <a:solidFill>
+                  <a:srgbClr val="000000"/>
+                </a:solidFill>
+                <a:effectLst/>
+                <a:latin typeface="NewsGotT-Reg"/>
+              </a:rPr>
+              <a:t>: periodically check for start times of each MDO-L device and transfer the relevant data to it</a:t>
+            </a:r>
+          </a:p>
+        </p:txBody>
+      </p:sp>
+      <p:sp>
+        <p:nvSpPr>
+          <p:cNvPr id="4" name="Slide Number Placeholder 3">
+            <a:extLst>
+              <a:ext uri="{FF2B5EF4-FFF2-40B4-BE49-F238E27FC236}">
+                <a16:creationId xmlns:a16="http://schemas.microsoft.com/office/drawing/2014/main" id="{17FAB7C6-6F88-4D44-BBB3-24B69BF254BC}"/>
+              </a:ext>
+            </a:extLst>
+          </p:cNvPr>
+          <p:cNvSpPr>
+            <a:spLocks noGrp="1"/>
+          </p:cNvSpPr>
+          <p:nvPr>
+            <p:ph type="sldNum" sz="quarter" idx="11"/>
+          </p:nvPr>
+        </p:nvSpPr>
+        <p:spPr>
+          <a:xfrm>
+            <a:off x="6907832" y="6453336"/>
+            <a:ext cx="2133600" cy="332656"/>
+          </a:xfrm>
+        </p:spPr>
+        <p:txBody>
+          <a:bodyPr/>
+          <a:lstStyle/>
+          <a:p>
+            <a:pPr algn="r"/>
+            <a:fld id="{D4C49B74-5DB2-4B03-B1D2-7F6A3C51C318}" type="slidenum">
+              <a:rPr lang="en-GB" smtClean="0"/>
+              <a:pPr algn="r"/>
+              <a:t>25</a:t>
+            </a:fld>
+            <a:endParaRPr lang="en-GB" dirty="0"/>
+          </a:p>
+        </p:txBody>
+      </p:sp>
+      <p:pic>
+        <p:nvPicPr>
+          <p:cNvPr id="5" name="Picture 4" descr="Diagram&#10;&#10;Description automatically generated">
+            <a:extLst>
+              <a:ext uri="{FF2B5EF4-FFF2-40B4-BE49-F238E27FC236}">
+                <a16:creationId xmlns:a16="http://schemas.microsoft.com/office/drawing/2014/main" id="{EA51ED4C-836C-48D9-8B5F-95D360BC9641}"/>
+              </a:ext>
+            </a:extLst>
+          </p:cNvPr>
+          <p:cNvPicPr>
+            <a:picLocks noChangeAspect="1"/>
+          </p:cNvPicPr>
+          <p:nvPr/>
+        </p:nvPicPr>
+        <p:blipFill>
+          <a:blip r:embed="rId2">
+            <a:extLst>
+              <a:ext uri="{28A0092B-C50C-407E-A947-70E740481C1C}">
+                <a14:useLocalDpi xmlns:a14="http://schemas.microsoft.com/office/drawing/2010/main" val="0"/>
+              </a:ext>
+            </a:extLst>
+          </a:blip>
+          <a:stretch>
+            <a:fillRect/>
+          </a:stretch>
+        </p:blipFill>
+        <p:spPr>
+          <a:xfrm>
+            <a:off x="1547983" y="1180790"/>
+            <a:ext cx="7224723" cy="3616362"/>
+          </a:xfrm>
+          <a:prstGeom prst="rect">
+            <a:avLst/>
+          </a:prstGeom>
+        </p:spPr>
+      </p:pic>
+    </p:spTree>
+    <p:extLst>
+      <p:ext uri="{BB962C8B-B14F-4D97-AF65-F5344CB8AC3E}">
+        <p14:creationId xmlns:p14="http://schemas.microsoft.com/office/powerpoint/2010/main" val="340859211"/>
+      </p:ext>
+    </p:extLst>
+  </p:cSld>
+  <p:clrMapOvr>
+    <a:masterClrMapping/>
+  </p:clrMapOvr>
+  <p:timing>
+    <p:tnLst>
+      <p:par>
+        <p:cTn id="1" dur="indefinite" restart="never" nodeType="tmRoot">
+          <p:childTnLst>
+            <p:seq concurrent="1" nextAc="seek">
+              <p:cTn id="2" dur="indefinite" nodeType="mainSeq">
+                <p:childTnLst>
+                  <p:par>
+                    <p:cTn id="3" fill="hold">
+                      <p:stCondLst>
+                        <p:cond delay="indefinite"/>
+                      </p:stCondLst>
+                      <p:childTnLst>
+                        <p:par>
+                          <p:cTn id="4" fill="hold">
+                            <p:stCondLst>
+                              <p:cond delay="0"/>
+                            </p:stCondLst>
+                            <p:childTnLst>
+                              <p:par>
+                                <p:cTn id="5" presetID="1" presetClass="entr" presetSubtype="0" fill="hold" nodeType="clickEffect">
+                                  <p:stCondLst>
+                                    <p:cond delay="0"/>
+                                  </p:stCondLst>
+                                  <p:childTnLst>
+                                    <p:set>
+                                      <p:cBhvr>
+                                        <p:cTn id="6" dur="1" fill="hold">
+                                          <p:stCondLst>
+                                            <p:cond delay="0"/>
+                                          </p:stCondLst>
+                                        </p:cTn>
+                                        <p:tgtEl>
+                                          <p:spTgt spid="10">
+                                            <p:txEl>
+                                              <p:pRg st="1" end="1"/>
+                                            </p:txEl>
+                                          </p:spTgt>
+                                        </p:tgtEl>
+                                        <p:attrNameLst>
+                                          <p:attrName>style.visibility</p:attrName>
+                                        </p:attrNameLst>
+                                      </p:cBhvr>
+                                      <p:to>
+                                        <p:strVal val="visible"/>
+                                      </p:to>
+                                    </p:set>
+                                  </p:childTnLst>
+                                </p:cTn>
+                              </p:par>
+                            </p:childTnLst>
+                          </p:cTn>
+                        </p:par>
+                      </p:childTnLst>
+                    </p:cTn>
+                  </p:par>
+                  <p:par>
+                    <p:cTn id="7" fill="hold">
+                      <p:stCondLst>
+                        <p:cond delay="indefinite"/>
+                      </p:stCondLst>
+                      <p:childTnLst>
+                        <p:par>
+                          <p:cTn id="8" fill="hold">
+                            <p:stCondLst>
+                              <p:cond delay="0"/>
+                            </p:stCondLst>
+                            <p:childTnLst>
+                              <p:par>
+                                <p:cTn id="9" presetID="1" presetClass="entr" presetSubtype="0" fill="hold" nodeType="clickEffect">
+                                  <p:stCondLst>
+                                    <p:cond delay="0"/>
+                                  </p:stCondLst>
+                                  <p:childTnLst>
+                                    <p:set>
+                                      <p:cBhvr>
+                                        <p:cTn id="10" dur="1" fill="hold">
+                                          <p:stCondLst>
+                                            <p:cond delay="0"/>
+                                          </p:stCondLst>
+                                        </p:cTn>
+                                        <p:tgtEl>
+                                          <p:spTgt spid="10">
+                                            <p:txEl>
+                                              <p:pRg st="2" end="2"/>
+                                            </p:txEl>
+                                          </p:spTgt>
+                                        </p:tgtEl>
+                                        <p:attrNameLst>
+                                          <p:attrName>style.visibility</p:attrName>
+                                        </p:attrNameLst>
+                                      </p:cBhvr>
+                                      <p:to>
+                                        <p:strVal val="visible"/>
+                                      </p:to>
+                                    </p:set>
+                                  </p:childTnLst>
+                                </p:cTn>
+                              </p:par>
+                            </p:childTnLst>
+                          </p:cTn>
+                        </p:par>
+                      </p:childTnLst>
+                    </p:cTn>
+                  </p:par>
+                  <p:par>
+                    <p:cTn id="11" fill="hold">
+                      <p:stCondLst>
+                        <p:cond delay="indefinite"/>
+                      </p:stCondLst>
+                      <p:childTnLst>
+                        <p:par>
+                          <p:cTn id="12" fill="hold">
+                            <p:stCondLst>
+                              <p:cond delay="0"/>
+                            </p:stCondLst>
+                            <p:childTnLst>
+                              <p:par>
+                                <p:cTn id="13" presetID="1" presetClass="entr" presetSubtype="0" fill="hold" nodeType="clickEffect">
+                                  <p:stCondLst>
+                                    <p:cond delay="0"/>
+                                  </p:stCondLst>
+                                  <p:childTnLst>
+                                    <p:set>
+                                      <p:cBhvr>
+                                        <p:cTn id="14" dur="1" fill="hold">
+                                          <p:stCondLst>
+                                            <p:cond delay="0"/>
+                                          </p:stCondLst>
+                                        </p:cTn>
+                                        <p:tgtEl>
+                                          <p:spTgt spid="10">
+                                            <p:txEl>
+                                              <p:pRg st="3" end="3"/>
+                                            </p:txEl>
+                                          </p:spTgt>
+                                        </p:tgtEl>
+                                        <p:attrNameLst>
+                                          <p:attrName>style.visibility</p:attrName>
+                                        </p:attrNameLst>
+                                      </p:cBhvr>
+                                      <p:to>
+                                        <p:strVal val="visible"/>
+                                      </p:to>
+                                    </p:set>
+                                  </p:childTnLst>
+                                </p:cTn>
+                              </p:par>
+                            </p:childTnLst>
+                          </p:cTn>
+                        </p:par>
+                      </p:childTnLst>
+                    </p:cTn>
+                  </p:par>
+                </p:childTnLst>
+              </p:cTn>
+              <p:prevCondLst>
+                <p:cond evt="onPrev" delay="0">
+                  <p:tgtEl>
+                    <p:sldTgt/>
+                  </p:tgtEl>
+                </p:cond>
+              </p:prevCondLst>
+              <p:nextCondLst>
+                <p:cond evt="onNext" delay="0">
+                  <p:tgtEl>
+                    <p:sldTgt/>
+                  </p:tgtEl>
+                </p:cond>
+              </p:nextCondLst>
+            </p:seq>
+          </p:childTnLst>
+        </p:cTn>
+      </p:par>
+    </p:tnLst>
+  </p:timing>
+</p:sld>
+</file>
+
+<file path=ppt/slides/slide26.xml><?xml version="1.0" encoding="utf-8"?>
+<p:sld xmlns:a="http://schemas.openxmlformats.org/drawingml/2006/main" xmlns:r="http://schemas.openxmlformats.org/officeDocument/2006/relationships" xmlns:p="http://schemas.openxmlformats.org/presentationml/2006/main">
+  <p:cSld>
+    <p:spTree>
+      <p:nvGrpSpPr>
+        <p:cNvPr id="1" name=""/>
+        <p:cNvGrpSpPr/>
+        <p:nvPr/>
+      </p:nvGrpSpPr>
+      <p:grpSpPr>
+        <a:xfrm>
+          <a:off x="0" y="0"/>
+          <a:ext cx="0" cy="0"/>
+          <a:chOff x="0" y="0"/>
+          <a:chExt cx="0" cy="0"/>
+        </a:xfrm>
+      </p:grpSpPr>
+      <p:sp>
+        <p:nvSpPr>
+          <p:cNvPr id="3" name="Título 2">
+            <a:extLst>
+              <a:ext uri="{FF2B5EF4-FFF2-40B4-BE49-F238E27FC236}">
+                <a16:creationId xmlns:a16="http://schemas.microsoft.com/office/drawing/2014/main" id="{DCCAD75C-6CBB-4728-9829-FF3AF5C28B9E}"/>
+              </a:ext>
+            </a:extLst>
+          </p:cNvPr>
+          <p:cNvSpPr>
+            <a:spLocks noGrp="1"/>
+          </p:cNvSpPr>
+          <p:nvPr>
+            <p:ph type="title"/>
+          </p:nvPr>
+        </p:nvSpPr>
+        <p:spPr/>
+        <p:txBody>
+          <a:bodyPr/>
+          <a:lstStyle/>
+          <a:p>
+            <a:pPr algn="ctr"/>
+            <a:r>
+              <a:rPr lang="pt-PT" dirty="0"/>
+              <a:t>System Overview</a:t>
+            </a:r>
+            <a:endParaRPr lang="en-US" dirty="0"/>
+          </a:p>
+        </p:txBody>
+      </p:sp>
+      <p:sp>
+        <p:nvSpPr>
+          <p:cNvPr id="10" name="Text Placeholder 9">
+            <a:extLst>
+              <a:ext uri="{FF2B5EF4-FFF2-40B4-BE49-F238E27FC236}">
+                <a16:creationId xmlns:a16="http://schemas.microsoft.com/office/drawing/2014/main" id="{FDDB500B-8A17-4F71-87AE-71DB58E8B802}"/>
+              </a:ext>
+            </a:extLst>
+          </p:cNvPr>
+          <p:cNvSpPr>
+            <a:spLocks noGrp="1"/>
+          </p:cNvSpPr>
+          <p:nvPr>
+            <p:ph type="body" idx="1"/>
+          </p:nvPr>
+        </p:nvSpPr>
+        <p:spPr>
+          <a:xfrm>
+            <a:off x="1115616" y="4797152"/>
+            <a:ext cx="7925816" cy="2304256"/>
+          </a:xfrm>
+        </p:spPr>
+        <p:txBody>
+          <a:bodyPr>
+            <a:normAutofit/>
+          </a:bodyPr>
+          <a:lstStyle/>
+          <a:p>
+            <a:pPr marL="0" indent="0" algn="just">
+              <a:buNone/>
+            </a:pPr>
+            <a:r>
+              <a:rPr lang="en-GB" sz="2400" b="1" dirty="0"/>
+              <a:t>Local system (MDO-L): </a:t>
+            </a:r>
+            <a:r>
+              <a:rPr lang="en-GB" sz="1800" u="sng" dirty="0"/>
+              <a:t>marketing device for multi-sensory ads</a:t>
+            </a:r>
+            <a:r>
+              <a:rPr lang="en-GB" sz="1800" dirty="0"/>
+              <a:t> – </a:t>
+            </a:r>
+            <a:r>
+              <a:rPr lang="en-GB" sz="1800" b="1" dirty="0"/>
+              <a:t>modes:</a:t>
+            </a:r>
+            <a:endParaRPr lang="en-GB" sz="1800" b="1" u="sng" dirty="0"/>
+          </a:p>
+          <a:p>
+            <a:pPr algn="just">
+              <a:buFont typeface="+mj-lt"/>
+              <a:buAutoNum type="arabicPeriod"/>
+            </a:pPr>
+            <a:r>
+              <a:rPr lang="en-GB" sz="1900" b="1" i="0" dirty="0">
+                <a:solidFill>
+                  <a:srgbClr val="000000"/>
+                </a:solidFill>
+                <a:effectLst/>
+                <a:latin typeface="NewsGotT-Reg"/>
+              </a:rPr>
+              <a:t>Normal (default)</a:t>
+            </a:r>
+            <a:r>
+              <a:rPr lang="en-GB" sz="1900" b="0" i="0" dirty="0">
+                <a:solidFill>
+                  <a:srgbClr val="000000"/>
+                </a:solidFill>
+                <a:effectLst/>
+                <a:latin typeface="NewsGotT-Reg"/>
+              </a:rPr>
+              <a:t>: the MDO provides sound, video and fragrance outputs</a:t>
+            </a:r>
+          </a:p>
+          <a:p>
+            <a:pPr algn="just">
+              <a:buFont typeface="+mj-lt"/>
+              <a:buAutoNum type="arabicPeriod"/>
+            </a:pPr>
+            <a:r>
+              <a:rPr lang="en-GB" sz="1900" b="1" i="0" dirty="0">
+                <a:solidFill>
+                  <a:srgbClr val="000000"/>
+                </a:solidFill>
+                <a:effectLst/>
+                <a:latin typeface="NewsGotT-Reg"/>
+              </a:rPr>
+              <a:t>Interaction (User UI)</a:t>
+            </a:r>
+            <a:r>
+              <a:rPr lang="en-GB" sz="1900" b="0" i="0" dirty="0">
+                <a:solidFill>
+                  <a:srgbClr val="000000"/>
+                </a:solidFill>
+                <a:effectLst/>
+                <a:latin typeface="NewsGotT-Reg"/>
+              </a:rPr>
+              <a:t>: When a user approaches the device, the camera turns on and is mirrored on screen, waiting for recognizable gestures to provide additional functionalities, such as brand-specific image filters.</a:t>
+            </a:r>
+          </a:p>
+          <a:p>
+            <a:pPr marL="0" indent="0" algn="just">
+              <a:buNone/>
+            </a:pPr>
+            <a:endParaRPr lang="en-GB" sz="2000" b="0" i="0" dirty="0">
+              <a:solidFill>
+                <a:srgbClr val="000000"/>
+              </a:solidFill>
+              <a:effectLst/>
+              <a:latin typeface="NewsGotT-Reg"/>
+            </a:endParaRPr>
+          </a:p>
+        </p:txBody>
+      </p:sp>
+      <p:sp>
+        <p:nvSpPr>
+          <p:cNvPr id="4" name="Slide Number Placeholder 3">
+            <a:extLst>
+              <a:ext uri="{FF2B5EF4-FFF2-40B4-BE49-F238E27FC236}">
+                <a16:creationId xmlns:a16="http://schemas.microsoft.com/office/drawing/2014/main" id="{17FAB7C6-6F88-4D44-BBB3-24B69BF254BC}"/>
+              </a:ext>
+            </a:extLst>
+          </p:cNvPr>
+          <p:cNvSpPr>
+            <a:spLocks noGrp="1"/>
+          </p:cNvSpPr>
+          <p:nvPr>
+            <p:ph type="sldNum" sz="quarter" idx="11"/>
+          </p:nvPr>
+        </p:nvSpPr>
+        <p:spPr>
+          <a:xfrm>
+            <a:off x="6907832" y="6453336"/>
+            <a:ext cx="2133600" cy="332656"/>
+          </a:xfrm>
+        </p:spPr>
+        <p:txBody>
+          <a:bodyPr/>
+          <a:lstStyle/>
+          <a:p>
+            <a:pPr algn="r"/>
+            <a:fld id="{D4C49B74-5DB2-4B03-B1D2-7F6A3C51C318}" type="slidenum">
+              <a:rPr lang="en-GB" smtClean="0"/>
+              <a:pPr algn="r"/>
+              <a:t>26</a:t>
+            </a:fld>
+            <a:endParaRPr lang="en-GB" dirty="0"/>
+          </a:p>
+        </p:txBody>
+      </p:sp>
+      <p:pic>
+        <p:nvPicPr>
+          <p:cNvPr id="5" name="Picture 4" descr="Diagram&#10;&#10;Description automatically generated">
+            <a:extLst>
+              <a:ext uri="{FF2B5EF4-FFF2-40B4-BE49-F238E27FC236}">
+                <a16:creationId xmlns:a16="http://schemas.microsoft.com/office/drawing/2014/main" id="{EA51ED4C-836C-48D9-8B5F-95D360BC9641}"/>
+              </a:ext>
+            </a:extLst>
+          </p:cNvPr>
+          <p:cNvPicPr>
+            <a:picLocks noChangeAspect="1"/>
+          </p:cNvPicPr>
+          <p:nvPr/>
+        </p:nvPicPr>
+        <p:blipFill>
+          <a:blip r:embed="rId2">
+            <a:extLst>
+              <a:ext uri="{28A0092B-C50C-407E-A947-70E740481C1C}">
+                <a14:useLocalDpi xmlns:a14="http://schemas.microsoft.com/office/drawing/2010/main" val="0"/>
+              </a:ext>
+            </a:extLst>
+          </a:blip>
+          <a:stretch>
+            <a:fillRect/>
+          </a:stretch>
+        </p:blipFill>
+        <p:spPr>
+          <a:xfrm>
+            <a:off x="1547983" y="1180790"/>
+            <a:ext cx="7224723" cy="3616362"/>
+          </a:xfrm>
+          <a:prstGeom prst="rect">
+            <a:avLst/>
+          </a:prstGeom>
+        </p:spPr>
+      </p:pic>
+    </p:spTree>
+    <p:extLst>
+      <p:ext uri="{BB962C8B-B14F-4D97-AF65-F5344CB8AC3E}">
+        <p14:creationId xmlns:p14="http://schemas.microsoft.com/office/powerpoint/2010/main" val="2884528864"/>
+      </p:ext>
+    </p:extLst>
+  </p:cSld>
+  <p:clrMapOvr>
+    <a:masterClrMapping/>
+  </p:clrMapOvr>
+  <p:timing>
+    <p:tnLst>
+      <p:par>
+        <p:cTn id="1" dur="indefinite" restart="never" nodeType="tmRoot">
+          <p:childTnLst>
+            <p:seq concurrent="1" nextAc="seek">
+              <p:cTn id="2" dur="indefinite" nodeType="mainSeq">
+                <p:childTnLst>
+                  <p:par>
+                    <p:cTn id="3" fill="hold">
+                      <p:stCondLst>
+                        <p:cond delay="indefinite"/>
+                      </p:stCondLst>
+                      <p:childTnLst>
+                        <p:par>
+                          <p:cTn id="4" fill="hold">
+                            <p:stCondLst>
+                              <p:cond delay="0"/>
+                            </p:stCondLst>
+                            <p:childTnLst>
+                              <p:par>
+                                <p:cTn id="5" presetID="1" presetClass="entr" presetSubtype="0" fill="hold" nodeType="clickEffect">
+                                  <p:stCondLst>
+                                    <p:cond delay="0"/>
+                                  </p:stCondLst>
+                                  <p:childTnLst>
+                                    <p:set>
+                                      <p:cBhvr>
+                                        <p:cTn id="6" dur="1" fill="hold">
+                                          <p:stCondLst>
+                                            <p:cond delay="0"/>
+                                          </p:stCondLst>
+                                        </p:cTn>
+                                        <p:tgtEl>
+                                          <p:spTgt spid="10">
+                                            <p:txEl>
+                                              <p:pRg st="1" end="1"/>
+                                            </p:txEl>
+                                          </p:spTgt>
+                                        </p:tgtEl>
+                                        <p:attrNameLst>
+                                          <p:attrName>style.visibility</p:attrName>
+                                        </p:attrNameLst>
+                                      </p:cBhvr>
+                                      <p:to>
+                                        <p:strVal val="visible"/>
+                                      </p:to>
+                                    </p:set>
+                                  </p:childTnLst>
+                                </p:cTn>
+                              </p:par>
+                            </p:childTnLst>
+                          </p:cTn>
+                        </p:par>
+                      </p:childTnLst>
+                    </p:cTn>
+                  </p:par>
+                  <p:par>
+                    <p:cTn id="7" fill="hold">
+                      <p:stCondLst>
+                        <p:cond delay="indefinite"/>
+                      </p:stCondLst>
+                      <p:childTnLst>
+                        <p:par>
+                          <p:cTn id="8" fill="hold">
+                            <p:stCondLst>
+                              <p:cond delay="0"/>
+                            </p:stCondLst>
+                            <p:childTnLst>
+                              <p:par>
+                                <p:cTn id="9" presetID="1" presetClass="entr" presetSubtype="0" fill="hold" nodeType="clickEffect">
+                                  <p:stCondLst>
+                                    <p:cond delay="0"/>
+                                  </p:stCondLst>
+                                  <p:childTnLst>
+                                    <p:set>
+                                      <p:cBhvr>
+                                        <p:cTn id="10" dur="1" fill="hold">
+                                          <p:stCondLst>
+                                            <p:cond delay="0"/>
+                                          </p:stCondLst>
+                                        </p:cTn>
+                                        <p:tgtEl>
+                                          <p:spTgt spid="10">
+                                            <p:txEl>
+                                              <p:pRg st="2" end="2"/>
+                                            </p:txEl>
+                                          </p:spTgt>
+                                        </p:tgtEl>
+                                        <p:attrNameLst>
+                                          <p:attrName>style.visibility</p:attrName>
+                                        </p:attrNameLst>
+                                      </p:cBhvr>
+                                      <p:to>
+                                        <p:strVal val="visible"/>
+                                      </p:to>
+                                    </p:set>
+                                  </p:childTnLst>
+                                </p:cTn>
+                              </p:par>
+                            </p:childTnLst>
+                          </p:cTn>
+                        </p:par>
+                      </p:childTnLst>
+                    </p:cTn>
+                  </p:par>
+                </p:childTnLst>
+              </p:cTn>
+              <p:prevCondLst>
+                <p:cond evt="onPrev" delay="0">
+                  <p:tgtEl>
+                    <p:sldTgt/>
+                  </p:tgtEl>
+                </p:cond>
+              </p:prevCondLst>
+              <p:nextCondLst>
+                <p:cond evt="onNext" delay="0">
+                  <p:tgtEl>
+                    <p:sldTgt/>
+                  </p:tgtEl>
+                </p:cond>
+              </p:nextCondLst>
+            </p:seq>
+          </p:childTnLst>
+        </p:cTn>
+      </p:par>
+    </p:tnLst>
+  </p:timing>
+</p:sld>
+</file>
+
+<file path=ppt/slides/slide27.xml><?xml version="1.0" encoding="utf-8"?>
+<p:sld xmlns:a="http://schemas.openxmlformats.org/drawingml/2006/main" xmlns:r="http://schemas.openxmlformats.org/officeDocument/2006/relationships" xmlns:p="http://schemas.openxmlformats.org/presentationml/2006/main">
+  <p:cSld>
+    <p:spTree>
+      <p:nvGrpSpPr>
+        <p:cNvPr id="1" name=""/>
+        <p:cNvGrpSpPr/>
+        <p:nvPr/>
+      </p:nvGrpSpPr>
+      <p:grpSpPr>
+        <a:xfrm>
+          <a:off x="0" y="0"/>
+          <a:ext cx="0" cy="0"/>
+          <a:chOff x="0" y="0"/>
+          <a:chExt cx="0" cy="0"/>
+        </a:xfrm>
+      </p:grpSpPr>
+      <p:sp>
+        <p:nvSpPr>
+          <p:cNvPr id="3" name="Título 2">
+            <a:extLst>
+              <a:ext uri="{FF2B5EF4-FFF2-40B4-BE49-F238E27FC236}">
+                <a16:creationId xmlns:a16="http://schemas.microsoft.com/office/drawing/2014/main" id="{DCCAD75C-6CBB-4728-9829-FF3AF5C28B9E}"/>
+              </a:ext>
+            </a:extLst>
+          </p:cNvPr>
+          <p:cNvSpPr>
+            <a:spLocks noGrp="1"/>
+          </p:cNvSpPr>
+          <p:nvPr>
+            <p:ph type="title"/>
+          </p:nvPr>
+        </p:nvSpPr>
+        <p:spPr/>
+        <p:txBody>
+          <a:bodyPr/>
+          <a:lstStyle/>
+          <a:p>
+            <a:pPr algn="ctr"/>
+            <a:r>
+              <a:rPr lang="pt-PT" dirty="0"/>
+              <a:t>System Overview</a:t>
+            </a:r>
+            <a:endParaRPr lang="en-US" dirty="0"/>
+          </a:p>
+        </p:txBody>
+      </p:sp>
+      <p:sp>
+        <p:nvSpPr>
+          <p:cNvPr id="10" name="Text Placeholder 9">
+            <a:extLst>
+              <a:ext uri="{FF2B5EF4-FFF2-40B4-BE49-F238E27FC236}">
+                <a16:creationId xmlns:a16="http://schemas.microsoft.com/office/drawing/2014/main" id="{FDDB500B-8A17-4F71-87AE-71DB58E8B802}"/>
+              </a:ext>
+            </a:extLst>
+          </p:cNvPr>
+          <p:cNvSpPr>
+            <a:spLocks noGrp="1"/>
+          </p:cNvSpPr>
+          <p:nvPr>
+            <p:ph type="body" idx="1"/>
+          </p:nvPr>
+        </p:nvSpPr>
+        <p:spPr>
+          <a:xfrm>
+            <a:off x="1115616" y="4797152"/>
+            <a:ext cx="7925816" cy="1872208"/>
+          </a:xfrm>
+        </p:spPr>
+        <p:txBody>
+          <a:bodyPr>
+            <a:normAutofit lnSpcReduction="10000"/>
+          </a:bodyPr>
+          <a:lstStyle/>
+          <a:p>
+            <a:pPr marL="0" indent="0" algn="just">
+              <a:buNone/>
+            </a:pPr>
+            <a:r>
+              <a:rPr lang="en-GB" sz="2400" b="1" dirty="0"/>
+              <a:t>Local system (MDO-L): </a:t>
+            </a:r>
+            <a:r>
+              <a:rPr lang="en-GB" sz="1800" u="sng" dirty="0"/>
+              <a:t>marketing device for multi-sensory ads</a:t>
+            </a:r>
+            <a:r>
+              <a:rPr lang="en-GB" sz="1800" dirty="0"/>
+              <a:t> – </a:t>
+            </a:r>
+            <a:r>
+              <a:rPr lang="en-GB" sz="1800" b="1" dirty="0"/>
+              <a:t>modes:</a:t>
+            </a:r>
+            <a:endParaRPr lang="en-GB" sz="1800" b="1" u="sng" dirty="0"/>
+          </a:p>
+          <a:p>
+            <a:pPr algn="just">
+              <a:buFont typeface="+mj-lt"/>
+              <a:buAutoNum type="arabicPeriod" startAt="3"/>
+            </a:pPr>
+            <a:r>
+              <a:rPr lang="en-GB" sz="1900" b="1" dirty="0">
+                <a:solidFill>
+                  <a:srgbClr val="000000"/>
+                </a:solidFill>
+                <a:latin typeface="NewsGotT-Reg"/>
+              </a:rPr>
+              <a:t>M</a:t>
+            </a:r>
+            <a:r>
+              <a:rPr lang="en-GB" sz="1900" b="1" i="0" dirty="0">
+                <a:solidFill>
+                  <a:srgbClr val="000000"/>
+                </a:solidFill>
+                <a:effectLst/>
+                <a:latin typeface="NewsGotT-Reg"/>
+              </a:rPr>
+              <a:t>ultimedia</a:t>
+            </a:r>
+            <a:r>
+              <a:rPr lang="en-GB" sz="1900" b="0" i="0" dirty="0">
+                <a:solidFill>
+                  <a:srgbClr val="000000"/>
+                </a:solidFill>
+                <a:effectLst/>
+                <a:latin typeface="NewsGotT-Reg"/>
+              </a:rPr>
+              <a:t>: </a:t>
+            </a:r>
+            <a:r>
+              <a:rPr lang="en-GB" sz="1900" dirty="0">
+                <a:solidFill>
+                  <a:srgbClr val="000000"/>
+                </a:solidFill>
+                <a:latin typeface="NewsGotT-Reg"/>
+              </a:rPr>
+              <a:t>t</a:t>
+            </a:r>
+            <a:r>
+              <a:rPr lang="en-GB" sz="1900" b="0" i="0" dirty="0">
+                <a:solidFill>
+                  <a:srgbClr val="000000"/>
+                </a:solidFill>
+                <a:effectLst/>
+                <a:latin typeface="NewsGotT-Reg"/>
+              </a:rPr>
+              <a:t>he facial recognition is applied, enabling the user to select and apply different brand-specific image filters and take pictures or create a GIF.</a:t>
+            </a:r>
+            <a:endParaRPr lang="en-GB" sz="1900" dirty="0">
+              <a:solidFill>
+                <a:srgbClr val="000000"/>
+              </a:solidFill>
+              <a:latin typeface="NewsGotT-Reg"/>
+            </a:endParaRPr>
+          </a:p>
+          <a:p>
+            <a:pPr algn="just">
+              <a:buFont typeface="+mj-lt"/>
+              <a:buAutoNum type="arabicPeriod" startAt="3"/>
+            </a:pPr>
+            <a:r>
+              <a:rPr lang="en-GB" sz="1900" b="1" dirty="0">
+                <a:solidFill>
+                  <a:srgbClr val="000000"/>
+                </a:solidFill>
+                <a:latin typeface="NewsGotT-Reg"/>
+              </a:rPr>
+              <a:t>S</a:t>
+            </a:r>
+            <a:r>
+              <a:rPr lang="en-GB" sz="1900" b="1" i="0" dirty="0">
+                <a:solidFill>
+                  <a:srgbClr val="000000"/>
+                </a:solidFill>
+                <a:effectLst/>
+                <a:latin typeface="NewsGotT-Reg"/>
+              </a:rPr>
+              <a:t>haring</a:t>
+            </a:r>
+            <a:r>
+              <a:rPr lang="en-GB" sz="1900" b="0" i="0" dirty="0">
+                <a:solidFill>
+                  <a:srgbClr val="000000"/>
+                </a:solidFill>
+                <a:effectLst/>
+                <a:latin typeface="NewsGotT-Reg"/>
+              </a:rPr>
+              <a:t>: after a User take a picture or create a GIF, it can share it across social media</a:t>
+            </a:r>
+          </a:p>
+        </p:txBody>
+      </p:sp>
+      <p:sp>
+        <p:nvSpPr>
+          <p:cNvPr id="4" name="Slide Number Placeholder 3">
+            <a:extLst>
+              <a:ext uri="{FF2B5EF4-FFF2-40B4-BE49-F238E27FC236}">
+                <a16:creationId xmlns:a16="http://schemas.microsoft.com/office/drawing/2014/main" id="{17FAB7C6-6F88-4D44-BBB3-24B69BF254BC}"/>
+              </a:ext>
+            </a:extLst>
+          </p:cNvPr>
+          <p:cNvSpPr>
+            <a:spLocks noGrp="1"/>
+          </p:cNvSpPr>
+          <p:nvPr>
+            <p:ph type="sldNum" sz="quarter" idx="11"/>
+          </p:nvPr>
+        </p:nvSpPr>
+        <p:spPr>
+          <a:xfrm>
+            <a:off x="6907832" y="6453336"/>
+            <a:ext cx="2133600" cy="332656"/>
+          </a:xfrm>
+        </p:spPr>
+        <p:txBody>
+          <a:bodyPr/>
+          <a:lstStyle/>
+          <a:p>
+            <a:pPr algn="r"/>
+            <a:fld id="{D4C49B74-5DB2-4B03-B1D2-7F6A3C51C318}" type="slidenum">
+              <a:rPr lang="en-GB" smtClean="0"/>
+              <a:pPr algn="r"/>
+              <a:t>27</a:t>
+            </a:fld>
+            <a:endParaRPr lang="en-GB" dirty="0"/>
+          </a:p>
+        </p:txBody>
+      </p:sp>
+      <p:pic>
+        <p:nvPicPr>
+          <p:cNvPr id="5" name="Picture 4" descr="Diagram&#10;&#10;Description automatically generated">
+            <a:extLst>
+              <a:ext uri="{FF2B5EF4-FFF2-40B4-BE49-F238E27FC236}">
+                <a16:creationId xmlns:a16="http://schemas.microsoft.com/office/drawing/2014/main" id="{EA51ED4C-836C-48D9-8B5F-95D360BC9641}"/>
+              </a:ext>
+            </a:extLst>
+          </p:cNvPr>
+          <p:cNvPicPr>
+            <a:picLocks noChangeAspect="1"/>
+          </p:cNvPicPr>
+          <p:nvPr/>
+        </p:nvPicPr>
+        <p:blipFill>
+          <a:blip r:embed="rId3">
+            <a:extLst>
+              <a:ext uri="{28A0092B-C50C-407E-A947-70E740481C1C}">
+                <a14:useLocalDpi xmlns:a14="http://schemas.microsoft.com/office/drawing/2010/main" val="0"/>
+              </a:ext>
+            </a:extLst>
+          </a:blip>
+          <a:stretch>
+            <a:fillRect/>
+          </a:stretch>
+        </p:blipFill>
+        <p:spPr>
+          <a:xfrm>
+            <a:off x="1547983" y="1180790"/>
+            <a:ext cx="7224723" cy="3616362"/>
+          </a:xfrm>
+          <a:prstGeom prst="rect">
+            <a:avLst/>
+          </a:prstGeom>
+        </p:spPr>
+      </p:pic>
+      <p:grpSp>
+        <p:nvGrpSpPr>
+          <p:cNvPr id="9" name="Group 8">
+            <a:extLst>
+              <a:ext uri="{FF2B5EF4-FFF2-40B4-BE49-F238E27FC236}">
+                <a16:creationId xmlns:a16="http://schemas.microsoft.com/office/drawing/2014/main" id="{99CBF258-4D7C-4EAA-BB16-56CD57A8D15D}"/>
+              </a:ext>
+            </a:extLst>
+          </p:cNvPr>
+          <p:cNvGrpSpPr/>
+          <p:nvPr/>
+        </p:nvGrpSpPr>
+        <p:grpSpPr>
+          <a:xfrm>
+            <a:off x="2843808" y="6381328"/>
+            <a:ext cx="5472608" cy="404664"/>
+            <a:chOff x="2843808" y="6381328"/>
+            <a:chExt cx="5472608" cy="404664"/>
+          </a:xfrm>
+        </p:grpSpPr>
+        <p:sp>
+          <p:nvSpPr>
+            <p:cNvPr id="8" name="Text Placeholder 9">
+              <a:extLst>
+                <a:ext uri="{FF2B5EF4-FFF2-40B4-BE49-F238E27FC236}">
+                  <a16:creationId xmlns:a16="http://schemas.microsoft.com/office/drawing/2014/main" id="{0F0E2436-9436-4B00-A297-D296AB9E1342}"/>
+                </a:ext>
+              </a:extLst>
+            </p:cNvPr>
+            <p:cNvSpPr txBox="1">
+              <a:spLocks/>
+            </p:cNvSpPr>
+            <p:nvPr/>
+          </p:nvSpPr>
+          <p:spPr>
+            <a:xfrm>
+              <a:off x="2843808" y="6381328"/>
+              <a:ext cx="5472608" cy="404664"/>
+            </a:xfrm>
+            <a:prstGeom prst="rect">
+              <a:avLst/>
+            </a:prstGeom>
+          </p:spPr>
+          <p:txBody>
+            <a:bodyPr>
+              <a:normAutofit/>
+            </a:bodyPr>
+            <a:lstStyle>
+              <a:defPPr>
+                <a:defRPr lang="pt-PT">
+                  <a:solidFill>
+                    <a:schemeClr val="tx1"/>
+                  </a:solidFill>
+                  <a:latin typeface="+mn-lt"/>
+                  <a:ea typeface="+mn-ea"/>
+                  <a:cs typeface="+mn-cs"/>
+                </a:defRPr>
+              </a:defPPr>
+              <a:lvl1pPr marL="342900" indent="-342900" eaLnBrk="1" latinLnBrk="0" hangingPunct="1">
+                <a:buChar char="•"/>
+                <a:defRPr lang="pt-PT" sz="2800">
+                  <a:solidFill>
+                    <a:srgbClr val="373E48"/>
+                  </a:solidFill>
+                  <a:latin typeface="+mn-lt"/>
+                </a:defRPr>
+              </a:lvl1pPr>
+              <a:lvl2pPr marL="742950" indent="-285750" eaLnBrk="1" hangingPunct="1">
+                <a:buChar char="–"/>
+                <a:defRPr lang="pt-PT" sz="2400">
+                  <a:solidFill>
+                    <a:srgbClr val="00A2D3"/>
+                  </a:solidFill>
+                  <a:latin typeface="+mn-lt"/>
+                </a:defRPr>
+              </a:lvl2pPr>
+              <a:lvl3pPr marL="1143000" indent="-228600" eaLnBrk="1" hangingPunct="1">
+                <a:buChar char="•"/>
+                <a:defRPr lang="pt-PT" sz="2400">
+                  <a:solidFill>
+                    <a:srgbClr val="373E48"/>
+                  </a:solidFill>
+                  <a:latin typeface="+mn-lt"/>
+                </a:defRPr>
+              </a:lvl3pPr>
+              <a:lvl4pPr marL="1600200" indent="-228600" eaLnBrk="1" hangingPunct="1">
+                <a:buChar char="–"/>
+                <a:defRPr lang="pt-PT" sz="2000">
+                  <a:latin typeface="+mn-lt"/>
+                </a:defRPr>
+              </a:lvl4pPr>
+              <a:lvl5pPr marL="2057400" indent="-228600" eaLnBrk="1" hangingPunct="1">
+                <a:buChar char="»"/>
+                <a:defRPr lang="pt-PT" sz="2000">
+                  <a:latin typeface="+mn-lt"/>
+                </a:defRPr>
+              </a:lvl5pPr>
+              <a:lvl6pPr marL="2514600" indent="-228600" eaLnBrk="1" hangingPunct="1">
+                <a:buChar char="•"/>
+                <a:defRPr lang="pt-PT" sz="2000"/>
+              </a:lvl6pPr>
+              <a:lvl7pPr marL="2971800" indent="-228600" eaLnBrk="1" hangingPunct="1">
+                <a:buChar char="•"/>
+                <a:defRPr lang="pt-PT" sz="2000"/>
+              </a:lvl7pPr>
+              <a:lvl8pPr marL="3429000" indent="-228600" eaLnBrk="1" hangingPunct="1">
+                <a:buChar char="•"/>
+                <a:defRPr lang="pt-PT" sz="2000"/>
+              </a:lvl8pPr>
+              <a:lvl9pPr marL="3886200" indent="-228600" eaLnBrk="1" hangingPunct="1">
+                <a:buChar char="•"/>
+                <a:defRPr lang="pt-PT" sz="2000"/>
+              </a:lvl9pPr>
+            </a:lstStyle>
+            <a:p>
+              <a:pPr marL="457200" lvl="1" indent="0" algn="just">
+                <a:buNone/>
+              </a:pPr>
+              <a:r>
+                <a:rPr lang="en-GB" sz="1800" b="1" kern="0" dirty="0">
+                  <a:solidFill>
+                    <a:srgbClr val="000000"/>
+                  </a:solidFill>
+                  <a:latin typeface="NewsGotT-Reg"/>
+                </a:rPr>
+                <a:t>Soft real-time system</a:t>
+              </a:r>
+              <a:r>
+                <a:rPr lang="en-GB" sz="1500" kern="0" dirty="0">
+                  <a:solidFill>
+                    <a:srgbClr val="000000"/>
+                  </a:solidFill>
+                  <a:latin typeface="NewsGotT-Reg"/>
+                </a:rPr>
+                <a:t>: </a:t>
+              </a:r>
+              <a:r>
+                <a:rPr lang="en-GB" sz="1500" u="sng" kern="0" dirty="0">
+                  <a:solidFill>
+                    <a:srgbClr val="000000"/>
+                  </a:solidFill>
+                  <a:latin typeface="NewsGotT-Reg"/>
+                </a:rPr>
+                <a:t>No mandatory deadlines to be met</a:t>
+              </a:r>
+            </a:p>
+          </p:txBody>
+        </p:sp>
+        <p:sp>
+          <p:nvSpPr>
+            <p:cNvPr id="2" name="Arrow: Right 1">
+              <a:extLst>
+                <a:ext uri="{FF2B5EF4-FFF2-40B4-BE49-F238E27FC236}">
+                  <a16:creationId xmlns:a16="http://schemas.microsoft.com/office/drawing/2014/main" id="{6FD765A8-E232-4FF7-B45C-DCAEAF74BC8A}"/>
+                </a:ext>
+              </a:extLst>
+            </p:cNvPr>
+            <p:cNvSpPr/>
+            <p:nvPr/>
+          </p:nvSpPr>
+          <p:spPr>
+            <a:xfrm>
+              <a:off x="2987824" y="6453336"/>
+              <a:ext cx="360040" cy="216024"/>
+            </a:xfrm>
+            <a:prstGeom prst="rightArrow">
+              <a:avLst/>
+            </a:prstGeom>
+            <a:solidFill>
+              <a:schemeClr val="accent6">
+                <a:lumMod val="75000"/>
+              </a:schemeClr>
+            </a:solidFill>
+          </p:spPr>
+          <p:style>
+            <a:lnRef idx="2">
+              <a:schemeClr val="dk1">
+                <a:shade val="50000"/>
+              </a:schemeClr>
+            </a:lnRef>
+            <a:fillRef idx="1">
+              <a:schemeClr val="dk1"/>
+            </a:fillRef>
+            <a:effectRef idx="0">
+              <a:schemeClr val="dk1"/>
+            </a:effectRef>
+            <a:fontRef idx="minor">
+              <a:schemeClr val="lt1"/>
+            </a:fontRef>
+          </p:style>
+          <p:txBody>
+            <a:bodyPr rtlCol="0" anchor="ctr"/>
+            <a:lstStyle/>
+            <a:p>
+              <a:pPr algn="ctr"/>
+              <a:endParaRPr lang="en-GB"/>
+            </a:p>
+          </p:txBody>
+        </p:sp>
+      </p:grpSp>
+    </p:spTree>
+    <p:extLst>
+      <p:ext uri="{BB962C8B-B14F-4D97-AF65-F5344CB8AC3E}">
+        <p14:creationId xmlns:p14="http://schemas.microsoft.com/office/powerpoint/2010/main" val="194193053"/>
+      </p:ext>
+    </p:extLst>
+  </p:cSld>
+  <p:clrMapOvr>
+    <a:masterClrMapping/>
+  </p:clrMapOvr>
+  <p:timing>
+    <p:tnLst>
+      <p:par>
+        <p:cTn id="1" dur="indefinite" restart="never" nodeType="tmRoot">
+          <p:childTnLst>
+            <p:seq concurrent="1" nextAc="seek">
+              <p:cTn id="2" dur="indefinite" nodeType="mainSeq">
+                <p:childTnLst>
+                  <p:par>
+                    <p:cTn id="3" fill="hold">
+                      <p:stCondLst>
+                        <p:cond delay="indefinite"/>
+                      </p:stCondLst>
+                      <p:childTnLst>
+                        <p:par>
+                          <p:cTn id="4" fill="hold">
+                            <p:stCondLst>
+                              <p:cond delay="0"/>
+                            </p:stCondLst>
+                            <p:childTnLst>
+                              <p:par>
+                                <p:cTn id="5" presetID="1" presetClass="entr" presetSubtype="0" fill="hold" nodeType="clickEffect">
+                                  <p:stCondLst>
+                                    <p:cond delay="0"/>
+                                  </p:stCondLst>
+                                  <p:childTnLst>
+                                    <p:set>
+                                      <p:cBhvr>
+                                        <p:cTn id="6" dur="1" fill="hold">
+                                          <p:stCondLst>
+                                            <p:cond delay="0"/>
+                                          </p:stCondLst>
+                                        </p:cTn>
+                                        <p:tgtEl>
+                                          <p:spTgt spid="10">
+                                            <p:txEl>
+                                              <p:pRg st="2" end="2"/>
+                                            </p:txEl>
+                                          </p:spTgt>
+                                        </p:tgtEl>
+                                        <p:attrNameLst>
+                                          <p:attrName>style.visibility</p:attrName>
+                                        </p:attrNameLst>
+                                      </p:cBhvr>
+                                      <p:to>
+                                        <p:strVal val="visible"/>
+                                      </p:to>
+                                    </p:set>
+                                  </p:childTnLst>
+                                </p:cTn>
+                              </p:par>
+                            </p:childTnLst>
+                          </p:cTn>
+                        </p:par>
+                      </p:childTnLst>
+                    </p:cTn>
+                  </p:par>
+                  <p:par>
+                    <p:cTn id="7" fill="hold">
+                      <p:stCondLst>
+                        <p:cond delay="indefinite"/>
+                      </p:stCondLst>
+                      <p:childTnLst>
+                        <p:par>
+                          <p:cTn id="8" fill="hold">
+                            <p:stCondLst>
+                              <p:cond delay="0"/>
+                            </p:stCondLst>
+                            <p:childTnLst>
+                              <p:par>
+                                <p:cTn id="9" presetID="1" presetClass="entr" presetSubtype="0" fill="hold" nodeType="clickEffect">
+                                  <p:stCondLst>
+                                    <p:cond delay="0"/>
+                                  </p:stCondLst>
+                                  <p:childTnLst>
+                                    <p:set>
+                                      <p:cBhvr>
+                                        <p:cTn id="10" dur="1" fill="hold">
+                                          <p:stCondLst>
+                                            <p:cond delay="0"/>
+                                          </p:stCondLst>
+                                        </p:cTn>
+                                        <p:tgtEl>
+                                          <p:spTgt spid="9"/>
+                                        </p:tgtEl>
+                                        <p:attrNameLst>
+                                          <p:attrName>style.visibility</p:attrName>
+                                        </p:attrNameLst>
+                                      </p:cBhvr>
+                                      <p:to>
+                                        <p:strVal val="visible"/>
+                                      </p:to>
+                                    </p:set>
+                                  </p:childTnLst>
+                                </p:cTn>
+                              </p:par>
+                            </p:childTnLst>
+                          </p:cTn>
+                        </p:par>
+                      </p:childTnLst>
+                    </p:cTn>
+                  </p:par>
+                </p:childTnLst>
+              </p:cTn>
+              <p:prevCondLst>
+                <p:cond evt="onPrev" delay="0">
+                  <p:tgtEl>
+                    <p:sldTgt/>
+                  </p:tgtEl>
+                </p:cond>
+              </p:prevCondLst>
+              <p:nextCondLst>
+                <p:cond evt="onNext" delay="0">
+                  <p:tgtEl>
+                    <p:sldTgt/>
+                  </p:tgtEl>
+                </p:cond>
+              </p:nextCondLst>
+            </p:seq>
+          </p:childTnLst>
+        </p:cTn>
+      </p:par>
+    </p:tnLst>
+  </p:timing>
+</p:sld>
+</file>
+
+<file path=ppt/slides/slide28.xml><?xml version="1.0" encoding="utf-8"?>
+<p:sld xmlns:a="http://schemas.openxmlformats.org/drawingml/2006/main" xmlns:r="http://schemas.openxmlformats.org/officeDocument/2006/relationships" xmlns:p="http://schemas.openxmlformats.org/presentationml/2006/main">
+  <p:cSld>
+    <p:spTree>
+      <p:nvGrpSpPr>
+        <p:cNvPr id="1" name=""/>
+        <p:cNvGrpSpPr/>
+        <p:nvPr/>
+      </p:nvGrpSpPr>
+      <p:grpSpPr>
+        <a:xfrm>
+          <a:off x="0" y="0"/>
+          <a:ext cx="0" cy="0"/>
+          <a:chOff x="0" y="0"/>
+          <a:chExt cx="0" cy="0"/>
+        </a:xfrm>
+      </p:grpSpPr>
+      <p:sp>
+        <p:nvSpPr>
+          <p:cNvPr id="3" name="Título 2">
+            <a:extLst>
+              <a:ext uri="{FF2B5EF4-FFF2-40B4-BE49-F238E27FC236}">
+                <a16:creationId xmlns:a16="http://schemas.microsoft.com/office/drawing/2014/main" id="{DCCAD75C-6CBB-4728-9829-FF3AF5C28B9E}"/>
+              </a:ext>
+            </a:extLst>
+          </p:cNvPr>
+          <p:cNvSpPr>
+            <a:spLocks noGrp="1"/>
+          </p:cNvSpPr>
+          <p:nvPr>
+            <p:ph type="title"/>
+          </p:nvPr>
+        </p:nvSpPr>
+        <p:spPr/>
+        <p:txBody>
+          <a:bodyPr/>
+          <a:lstStyle/>
+          <a:p>
+            <a:pPr algn="ctr"/>
+            <a:r>
+              <a:rPr lang="pt-PT" dirty="0"/>
+              <a:t>System Architecture</a:t>
+            </a:r>
+            <a:endParaRPr lang="en-US" dirty="0"/>
+          </a:p>
+        </p:txBody>
+      </p:sp>
+      <p:sp>
+        <p:nvSpPr>
+          <p:cNvPr id="10" name="Text Placeholder 9">
+            <a:extLst>
+              <a:ext uri="{FF2B5EF4-FFF2-40B4-BE49-F238E27FC236}">
+                <a16:creationId xmlns:a16="http://schemas.microsoft.com/office/drawing/2014/main" id="{FDDB500B-8A17-4F71-87AE-71DB58E8B802}"/>
+              </a:ext>
+            </a:extLst>
+          </p:cNvPr>
+          <p:cNvSpPr>
+            <a:spLocks noGrp="1"/>
+          </p:cNvSpPr>
+          <p:nvPr>
+            <p:ph type="body" idx="1"/>
+          </p:nvPr>
+        </p:nvSpPr>
+        <p:spPr>
+          <a:xfrm>
+            <a:off x="1043608" y="1196753"/>
+            <a:ext cx="2448272" cy="576063"/>
+          </a:xfrm>
+        </p:spPr>
+        <p:txBody>
+          <a:bodyPr>
+            <a:normAutofit/>
+          </a:bodyPr>
+          <a:lstStyle/>
+          <a:p>
+            <a:pPr marL="0" indent="0" algn="l">
+              <a:buNone/>
+            </a:pPr>
+            <a:r>
+              <a:rPr lang="en-GB" sz="2400" b="1" dirty="0"/>
+              <a:t>HW Architecture</a:t>
+            </a:r>
+            <a:endParaRPr lang="en-GB" sz="2000" b="0" i="0" dirty="0">
+              <a:solidFill>
+                <a:srgbClr val="000000"/>
+              </a:solidFill>
+              <a:effectLst/>
+              <a:latin typeface="NewsGotT-Reg"/>
+            </a:endParaRPr>
+          </a:p>
+        </p:txBody>
+      </p:sp>
+      <p:sp>
+        <p:nvSpPr>
+          <p:cNvPr id="4" name="Slide Number Placeholder 3">
+            <a:extLst>
+              <a:ext uri="{FF2B5EF4-FFF2-40B4-BE49-F238E27FC236}">
+                <a16:creationId xmlns:a16="http://schemas.microsoft.com/office/drawing/2014/main" id="{17FAB7C6-6F88-4D44-BBB3-24B69BF254BC}"/>
+              </a:ext>
+            </a:extLst>
+          </p:cNvPr>
+          <p:cNvSpPr>
+            <a:spLocks noGrp="1"/>
+          </p:cNvSpPr>
+          <p:nvPr>
+            <p:ph type="sldNum" sz="quarter" idx="11"/>
+          </p:nvPr>
+        </p:nvSpPr>
+        <p:spPr>
+          <a:xfrm>
+            <a:off x="6907832" y="6453336"/>
+            <a:ext cx="2133600" cy="332656"/>
+          </a:xfrm>
+        </p:spPr>
+        <p:txBody>
+          <a:bodyPr/>
+          <a:lstStyle/>
+          <a:p>
+            <a:pPr algn="r"/>
+            <a:fld id="{D4C49B74-5DB2-4B03-B1D2-7F6A3C51C318}" type="slidenum">
+              <a:rPr lang="en-GB" smtClean="0"/>
+              <a:pPr algn="r"/>
+              <a:t>28</a:t>
+            </a:fld>
+            <a:endParaRPr lang="en-GB" dirty="0"/>
+          </a:p>
+        </p:txBody>
+      </p:sp>
+      <p:pic>
+        <p:nvPicPr>
+          <p:cNvPr id="6" name="Picture 5" descr="Diagram&#10;&#10;Description automatically generated">
+            <a:extLst>
+              <a:ext uri="{FF2B5EF4-FFF2-40B4-BE49-F238E27FC236}">
+                <a16:creationId xmlns:a16="http://schemas.microsoft.com/office/drawing/2014/main" id="{DAD67517-F5CE-4B3C-8646-75DB137EB989}"/>
+              </a:ext>
+            </a:extLst>
+          </p:cNvPr>
+          <p:cNvPicPr>
+            <a:picLocks noChangeAspect="1"/>
+          </p:cNvPicPr>
+          <p:nvPr/>
+        </p:nvPicPr>
+        <p:blipFill>
+          <a:blip r:embed="rId2">
+            <a:extLst>
+              <a:ext uri="{28A0092B-C50C-407E-A947-70E740481C1C}">
+                <a14:useLocalDpi xmlns:a14="http://schemas.microsoft.com/office/drawing/2010/main" val="0"/>
+              </a:ext>
+            </a:extLst>
+          </a:blip>
+          <a:stretch>
+            <a:fillRect/>
+          </a:stretch>
+        </p:blipFill>
+        <p:spPr>
+          <a:xfrm>
+            <a:off x="2051720" y="1737230"/>
+            <a:ext cx="6322046" cy="4682322"/>
+          </a:xfrm>
+          <a:prstGeom prst="rect">
+            <a:avLst/>
+          </a:prstGeom>
+        </p:spPr>
+      </p:pic>
+    </p:spTree>
+    <p:extLst>
+      <p:ext uri="{BB962C8B-B14F-4D97-AF65-F5344CB8AC3E}">
+        <p14:creationId xmlns:p14="http://schemas.microsoft.com/office/powerpoint/2010/main" val="3866161851"/>
+      </p:ext>
+    </p:extLst>
+  </p:cSld>
+  <p:clrMapOvr>
+    <a:masterClrMapping/>
+  </p:clrMapOvr>
+</p:sld>
+</file>
+
+<file path=ppt/slides/slide29.xml><?xml version="1.0" encoding="utf-8"?>
+<p:sld xmlns:a="http://schemas.openxmlformats.org/drawingml/2006/main" xmlns:r="http://schemas.openxmlformats.org/officeDocument/2006/relationships" xmlns:p="http://schemas.openxmlformats.org/presentationml/2006/main">
+  <p:cSld>
+    <p:spTree>
+      <p:nvGrpSpPr>
+        <p:cNvPr id="1" name=""/>
+        <p:cNvGrpSpPr/>
+        <p:nvPr/>
+      </p:nvGrpSpPr>
+      <p:grpSpPr>
+        <a:xfrm>
+          <a:off x="0" y="0"/>
+          <a:ext cx="0" cy="0"/>
+          <a:chOff x="0" y="0"/>
+          <a:chExt cx="0" cy="0"/>
+        </a:xfrm>
+      </p:grpSpPr>
+      <p:sp>
+        <p:nvSpPr>
+          <p:cNvPr id="3" name="Título 2">
+            <a:extLst>
+              <a:ext uri="{FF2B5EF4-FFF2-40B4-BE49-F238E27FC236}">
+                <a16:creationId xmlns:a16="http://schemas.microsoft.com/office/drawing/2014/main" id="{DCCAD75C-6CBB-4728-9829-FF3AF5C28B9E}"/>
+              </a:ext>
+            </a:extLst>
+          </p:cNvPr>
+          <p:cNvSpPr>
+            <a:spLocks noGrp="1"/>
+          </p:cNvSpPr>
+          <p:nvPr>
+            <p:ph type="title"/>
+          </p:nvPr>
+        </p:nvSpPr>
+        <p:spPr/>
+        <p:txBody>
+          <a:bodyPr/>
+          <a:lstStyle/>
+          <a:p>
+            <a:pPr algn="ctr"/>
+            <a:r>
+              <a:rPr lang="pt-PT" dirty="0"/>
+              <a:t>System Architecture</a:t>
+            </a:r>
+            <a:endParaRPr lang="en-US" dirty="0"/>
+          </a:p>
+        </p:txBody>
+      </p:sp>
+      <p:sp>
+        <p:nvSpPr>
+          <p:cNvPr id="10" name="Text Placeholder 9">
+            <a:extLst>
+              <a:ext uri="{FF2B5EF4-FFF2-40B4-BE49-F238E27FC236}">
+                <a16:creationId xmlns:a16="http://schemas.microsoft.com/office/drawing/2014/main" id="{FDDB500B-8A17-4F71-87AE-71DB58E8B802}"/>
+              </a:ext>
+            </a:extLst>
+          </p:cNvPr>
+          <p:cNvSpPr>
+            <a:spLocks noGrp="1"/>
+          </p:cNvSpPr>
+          <p:nvPr>
+            <p:ph type="body" idx="1"/>
+          </p:nvPr>
+        </p:nvSpPr>
+        <p:spPr>
+          <a:xfrm>
+            <a:off x="1043608" y="1196753"/>
+            <a:ext cx="2592288" cy="1196752"/>
+          </a:xfrm>
+        </p:spPr>
+        <p:txBody>
+          <a:bodyPr>
+            <a:normAutofit/>
+          </a:bodyPr>
+          <a:lstStyle/>
+          <a:p>
+            <a:pPr marL="0" indent="0" algn="l">
+              <a:buNone/>
+            </a:pPr>
+            <a:r>
+              <a:rPr lang="en-GB" sz="2400" b="1" dirty="0"/>
+              <a:t>SW Architecture:</a:t>
+            </a:r>
+          </a:p>
+          <a:p>
+            <a:pPr algn="l"/>
+            <a:r>
+              <a:rPr lang="en-GB" sz="2400" b="1" dirty="0"/>
+              <a:t>Remote Client</a:t>
+            </a:r>
+            <a:endParaRPr lang="en-GB" sz="2000" b="0" i="0" dirty="0">
+              <a:solidFill>
+                <a:srgbClr val="000000"/>
+              </a:solidFill>
+              <a:effectLst/>
+              <a:latin typeface="NewsGotT-Reg"/>
+            </a:endParaRPr>
+          </a:p>
+        </p:txBody>
+      </p:sp>
+      <p:sp>
+        <p:nvSpPr>
+          <p:cNvPr id="4" name="Slide Number Placeholder 3">
+            <a:extLst>
+              <a:ext uri="{FF2B5EF4-FFF2-40B4-BE49-F238E27FC236}">
+                <a16:creationId xmlns:a16="http://schemas.microsoft.com/office/drawing/2014/main" id="{17FAB7C6-6F88-4D44-BBB3-24B69BF254BC}"/>
+              </a:ext>
+            </a:extLst>
+          </p:cNvPr>
+          <p:cNvSpPr>
+            <a:spLocks noGrp="1"/>
+          </p:cNvSpPr>
+          <p:nvPr>
+            <p:ph type="sldNum" sz="quarter" idx="11"/>
+          </p:nvPr>
+        </p:nvSpPr>
+        <p:spPr>
+          <a:xfrm>
+            <a:off x="6907832" y="6453336"/>
+            <a:ext cx="2133600" cy="332656"/>
+          </a:xfrm>
+        </p:spPr>
+        <p:txBody>
+          <a:bodyPr/>
+          <a:lstStyle/>
+          <a:p>
+            <a:pPr algn="r"/>
+            <a:fld id="{D4C49B74-5DB2-4B03-B1D2-7F6A3C51C318}" type="slidenum">
+              <a:rPr lang="en-GB" smtClean="0"/>
+              <a:pPr algn="r"/>
+              <a:t>29</a:t>
+            </a:fld>
+            <a:endParaRPr lang="en-GB" dirty="0"/>
+          </a:p>
+        </p:txBody>
+      </p:sp>
+      <p:pic>
+        <p:nvPicPr>
+          <p:cNvPr id="5" name="Picture 4" descr="Diagram&#10;&#10;Description automatically generated">
+            <a:extLst>
+              <a:ext uri="{FF2B5EF4-FFF2-40B4-BE49-F238E27FC236}">
+                <a16:creationId xmlns:a16="http://schemas.microsoft.com/office/drawing/2014/main" id="{AE811864-BD5A-4A94-AEBA-F5AB9A68249F}"/>
+              </a:ext>
+            </a:extLst>
+          </p:cNvPr>
+          <p:cNvPicPr>
+            <a:picLocks noChangeAspect="1"/>
+          </p:cNvPicPr>
+          <p:nvPr/>
+        </p:nvPicPr>
+        <p:blipFill>
+          <a:blip r:embed="rId2">
+            <a:extLst>
+              <a:ext uri="{28A0092B-C50C-407E-A947-70E740481C1C}">
+                <a14:useLocalDpi xmlns:a14="http://schemas.microsoft.com/office/drawing/2010/main" val="0"/>
+              </a:ext>
+            </a:extLst>
+          </a:blip>
+          <a:stretch>
+            <a:fillRect/>
+          </a:stretch>
+        </p:blipFill>
+        <p:spPr>
+          <a:xfrm>
+            <a:off x="3924663" y="1268760"/>
+            <a:ext cx="4425629" cy="5458556"/>
+          </a:xfrm>
+          <a:prstGeom prst="rect">
+            <a:avLst/>
+          </a:prstGeom>
+        </p:spPr>
+      </p:pic>
+    </p:spTree>
+    <p:extLst>
+      <p:ext uri="{BB962C8B-B14F-4D97-AF65-F5344CB8AC3E}">
+        <p14:creationId xmlns:p14="http://schemas.microsoft.com/office/powerpoint/2010/main" val="747532929"/>
       </p:ext>
     </p:extLst>
   </p:cSld>
@@ -7304,6 +11156,673 @@
     <p:extLst>
       <p:ext uri="{BB962C8B-B14F-4D97-AF65-F5344CB8AC3E}">
         <p14:creationId xmlns:p14="http://schemas.microsoft.com/office/powerpoint/2010/main" val="1992799950"/>
+      </p:ext>
+    </p:extLst>
+  </p:cSld>
+  <p:clrMapOvr>
+    <a:masterClrMapping/>
+  </p:clrMapOvr>
+</p:sld>
+</file>
+
+<file path=ppt/slides/slide30.xml><?xml version="1.0" encoding="utf-8"?>
+<p:sld xmlns:a="http://schemas.openxmlformats.org/drawingml/2006/main" xmlns:r="http://schemas.openxmlformats.org/officeDocument/2006/relationships" xmlns:p="http://schemas.openxmlformats.org/presentationml/2006/main">
+  <p:cSld>
+    <p:spTree>
+      <p:nvGrpSpPr>
+        <p:cNvPr id="1" name=""/>
+        <p:cNvGrpSpPr/>
+        <p:nvPr/>
+      </p:nvGrpSpPr>
+      <p:grpSpPr>
+        <a:xfrm>
+          <a:off x="0" y="0"/>
+          <a:ext cx="0" cy="0"/>
+          <a:chOff x="0" y="0"/>
+          <a:chExt cx="0" cy="0"/>
+        </a:xfrm>
+      </p:grpSpPr>
+      <p:sp>
+        <p:nvSpPr>
+          <p:cNvPr id="3" name="Título 2">
+            <a:extLst>
+              <a:ext uri="{FF2B5EF4-FFF2-40B4-BE49-F238E27FC236}">
+                <a16:creationId xmlns:a16="http://schemas.microsoft.com/office/drawing/2014/main" id="{DCCAD75C-6CBB-4728-9829-FF3AF5C28B9E}"/>
+              </a:ext>
+            </a:extLst>
+          </p:cNvPr>
+          <p:cNvSpPr>
+            <a:spLocks noGrp="1"/>
+          </p:cNvSpPr>
+          <p:nvPr>
+            <p:ph type="title"/>
+          </p:nvPr>
+        </p:nvSpPr>
+        <p:spPr/>
+        <p:txBody>
+          <a:bodyPr/>
+          <a:lstStyle/>
+          <a:p>
+            <a:pPr algn="ctr"/>
+            <a:r>
+              <a:rPr lang="pt-PT" dirty="0"/>
+              <a:t>System Architecture</a:t>
+            </a:r>
+            <a:endParaRPr lang="en-US" dirty="0"/>
+          </a:p>
+        </p:txBody>
+      </p:sp>
+      <p:sp>
+        <p:nvSpPr>
+          <p:cNvPr id="10" name="Text Placeholder 9">
+            <a:extLst>
+              <a:ext uri="{FF2B5EF4-FFF2-40B4-BE49-F238E27FC236}">
+                <a16:creationId xmlns:a16="http://schemas.microsoft.com/office/drawing/2014/main" id="{FDDB500B-8A17-4F71-87AE-71DB58E8B802}"/>
+              </a:ext>
+            </a:extLst>
+          </p:cNvPr>
+          <p:cNvSpPr>
+            <a:spLocks noGrp="1"/>
+          </p:cNvSpPr>
+          <p:nvPr>
+            <p:ph type="body" idx="1"/>
+          </p:nvPr>
+        </p:nvSpPr>
+        <p:spPr>
+          <a:xfrm>
+            <a:off x="1043608" y="1196753"/>
+            <a:ext cx="2592288" cy="1196752"/>
+          </a:xfrm>
+        </p:spPr>
+        <p:txBody>
+          <a:bodyPr>
+            <a:normAutofit/>
+          </a:bodyPr>
+          <a:lstStyle/>
+          <a:p>
+            <a:pPr marL="0" indent="0" algn="l">
+              <a:buNone/>
+            </a:pPr>
+            <a:r>
+              <a:rPr lang="en-GB" sz="2400" b="1" dirty="0"/>
+              <a:t>SW Architecture:</a:t>
+            </a:r>
+          </a:p>
+          <a:p>
+            <a:pPr algn="l"/>
+            <a:r>
+              <a:rPr lang="en-GB" sz="2400" b="1" dirty="0"/>
+              <a:t>Remote Server</a:t>
+            </a:r>
+            <a:endParaRPr lang="en-GB" sz="2000" b="0" i="0" dirty="0">
+              <a:solidFill>
+                <a:srgbClr val="000000"/>
+              </a:solidFill>
+              <a:effectLst/>
+              <a:latin typeface="NewsGotT-Reg"/>
+            </a:endParaRPr>
+          </a:p>
+        </p:txBody>
+      </p:sp>
+      <p:sp>
+        <p:nvSpPr>
+          <p:cNvPr id="4" name="Slide Number Placeholder 3">
+            <a:extLst>
+              <a:ext uri="{FF2B5EF4-FFF2-40B4-BE49-F238E27FC236}">
+                <a16:creationId xmlns:a16="http://schemas.microsoft.com/office/drawing/2014/main" id="{17FAB7C6-6F88-4D44-BBB3-24B69BF254BC}"/>
+              </a:ext>
+            </a:extLst>
+          </p:cNvPr>
+          <p:cNvSpPr>
+            <a:spLocks noGrp="1"/>
+          </p:cNvSpPr>
+          <p:nvPr>
+            <p:ph type="sldNum" sz="quarter" idx="11"/>
+          </p:nvPr>
+        </p:nvSpPr>
+        <p:spPr>
+          <a:xfrm>
+            <a:off x="6907832" y="6453336"/>
+            <a:ext cx="2133600" cy="332656"/>
+          </a:xfrm>
+        </p:spPr>
+        <p:txBody>
+          <a:bodyPr/>
+          <a:lstStyle/>
+          <a:p>
+            <a:pPr algn="r"/>
+            <a:fld id="{D4C49B74-5DB2-4B03-B1D2-7F6A3C51C318}" type="slidenum">
+              <a:rPr lang="en-GB" smtClean="0"/>
+              <a:pPr algn="r"/>
+              <a:t>30</a:t>
+            </a:fld>
+            <a:endParaRPr lang="en-GB" dirty="0"/>
+          </a:p>
+        </p:txBody>
+      </p:sp>
+      <p:pic>
+        <p:nvPicPr>
+          <p:cNvPr id="6" name="Picture 5" descr="Diagram&#10;&#10;Description automatically generated">
+            <a:extLst>
+              <a:ext uri="{FF2B5EF4-FFF2-40B4-BE49-F238E27FC236}">
+                <a16:creationId xmlns:a16="http://schemas.microsoft.com/office/drawing/2014/main" id="{C884F6B3-5763-4C46-B5ED-078E9B88D4C6}"/>
+              </a:ext>
+            </a:extLst>
+          </p:cNvPr>
+          <p:cNvPicPr>
+            <a:picLocks noChangeAspect="1"/>
+          </p:cNvPicPr>
+          <p:nvPr/>
+        </p:nvPicPr>
+        <p:blipFill>
+          <a:blip r:embed="rId2">
+            <a:extLst>
+              <a:ext uri="{28A0092B-C50C-407E-A947-70E740481C1C}">
+                <a14:useLocalDpi xmlns:a14="http://schemas.microsoft.com/office/drawing/2010/main" val="0"/>
+              </a:ext>
+            </a:extLst>
+          </a:blip>
+          <a:stretch>
+            <a:fillRect/>
+          </a:stretch>
+        </p:blipFill>
+        <p:spPr>
+          <a:xfrm>
+            <a:off x="4029664" y="1196752"/>
+            <a:ext cx="4358760" cy="5535707"/>
+          </a:xfrm>
+          <a:prstGeom prst="rect">
+            <a:avLst/>
+          </a:prstGeom>
+        </p:spPr>
+      </p:pic>
+    </p:spTree>
+    <p:extLst>
+      <p:ext uri="{BB962C8B-B14F-4D97-AF65-F5344CB8AC3E}">
+        <p14:creationId xmlns:p14="http://schemas.microsoft.com/office/powerpoint/2010/main" val="1407692258"/>
+      </p:ext>
+    </p:extLst>
+  </p:cSld>
+  <p:clrMapOvr>
+    <a:masterClrMapping/>
+  </p:clrMapOvr>
+</p:sld>
+</file>
+
+<file path=ppt/slides/slide31.xml><?xml version="1.0" encoding="utf-8"?>
+<p:sld xmlns:a="http://schemas.openxmlformats.org/drawingml/2006/main" xmlns:r="http://schemas.openxmlformats.org/officeDocument/2006/relationships" xmlns:p="http://schemas.openxmlformats.org/presentationml/2006/main">
+  <p:cSld>
+    <p:spTree>
+      <p:nvGrpSpPr>
+        <p:cNvPr id="1" name=""/>
+        <p:cNvGrpSpPr/>
+        <p:nvPr/>
+      </p:nvGrpSpPr>
+      <p:grpSpPr>
+        <a:xfrm>
+          <a:off x="0" y="0"/>
+          <a:ext cx="0" cy="0"/>
+          <a:chOff x="0" y="0"/>
+          <a:chExt cx="0" cy="0"/>
+        </a:xfrm>
+      </p:grpSpPr>
+      <p:pic>
+        <p:nvPicPr>
+          <p:cNvPr id="5" name="Picture 4" descr="Diagram&#10;&#10;Description automatically generated">
+            <a:extLst>
+              <a:ext uri="{FF2B5EF4-FFF2-40B4-BE49-F238E27FC236}">
+                <a16:creationId xmlns:a16="http://schemas.microsoft.com/office/drawing/2014/main" id="{D5735F9D-1066-4D0D-8B69-064A1B6FCEFB}"/>
+              </a:ext>
+            </a:extLst>
+          </p:cNvPr>
+          <p:cNvPicPr>
+            <a:picLocks noChangeAspect="1"/>
+          </p:cNvPicPr>
+          <p:nvPr/>
+        </p:nvPicPr>
+        <p:blipFill>
+          <a:blip r:embed="rId2">
+            <a:extLst>
+              <a:ext uri="{28A0092B-C50C-407E-A947-70E740481C1C}">
+                <a14:useLocalDpi xmlns:a14="http://schemas.microsoft.com/office/drawing/2010/main" val="0"/>
+              </a:ext>
+            </a:extLst>
+          </a:blip>
+          <a:stretch>
+            <a:fillRect/>
+          </a:stretch>
+        </p:blipFill>
+        <p:spPr>
+          <a:xfrm>
+            <a:off x="1259632" y="1628800"/>
+            <a:ext cx="7776864" cy="5090965"/>
+          </a:xfrm>
+          <a:prstGeom prst="rect">
+            <a:avLst/>
+          </a:prstGeom>
+        </p:spPr>
+      </p:pic>
+      <p:sp>
+        <p:nvSpPr>
+          <p:cNvPr id="3" name="Título 2">
+            <a:extLst>
+              <a:ext uri="{FF2B5EF4-FFF2-40B4-BE49-F238E27FC236}">
+                <a16:creationId xmlns:a16="http://schemas.microsoft.com/office/drawing/2014/main" id="{DCCAD75C-6CBB-4728-9829-FF3AF5C28B9E}"/>
+              </a:ext>
+            </a:extLst>
+          </p:cNvPr>
+          <p:cNvSpPr>
+            <a:spLocks noGrp="1"/>
+          </p:cNvSpPr>
+          <p:nvPr>
+            <p:ph type="title"/>
+          </p:nvPr>
+        </p:nvSpPr>
+        <p:spPr/>
+        <p:txBody>
+          <a:bodyPr/>
+          <a:lstStyle/>
+          <a:p>
+            <a:pPr algn="ctr"/>
+            <a:r>
+              <a:rPr lang="pt-PT" dirty="0"/>
+              <a:t>System Architecture</a:t>
+            </a:r>
+            <a:endParaRPr lang="en-US" dirty="0"/>
+          </a:p>
+        </p:txBody>
+      </p:sp>
+      <p:sp>
+        <p:nvSpPr>
+          <p:cNvPr id="10" name="Text Placeholder 9">
+            <a:extLst>
+              <a:ext uri="{FF2B5EF4-FFF2-40B4-BE49-F238E27FC236}">
+                <a16:creationId xmlns:a16="http://schemas.microsoft.com/office/drawing/2014/main" id="{FDDB500B-8A17-4F71-87AE-71DB58E8B802}"/>
+              </a:ext>
+            </a:extLst>
+          </p:cNvPr>
+          <p:cNvSpPr>
+            <a:spLocks noGrp="1"/>
+          </p:cNvSpPr>
+          <p:nvPr>
+            <p:ph type="body" idx="1"/>
+          </p:nvPr>
+        </p:nvSpPr>
+        <p:spPr>
+          <a:xfrm>
+            <a:off x="1043608" y="1196753"/>
+            <a:ext cx="4968552" cy="1196752"/>
+          </a:xfrm>
+        </p:spPr>
+        <p:txBody>
+          <a:bodyPr>
+            <a:normAutofit/>
+          </a:bodyPr>
+          <a:lstStyle/>
+          <a:p>
+            <a:pPr marL="0" indent="0" algn="l">
+              <a:buNone/>
+            </a:pPr>
+            <a:r>
+              <a:rPr lang="en-GB" sz="2400" b="1" dirty="0"/>
+              <a:t>SW Architecture: Local System</a:t>
+            </a:r>
+            <a:endParaRPr lang="en-GB" sz="2000" b="0" i="0" dirty="0">
+              <a:solidFill>
+                <a:srgbClr val="000000"/>
+              </a:solidFill>
+              <a:effectLst/>
+              <a:latin typeface="NewsGotT-Reg"/>
+            </a:endParaRPr>
+          </a:p>
+        </p:txBody>
+      </p:sp>
+      <p:sp>
+        <p:nvSpPr>
+          <p:cNvPr id="4" name="Slide Number Placeholder 3">
+            <a:extLst>
+              <a:ext uri="{FF2B5EF4-FFF2-40B4-BE49-F238E27FC236}">
+                <a16:creationId xmlns:a16="http://schemas.microsoft.com/office/drawing/2014/main" id="{17FAB7C6-6F88-4D44-BBB3-24B69BF254BC}"/>
+              </a:ext>
+            </a:extLst>
+          </p:cNvPr>
+          <p:cNvSpPr>
+            <a:spLocks noGrp="1"/>
+          </p:cNvSpPr>
+          <p:nvPr>
+            <p:ph type="sldNum" sz="quarter" idx="11"/>
+          </p:nvPr>
+        </p:nvSpPr>
+        <p:spPr>
+          <a:xfrm>
+            <a:off x="6907832" y="6453336"/>
+            <a:ext cx="2133600" cy="332656"/>
+          </a:xfrm>
+        </p:spPr>
+        <p:txBody>
+          <a:bodyPr/>
+          <a:lstStyle/>
+          <a:p>
+            <a:pPr algn="r"/>
+            <a:fld id="{D4C49B74-5DB2-4B03-B1D2-7F6A3C51C318}" type="slidenum">
+              <a:rPr lang="en-GB" smtClean="0"/>
+              <a:pPr algn="r"/>
+              <a:t>31</a:t>
+            </a:fld>
+            <a:endParaRPr lang="en-GB" dirty="0"/>
+          </a:p>
+        </p:txBody>
+      </p:sp>
+    </p:spTree>
+    <p:extLst>
+      <p:ext uri="{BB962C8B-B14F-4D97-AF65-F5344CB8AC3E}">
+        <p14:creationId xmlns:p14="http://schemas.microsoft.com/office/powerpoint/2010/main" val="1471628245"/>
+      </p:ext>
+    </p:extLst>
+  </p:cSld>
+  <p:clrMapOvr>
+    <a:masterClrMapping/>
+  </p:clrMapOvr>
+</p:sld>
+</file>
+
+<file path=ppt/slides/slide32.xml><?xml version="1.0" encoding="utf-8"?>
+<p:sld xmlns:a="http://schemas.openxmlformats.org/drawingml/2006/main" xmlns:r="http://schemas.openxmlformats.org/officeDocument/2006/relationships" xmlns:p="http://schemas.openxmlformats.org/presentationml/2006/main">
+  <p:cSld>
+    <p:spTree>
+      <p:nvGrpSpPr>
+        <p:cNvPr id="1" name=""/>
+        <p:cNvGrpSpPr/>
+        <p:nvPr/>
+      </p:nvGrpSpPr>
+      <p:grpSpPr>
+        <a:xfrm>
+          <a:off x="0" y="0"/>
+          <a:ext cx="0" cy="0"/>
+          <a:chOff x="0" y="0"/>
+          <a:chExt cx="0" cy="0"/>
+        </a:xfrm>
+      </p:grpSpPr>
+      <p:sp>
+        <p:nvSpPr>
+          <p:cNvPr id="2" name="Marcador de Posição do Texto 1">
+            <a:extLst>
+              <a:ext uri="{FF2B5EF4-FFF2-40B4-BE49-F238E27FC236}">
+                <a16:creationId xmlns:a16="http://schemas.microsoft.com/office/drawing/2014/main" id="{9573174B-D034-4D55-9BBD-64D559F9231D}"/>
+              </a:ext>
+            </a:extLst>
+          </p:cNvPr>
+          <p:cNvSpPr>
+            <a:spLocks noGrp="1"/>
+          </p:cNvSpPr>
+          <p:nvPr>
+            <p:ph type="body" idx="1"/>
+          </p:nvPr>
+        </p:nvSpPr>
+        <p:spPr/>
+        <p:txBody>
+          <a:bodyPr>
+            <a:normAutofit fontScale="92500"/>
+          </a:bodyPr>
+          <a:lstStyle/>
+          <a:p>
+            <a:pPr marL="0" indent="0">
+              <a:buNone/>
+            </a:pPr>
+            <a:r>
+              <a:rPr lang="en-GB" sz="1600" dirty="0">
+                <a:effectLst/>
+                <a:latin typeface="Times New Roman" panose="02020603050405020304" pitchFamily="18" charset="0"/>
+              </a:rPr>
+              <a:t>[1] Fei Tao, Meng Zhang, and A.Y.C. Nee. Chapter 12 - digital twin, cyber–physical system, and internet of things. In Fei Tao, Meng Zhang, and A.Y.C. Nee, editors, Digital Twin Driven Smart</a:t>
+            </a:r>
+            <a:br>
+              <a:rPr lang="en-GB" sz="1600" dirty="0"/>
+            </a:br>
+            <a:r>
+              <a:rPr lang="en-GB" sz="1600" dirty="0">
+                <a:effectLst/>
+                <a:latin typeface="Times New Roman" panose="02020603050405020304" pitchFamily="18" charset="0"/>
+              </a:rPr>
+              <a:t>Manufacturing, pages 243–256. Academic Press, 2019. ISBN 978-0-12-817630-6. </a:t>
+            </a:r>
+            <a:r>
+              <a:rPr lang="en-GB" sz="1600" dirty="0" err="1">
+                <a:effectLst/>
+                <a:latin typeface="Times New Roman" panose="02020603050405020304" pitchFamily="18" charset="0"/>
+              </a:rPr>
+              <a:t>doi</a:t>
+            </a:r>
+            <a:r>
+              <a:rPr lang="en-GB" sz="1600" dirty="0">
+                <a:effectLst/>
+                <a:latin typeface="Times New Roman" panose="02020603050405020304" pitchFamily="18" charset="0"/>
+              </a:rPr>
+              <a:t>: https:</a:t>
+            </a:r>
+            <a:br>
+              <a:rPr lang="en-GB" sz="1600" dirty="0"/>
+            </a:br>
+            <a:r>
+              <a:rPr lang="en-GB" sz="1600" dirty="0">
+                <a:effectLst/>
+                <a:latin typeface="Times New Roman" panose="02020603050405020304" pitchFamily="18" charset="0"/>
+              </a:rPr>
+              <a:t>//doi.org/10.1016/B978-0-12-817630-6.00012-6. URL https://www.sciencedirect.com/science/</a:t>
+            </a:r>
+            <a:br>
+              <a:rPr lang="en-GB" sz="1600" dirty="0"/>
+            </a:br>
+            <a:r>
+              <a:rPr lang="en-GB" sz="1600" dirty="0">
+                <a:effectLst/>
+                <a:latin typeface="Times New Roman" panose="02020603050405020304" pitchFamily="18" charset="0"/>
+              </a:rPr>
+              <a:t>article/</a:t>
+            </a:r>
+            <a:r>
+              <a:rPr lang="en-GB" sz="1600" dirty="0" err="1">
+                <a:effectLst/>
+                <a:latin typeface="Times New Roman" panose="02020603050405020304" pitchFamily="18" charset="0"/>
+              </a:rPr>
+              <a:t>pii</a:t>
+            </a:r>
+            <a:r>
+              <a:rPr lang="en-GB" sz="1600" dirty="0">
+                <a:effectLst/>
+                <a:latin typeface="Times New Roman" panose="02020603050405020304" pitchFamily="18" charset="0"/>
+              </a:rPr>
+              <a:t>/B9780128176306000126.</a:t>
+            </a:r>
+            <a:br>
+              <a:rPr lang="en-GB" sz="1600" dirty="0"/>
+            </a:br>
+            <a:r>
+              <a:rPr lang="en-GB" sz="1600" dirty="0">
+                <a:effectLst/>
+                <a:latin typeface="Times New Roman" panose="02020603050405020304" pitchFamily="18" charset="0"/>
+              </a:rPr>
+              <a:t>[2] What the nose knows. URL https://news.harvard.edu/gazette/story/2020/02/how-scent-emotion-and-memory-are-intertwined-and-exploited/. accessed: 2021-10-23.</a:t>
+            </a:r>
+            <a:br>
+              <a:rPr lang="en-GB" sz="1600" dirty="0"/>
+            </a:br>
+            <a:r>
+              <a:rPr lang="en-GB" sz="1600" dirty="0">
+                <a:effectLst/>
+                <a:latin typeface="Times New Roman" panose="02020603050405020304" pitchFamily="18" charset="0"/>
+              </a:rPr>
+              <a:t>[3] Martin Lindstrom. Brand sense: How to build powerful brands through touch, taste, smell, sight and sound. Strategic Direction, 2006.</a:t>
+            </a:r>
+            <a:br>
+              <a:rPr lang="en-GB" sz="1600" dirty="0"/>
+            </a:br>
+            <a:r>
+              <a:rPr lang="en-GB" sz="1600" dirty="0">
+                <a:effectLst/>
+                <a:latin typeface="Times New Roman" panose="02020603050405020304" pitchFamily="18" charset="0"/>
+              </a:rPr>
+              <a:t>[4] Digital outdoor advertising: The what, the why, the how. URL https://bubbleoutdoor.com/</a:t>
+            </a:r>
+            <a:br>
+              <a:rPr lang="en-GB" sz="1600" dirty="0"/>
+            </a:br>
+            <a:r>
+              <a:rPr lang="en-GB" sz="1600" dirty="0">
+                <a:effectLst/>
+                <a:latin typeface="Times New Roman" panose="02020603050405020304" pitchFamily="18" charset="0"/>
+              </a:rPr>
+              <a:t>digital-outdoor-advertising-what-why-how/. accessed: 2021-10-24.</a:t>
+            </a:r>
+            <a:br>
+              <a:rPr lang="en-GB" sz="1600" dirty="0"/>
+            </a:br>
+            <a:r>
+              <a:rPr lang="en-GB" sz="1600" dirty="0">
+                <a:effectLst/>
+                <a:latin typeface="Times New Roman" panose="02020603050405020304" pitchFamily="18" charset="0"/>
+              </a:rPr>
+              <a:t>[5] Digital outdoor market to be worth $55 BN in 5 years. URL https://www.decisionmarketing.co.uk/news/digital-outdoor-market-to-be-worth-55bn-in-5-years. accessed: 2021-10-24.</a:t>
+            </a:r>
+            <a:br>
+              <a:rPr lang="en-GB" sz="1600" dirty="0"/>
+            </a:br>
+            <a:r>
+              <a:rPr lang="en-GB" sz="1600" dirty="0">
+                <a:effectLst/>
+                <a:latin typeface="Times New Roman" panose="02020603050405020304" pitchFamily="18" charset="0"/>
+              </a:rPr>
+              <a:t>[6] Scent marketing; type of sensory marketing targeted at the olfactory sense, . URL https://www.air-aroma.com/scent-marketing/. accessed: 2021-10-24.</a:t>
+            </a:r>
+            <a:br>
+              <a:rPr lang="en-GB" sz="1600" dirty="0"/>
+            </a:br>
+            <a:r>
+              <a:rPr lang="en-GB" sz="1600" dirty="0">
+                <a:effectLst/>
+                <a:latin typeface="Times New Roman" panose="02020603050405020304" pitchFamily="18" charset="0"/>
+              </a:rPr>
+              <a:t>[7] Scent basics: What is scent marketing, scent branding and ambient scent, . URL https://</a:t>
+            </a:r>
+            <a:br>
+              <a:rPr lang="en-GB" sz="1600" dirty="0"/>
+            </a:br>
+            <a:r>
+              <a:rPr lang="en-GB" sz="1600" dirty="0">
+                <a:effectLst/>
+                <a:latin typeface="Times New Roman" panose="02020603050405020304" pitchFamily="18" charset="0"/>
+              </a:rPr>
+              <a:t>reedpacificmedia.com/scent-basics-what-is-scent-marketing-scent-branding-and-ambient-scent/.</a:t>
+            </a:r>
+            <a:br>
+              <a:rPr lang="en-GB" sz="1600" dirty="0"/>
+            </a:br>
+            <a:r>
+              <a:rPr lang="en-GB" sz="1600" dirty="0">
+                <a:effectLst/>
+                <a:latin typeface="Times New Roman" panose="02020603050405020304" pitchFamily="18" charset="0"/>
+              </a:rPr>
+              <a:t>accessed: 2021-10-24.</a:t>
+            </a:r>
+            <a:br>
+              <a:rPr lang="en-GB" sz="1600" dirty="0"/>
+            </a:br>
+            <a:r>
+              <a:rPr lang="en-GB" sz="1600" dirty="0">
+                <a:effectLst/>
+                <a:latin typeface="Times New Roman" panose="02020603050405020304" pitchFamily="18" charset="0"/>
+              </a:rPr>
+              <a:t>[8] Digital scent technology market with covid-19 impact analysis, . URL https://www.</a:t>
+            </a:r>
+            <a:br>
+              <a:rPr lang="en-GB" sz="1600" dirty="0"/>
+            </a:br>
+            <a:r>
+              <a:rPr lang="en-GB" sz="1600" dirty="0">
+                <a:effectLst/>
+                <a:latin typeface="Times New Roman" panose="02020603050405020304" pitchFamily="18" charset="0"/>
+              </a:rPr>
+              <a:t>marketsandmarkets.com/Market-Reports/digital-scent-technology-market-118670062.html. ac-</a:t>
+            </a:r>
+            <a:br>
+              <a:rPr lang="en-GB" sz="1600" dirty="0"/>
+            </a:br>
+            <a:r>
+              <a:rPr lang="en-GB" sz="1600" dirty="0">
+                <a:effectLst/>
+                <a:latin typeface="Times New Roman" panose="02020603050405020304" pitchFamily="18" charset="0"/>
+              </a:rPr>
+              <a:t>cessed: 2021-10-24</a:t>
+            </a:r>
+            <a:endParaRPr lang="en-US" sz="1600" dirty="0"/>
+          </a:p>
+        </p:txBody>
+      </p:sp>
+      <p:sp>
+        <p:nvSpPr>
+          <p:cNvPr id="3" name="Título 2">
+            <a:extLst>
+              <a:ext uri="{FF2B5EF4-FFF2-40B4-BE49-F238E27FC236}">
+                <a16:creationId xmlns:a16="http://schemas.microsoft.com/office/drawing/2014/main" id="{DCCAD75C-6CBB-4728-9829-FF3AF5C28B9E}"/>
+              </a:ext>
+            </a:extLst>
+          </p:cNvPr>
+          <p:cNvSpPr>
+            <a:spLocks noGrp="1"/>
+          </p:cNvSpPr>
+          <p:nvPr>
+            <p:ph type="title"/>
+          </p:nvPr>
+        </p:nvSpPr>
+        <p:spPr/>
+        <p:txBody>
+          <a:bodyPr/>
+          <a:lstStyle/>
+          <a:p>
+            <a:pPr algn="ctr"/>
+            <a:r>
+              <a:rPr lang="pt-PT" dirty="0"/>
+              <a:t>Bibliography</a:t>
+            </a:r>
+            <a:endParaRPr lang="en-US" dirty="0"/>
+          </a:p>
+        </p:txBody>
+      </p:sp>
+      <p:sp>
+        <p:nvSpPr>
+          <p:cNvPr id="5" name="Slide Number Placeholder 4">
+            <a:extLst>
+              <a:ext uri="{FF2B5EF4-FFF2-40B4-BE49-F238E27FC236}">
+                <a16:creationId xmlns:a16="http://schemas.microsoft.com/office/drawing/2014/main" id="{FBE01DC2-D945-4263-AA40-306C6E967480}"/>
+              </a:ext>
+            </a:extLst>
+          </p:cNvPr>
+          <p:cNvSpPr>
+            <a:spLocks noGrp="1"/>
+          </p:cNvSpPr>
+          <p:nvPr>
+            <p:ph type="sldNum" sz="quarter" idx="11"/>
+          </p:nvPr>
+        </p:nvSpPr>
+        <p:spPr/>
+        <p:txBody>
+          <a:bodyPr/>
+          <a:lstStyle/>
+          <a:p>
+            <a:pPr algn="r"/>
+            <a:fld id="{D4C49B74-5DB2-4B03-B1D2-7F6A3C51C318}" type="slidenum">
+              <a:rPr lang="en-GB" smtClean="0"/>
+              <a:pPr algn="r"/>
+              <a:t>32</a:t>
+            </a:fld>
+            <a:endParaRPr lang="en-GB"/>
+          </a:p>
+        </p:txBody>
+      </p:sp>
+    </p:spTree>
+    <p:extLst>
+      <p:ext uri="{BB962C8B-B14F-4D97-AF65-F5344CB8AC3E}">
+        <p14:creationId xmlns:p14="http://schemas.microsoft.com/office/powerpoint/2010/main" val="3023989708"/>
       </p:ext>
     </p:extLst>
   </p:cSld>
@@ -10657,11 +15176,11 @@
 </file>
 
 <file path=customXml/item1.xml><?xml version="1.0" encoding="utf-8"?>
-<ct:contentTypeSchema xmlns:ct="http://schemas.microsoft.com/office/2006/metadata/contentType" xmlns:ma="http://schemas.microsoft.com/office/2006/metadata/properties/metaAttributes" ct:_="" ma:_="" ma:contentTypeName="TemplateFile" ma:contentTypeID="0x0101005EB5FCBB1E5ECD4D83FA6E62BA4F98FF04003B76559807ED7042AFCC9CD6E0E16B7A" ma:contentTypeVersion="23" ma:contentTypeDescription="Create a new document." ma:contentTypeScope="" ma:versionID="4e7ae912b4fbccaa31f4eb83f826eee0"/>
+<p:properties xmlns:p="http://schemas.microsoft.com/office/2006/metadata/properties" xmlns:xsi="http://www.w3.org/2001/XMLSchema-instance" xmlns:pc="http://schemas.microsoft.com/office/infopath/2007/PartnerControls"/>
 </file>
 
 <file path=customXml/item2.xml><?xml version="1.0" encoding="utf-8"?>
-<p:properties xmlns:p="http://schemas.microsoft.com/office/2006/metadata/properties" xmlns:xsi="http://www.w3.org/2001/XMLSchema-instance" xmlns:pc="http://schemas.microsoft.com/office/infopath/2007/PartnerControls"/>
+<ct:contentTypeSchema xmlns:ct="http://schemas.microsoft.com/office/2006/metadata/contentType" xmlns:ma="http://schemas.microsoft.com/office/2006/metadata/properties/metaAttributes" ct:_="" ma:_="" ma:contentTypeName="TemplateFile" ma:contentTypeID="0x0101005EB5FCBB1E5ECD4D83FA6E62BA4F98FF04003B76559807ED7042AFCC9CD6E0E16B7A" ma:contentTypeVersion="23" ma:contentTypeDescription="Create a new document." ma:contentTypeScope="" ma:versionID="4e7ae912b4fbccaa31f4eb83f826eee0"/>
 </file>
 
 <file path=customXml/item3.xml><?xml version="1.0" encoding="utf-8"?>
@@ -10674,19 +15193,19 @@
 </file>
 
 <file path=customXml/itemProps1.xml><?xml version="1.0" encoding="utf-8"?>
-<ds:datastoreItem xmlns:ds="http://schemas.openxmlformats.org/officeDocument/2006/customXml" ds:itemID="{43739120-6E4D-43F1-BE63-8A56581E977C}">
+<ds:datastoreItem xmlns:ds="http://schemas.openxmlformats.org/officeDocument/2006/customXml" ds:itemID="{01D2A88F-2AED-40BE-90C1-A47312572039}">
   <ds:schemaRefs>
-    <ds:schemaRef ds:uri="http://schemas.microsoft.com/office/2006/metadata/contentType"/>
-    <ds:schemaRef ds:uri="http://schemas.microsoft.com/office/2006/metadata/properties/metaAttributes"/>
+    <ds:schemaRef ds:uri="http://schemas.microsoft.com/office/2006/metadata/properties"/>
+    <ds:schemaRef ds:uri="http://schemas.microsoft.com/office/infopath/2007/PartnerControls"/>
   </ds:schemaRefs>
 </ds:datastoreItem>
 </file>
 
 <file path=customXml/itemProps2.xml><?xml version="1.0" encoding="utf-8"?>
-<ds:datastoreItem xmlns:ds="http://schemas.openxmlformats.org/officeDocument/2006/customXml" ds:itemID="{01D2A88F-2AED-40BE-90C1-A47312572039}">
+<ds:datastoreItem xmlns:ds="http://schemas.openxmlformats.org/officeDocument/2006/customXml" ds:itemID="{43739120-6E4D-43F1-BE63-8A56581E977C}">
   <ds:schemaRefs>
-    <ds:schemaRef ds:uri="http://schemas.microsoft.com/office/2006/metadata/properties"/>
-    <ds:schemaRef ds:uri="http://schemas.microsoft.com/office/infopath/2007/PartnerControls"/>
+    <ds:schemaRef ds:uri="http://schemas.microsoft.com/office/2006/metadata/contentType"/>
+    <ds:schemaRef ds:uri="http://schemas.microsoft.com/office/2006/metadata/properties/metaAttributes"/>
   </ds:schemaRefs>
 </ds:datastoreItem>
 </file>
